--- a/mode_choice_thesis_8-26-22.pptx
+++ b/mode_choice_thesis_8-26-22.pptx
@@ -738,7 +738,7 @@
           <a:p>
             <a:fld id="{9C903A87-2269-EE4A-AAA2-349CEE4A908A}" type="datetimeFigureOut">
               <a:rPr lang="en-US" smtClean="0"/>
-              <a:t>8/27/2022</a:t>
+              <a:t>8/29/2022</a:t>
             </a:fld>
             <a:endParaRPr lang="en-US"/>
           </a:p>
@@ -904,7 +904,7 @@
           <a:p>
             <a:fld id="{9C903A87-2269-EE4A-AAA2-349CEE4A908A}" type="datetimeFigureOut">
               <a:rPr lang="en-US" smtClean="0"/>
-              <a:t>8/27/2022</a:t>
+              <a:t>8/29/2022</a:t>
             </a:fld>
             <a:endParaRPr lang="en-US"/>
           </a:p>
@@ -1241,7 +1241,7 @@
           <a:p>
             <a:fld id="{9C903A87-2269-EE4A-AAA2-349CEE4A908A}" type="datetimeFigureOut">
               <a:rPr lang="en-US" smtClean="0"/>
-              <a:t>8/27/2022</a:t>
+              <a:t>8/29/2022</a:t>
             </a:fld>
             <a:endParaRPr lang="en-US"/>
           </a:p>
@@ -2718,7 +2718,7 @@
           <a:p>
             <a:fld id="{9C903A87-2269-EE4A-AAA2-349CEE4A908A}" type="datetimeFigureOut">
               <a:rPr lang="en-US" smtClean="0"/>
-              <a:t>8/27/2022</a:t>
+              <a:t>8/29/2022</a:t>
             </a:fld>
             <a:endParaRPr lang="en-US"/>
           </a:p>
@@ -4123,7 +4123,7 @@
           <a:p>
             <a:fld id="{9C903A87-2269-EE4A-AAA2-349CEE4A908A}" type="datetimeFigureOut">
               <a:rPr lang="en-US" smtClean="0"/>
-              <a:t>8/27/2022</a:t>
+              <a:t>8/29/2022</a:t>
             </a:fld>
             <a:endParaRPr lang="en-US"/>
           </a:p>
@@ -4376,7 +4376,7 @@
           <a:p>
             <a:fld id="{9C903A87-2269-EE4A-AAA2-349CEE4A908A}" type="datetimeFigureOut">
               <a:rPr lang="en-US" smtClean="0"/>
-              <a:t>8/27/2022</a:t>
+              <a:t>8/29/2022</a:t>
             </a:fld>
             <a:endParaRPr lang="en-US"/>
           </a:p>
@@ -4667,7 +4667,7 @@
           <a:p>
             <a:fld id="{9C903A87-2269-EE4A-AAA2-349CEE4A908A}" type="datetimeFigureOut">
               <a:rPr lang="en-US" smtClean="0"/>
-              <a:t>8/27/2022</a:t>
+              <a:t>8/29/2022</a:t>
             </a:fld>
             <a:endParaRPr lang="en-US"/>
           </a:p>
@@ -6098,7 +6098,7 @@
                   <a:schemeClr val="bg1"/>
                 </a:solidFill>
               </a:rPr>
-              <a:t>Division of agents who switch from one mode toa ride hail modes</a:t>
+              <a:t>Division of agents who switch from one mode to ride hail modes</a:t>
             </a:r>
           </a:p>
           <a:p>

--- a/mode_choice_thesis_8-26-22.pptx
+++ b/mode_choice_thesis_8-26-22.pptx
@@ -738,7 +738,7 @@
           <a:p>
             <a:fld id="{9C903A87-2269-EE4A-AAA2-349CEE4A908A}" type="datetimeFigureOut">
               <a:rPr lang="en-US" smtClean="0"/>
-              <a:t>8/29/2022</a:t>
+              <a:t>9/14/2022</a:t>
             </a:fld>
             <a:endParaRPr lang="en-US"/>
           </a:p>
@@ -904,7 +904,7 @@
           <a:p>
             <a:fld id="{9C903A87-2269-EE4A-AAA2-349CEE4A908A}" type="datetimeFigureOut">
               <a:rPr lang="en-US" smtClean="0"/>
-              <a:t>8/29/2022</a:t>
+              <a:t>9/14/2022</a:t>
             </a:fld>
             <a:endParaRPr lang="en-US"/>
           </a:p>
@@ -1241,7 +1241,7 @@
           <a:p>
             <a:fld id="{9C903A87-2269-EE4A-AAA2-349CEE4A908A}" type="datetimeFigureOut">
               <a:rPr lang="en-US" smtClean="0"/>
-              <a:t>8/29/2022</a:t>
+              <a:t>9/14/2022</a:t>
             </a:fld>
             <a:endParaRPr lang="en-US"/>
           </a:p>
@@ -2718,7 +2718,7 @@
           <a:p>
             <a:fld id="{9C903A87-2269-EE4A-AAA2-349CEE4A908A}" type="datetimeFigureOut">
               <a:rPr lang="en-US" smtClean="0"/>
-              <a:t>8/29/2022</a:t>
+              <a:t>9/14/2022</a:t>
             </a:fld>
             <a:endParaRPr lang="en-US"/>
           </a:p>
@@ -4123,7 +4123,7 @@
           <a:p>
             <a:fld id="{9C903A87-2269-EE4A-AAA2-349CEE4A908A}" type="datetimeFigureOut">
               <a:rPr lang="en-US" smtClean="0"/>
-              <a:t>8/29/2022</a:t>
+              <a:t>9/14/2022</a:t>
             </a:fld>
             <a:endParaRPr lang="en-US"/>
           </a:p>
@@ -4376,7 +4376,7 @@
           <a:p>
             <a:fld id="{9C903A87-2269-EE4A-AAA2-349CEE4A908A}" type="datetimeFigureOut">
               <a:rPr lang="en-US" smtClean="0"/>
-              <a:t>8/29/2022</a:t>
+              <a:t>9/14/2022</a:t>
             </a:fld>
             <a:endParaRPr lang="en-US"/>
           </a:p>
@@ -4667,7 +4667,7 @@
           <a:p>
             <a:fld id="{9C903A87-2269-EE4A-AAA2-349CEE4A908A}" type="datetimeFigureOut">
               <a:rPr lang="en-US" smtClean="0"/>
-              <a:t>8/29/2022</a:t>
+              <a:t>9/14/2022</a:t>
             </a:fld>
             <a:endParaRPr lang="en-US"/>
           </a:p>
@@ -5117,10 +5117,10 @@
           <a:lstStyle/>
           <a:p>
             <a:r>
-              <a:rPr lang="en-US" sz="4800" b="0" dirty="0"/>
-              <a:t>Forecasting Novel Modes Across Multiple Mode Choice Frameworks</a:t>
-            </a:r>
-            <a:endParaRPr lang="en-US" sz="4800" dirty="0"/>
+              <a:rPr lang="en-US" sz="4400" b="0" dirty="0"/>
+              <a:t>Forecasting Ride-hailing Across Multiple Model Frameworks</a:t>
+            </a:r>
+            <a:endParaRPr lang="en-US" sz="4400" dirty="0"/>
           </a:p>
         </p:txBody>
       </p:sp>
@@ -5216,12 +5216,574 @@
           </a:p>
         </p:txBody>
       </p:sp>
+      <p:sp>
+        <p:nvSpPr>
+          <p:cNvPr id="5" name="Text Placeholder 3">
+            <a:extLst>
+              <a:ext uri="{FF2B5EF4-FFF2-40B4-BE49-F238E27FC236}">
+                <a16:creationId xmlns:a16="http://schemas.microsoft.com/office/drawing/2014/main" id="{78E80B38-C1BB-4F16-AC80-EBCC714C0C1A}"/>
+              </a:ext>
+            </a:extLst>
+          </p:cNvPr>
+          <p:cNvSpPr txBox="1">
+            <a:spLocks/>
+          </p:cNvSpPr>
+          <p:nvPr/>
+        </p:nvSpPr>
+        <p:spPr>
+          <a:xfrm>
+            <a:off x="838200" y="1558808"/>
+            <a:ext cx="4203583" cy="1108848"/>
+          </a:xfrm>
+          <a:prstGeom prst="rect">
+            <a:avLst/>
+          </a:prstGeom>
+        </p:spPr>
+        <p:txBody>
+          <a:bodyPr vert="horz" lIns="91440" tIns="45720" rIns="91440" bIns="45720" rtlCol="0" anchor="ctr">
+            <a:normAutofit/>
+          </a:bodyPr>
+          <a:lstStyle>
+            <a:lvl1pPr marL="0" indent="0" algn="l" defTabSz="914400" rtl="0" eaLnBrk="1" latinLnBrk="0" hangingPunct="1">
+              <a:lnSpc>
+                <a:spcPct val="90000"/>
+              </a:lnSpc>
+              <a:spcBef>
+                <a:spcPts val="1000"/>
+              </a:spcBef>
+              <a:buFont typeface="Arial" panose="020B0604020202020204" pitchFamily="34" charset="0"/>
+              <a:buNone/>
+              <a:defRPr sz="2400" b="1" i="0" kern="1200">
+                <a:solidFill>
+                  <a:srgbClr val="0062B8"/>
+                </a:solidFill>
+                <a:latin typeface="Rockwell" panose="02060603020205020403" pitchFamily="18" charset="77"/>
+                <a:ea typeface="Open Sans" panose="020B0606030504020204" pitchFamily="34" charset="0"/>
+                <a:cs typeface="Open Sans" panose="020B0606030504020204" pitchFamily="34" charset="0"/>
+              </a:defRPr>
+            </a:lvl1pPr>
+            <a:lvl2pPr marL="457200" indent="0" algn="l" defTabSz="914400" rtl="0" eaLnBrk="1" latinLnBrk="0" hangingPunct="1">
+              <a:lnSpc>
+                <a:spcPct val="90000"/>
+              </a:lnSpc>
+              <a:spcBef>
+                <a:spcPts val="500"/>
+              </a:spcBef>
+              <a:buFont typeface="Arial" panose="020B0604020202020204" pitchFamily="34" charset="0"/>
+              <a:buNone/>
+              <a:defRPr sz="2000" b="1" i="0" kern="1200">
+                <a:solidFill>
+                  <a:srgbClr val="59595C"/>
+                </a:solidFill>
+                <a:latin typeface="Helvetica" pitchFamily="2" charset="0"/>
+                <a:ea typeface="Open Sans" panose="020B0606030504020204" pitchFamily="34" charset="0"/>
+                <a:cs typeface="Open Sans" panose="020B0606030504020204" pitchFamily="34" charset="0"/>
+              </a:defRPr>
+            </a:lvl2pPr>
+            <a:lvl3pPr marL="914400" indent="0" algn="l" defTabSz="914400" rtl="0" eaLnBrk="1" latinLnBrk="0" hangingPunct="1">
+              <a:lnSpc>
+                <a:spcPct val="90000"/>
+              </a:lnSpc>
+              <a:spcBef>
+                <a:spcPts val="500"/>
+              </a:spcBef>
+              <a:buFont typeface="Arial" panose="020B0604020202020204" pitchFamily="34" charset="0"/>
+              <a:buNone/>
+              <a:defRPr sz="1800" b="1" i="0" kern="1200">
+                <a:solidFill>
+                  <a:srgbClr val="59595C"/>
+                </a:solidFill>
+                <a:latin typeface="Helvetica" pitchFamily="2" charset="0"/>
+                <a:ea typeface="Open Sans" panose="020B0606030504020204" pitchFamily="34" charset="0"/>
+                <a:cs typeface="Open Sans" panose="020B0606030504020204" pitchFamily="34" charset="0"/>
+              </a:defRPr>
+            </a:lvl3pPr>
+            <a:lvl4pPr marL="1371600" indent="0" algn="l" defTabSz="914400" rtl="0" eaLnBrk="1" latinLnBrk="0" hangingPunct="1">
+              <a:lnSpc>
+                <a:spcPct val="90000"/>
+              </a:lnSpc>
+              <a:spcBef>
+                <a:spcPts val="500"/>
+              </a:spcBef>
+              <a:buFont typeface="Arial" panose="020B0604020202020204" pitchFamily="34" charset="0"/>
+              <a:buNone/>
+              <a:defRPr sz="1600" b="1" i="0" kern="1200">
+                <a:solidFill>
+                  <a:srgbClr val="59595C"/>
+                </a:solidFill>
+                <a:latin typeface="Helvetica" pitchFamily="2" charset="0"/>
+                <a:ea typeface="Open Sans" panose="020B0606030504020204" pitchFamily="34" charset="0"/>
+                <a:cs typeface="Open Sans" panose="020B0606030504020204" pitchFamily="34" charset="0"/>
+              </a:defRPr>
+            </a:lvl4pPr>
+            <a:lvl5pPr marL="1828800" indent="0" algn="l" defTabSz="914400" rtl="0" eaLnBrk="1" latinLnBrk="0" hangingPunct="1">
+              <a:lnSpc>
+                <a:spcPct val="90000"/>
+              </a:lnSpc>
+              <a:spcBef>
+                <a:spcPts val="500"/>
+              </a:spcBef>
+              <a:buFont typeface="Arial" panose="020B0604020202020204" pitchFamily="34" charset="0"/>
+              <a:buNone/>
+              <a:defRPr sz="1600" b="1" i="0" kern="1200">
+                <a:solidFill>
+                  <a:srgbClr val="59595C"/>
+                </a:solidFill>
+                <a:latin typeface="Helvetica" pitchFamily="2" charset="0"/>
+                <a:ea typeface="Open Sans" panose="020B0606030504020204" pitchFamily="34" charset="0"/>
+                <a:cs typeface="Open Sans" panose="020B0606030504020204" pitchFamily="34" charset="0"/>
+              </a:defRPr>
+            </a:lvl5pPr>
+            <a:lvl6pPr marL="2286000" indent="0" algn="l" defTabSz="914400" rtl="0" eaLnBrk="1" latinLnBrk="0" hangingPunct="1">
+              <a:lnSpc>
+                <a:spcPct val="90000"/>
+              </a:lnSpc>
+              <a:spcBef>
+                <a:spcPts val="500"/>
+              </a:spcBef>
+              <a:buFont typeface="Arial" panose="020B0604020202020204" pitchFamily="34" charset="0"/>
+              <a:buNone/>
+              <a:defRPr sz="1600" b="1" kern="1200">
+                <a:solidFill>
+                  <a:schemeClr val="tx1"/>
+                </a:solidFill>
+                <a:latin typeface="+mn-lt"/>
+                <a:ea typeface="+mn-ea"/>
+                <a:cs typeface="+mn-cs"/>
+              </a:defRPr>
+            </a:lvl6pPr>
+            <a:lvl7pPr marL="2743200" indent="0" algn="l" defTabSz="914400" rtl="0" eaLnBrk="1" latinLnBrk="0" hangingPunct="1">
+              <a:lnSpc>
+                <a:spcPct val="90000"/>
+              </a:lnSpc>
+              <a:spcBef>
+                <a:spcPts val="500"/>
+              </a:spcBef>
+              <a:buFont typeface="Arial" panose="020B0604020202020204" pitchFamily="34" charset="0"/>
+              <a:buNone/>
+              <a:defRPr sz="1600" b="1" kern="1200">
+                <a:solidFill>
+                  <a:schemeClr val="tx1"/>
+                </a:solidFill>
+                <a:latin typeface="+mn-lt"/>
+                <a:ea typeface="+mn-ea"/>
+                <a:cs typeface="+mn-cs"/>
+              </a:defRPr>
+            </a:lvl7pPr>
+            <a:lvl8pPr marL="3200400" indent="0" algn="l" defTabSz="914400" rtl="0" eaLnBrk="1" latinLnBrk="0" hangingPunct="1">
+              <a:lnSpc>
+                <a:spcPct val="90000"/>
+              </a:lnSpc>
+              <a:spcBef>
+                <a:spcPts val="500"/>
+              </a:spcBef>
+              <a:buFont typeface="Arial" panose="020B0604020202020204" pitchFamily="34" charset="0"/>
+              <a:buNone/>
+              <a:defRPr sz="1600" b="1" kern="1200">
+                <a:solidFill>
+                  <a:schemeClr val="tx1"/>
+                </a:solidFill>
+                <a:latin typeface="+mn-lt"/>
+                <a:ea typeface="+mn-ea"/>
+                <a:cs typeface="+mn-cs"/>
+              </a:defRPr>
+            </a:lvl8pPr>
+            <a:lvl9pPr marL="3657600" indent="0" algn="l" defTabSz="914400" rtl="0" eaLnBrk="1" latinLnBrk="0" hangingPunct="1">
+              <a:lnSpc>
+                <a:spcPct val="90000"/>
+              </a:lnSpc>
+              <a:spcBef>
+                <a:spcPts val="500"/>
+              </a:spcBef>
+              <a:buFont typeface="Arial" panose="020B0604020202020204" pitchFamily="34" charset="0"/>
+              <a:buNone/>
+              <a:defRPr sz="1600" b="1" kern="1200">
+                <a:solidFill>
+                  <a:schemeClr val="tx1"/>
+                </a:solidFill>
+                <a:latin typeface="+mn-lt"/>
+                <a:ea typeface="+mn-ea"/>
+                <a:cs typeface="+mn-cs"/>
+              </a:defRPr>
+            </a:lvl9pPr>
+          </a:lstStyle>
+          <a:p>
+            <a:pPr algn="ctr"/>
+            <a:r>
+              <a:rPr lang="en-US" dirty="0"/>
+              <a:t> Percent Ride Hail Time Utilization</a:t>
+            </a:r>
+          </a:p>
+        </p:txBody>
+      </p:sp>
+      <p:sp>
+        <p:nvSpPr>
+          <p:cNvPr id="7" name="Content Placeholder 4">
+            <a:extLst>
+              <a:ext uri="{FF2B5EF4-FFF2-40B4-BE49-F238E27FC236}">
+                <a16:creationId xmlns:a16="http://schemas.microsoft.com/office/drawing/2014/main" id="{01C341D2-96BD-4140-AC63-4126F93320C6}"/>
+              </a:ext>
+            </a:extLst>
+          </p:cNvPr>
+          <p:cNvSpPr txBox="1">
+            <a:spLocks/>
+          </p:cNvSpPr>
+          <p:nvPr/>
+        </p:nvSpPr>
+        <p:spPr>
+          <a:xfrm>
+            <a:off x="1102872" y="2505075"/>
+            <a:ext cx="3358995" cy="3219202"/>
+          </a:xfrm>
+          <a:prstGeom prst="rect">
+            <a:avLst/>
+          </a:prstGeom>
+        </p:spPr>
+        <p:txBody>
+          <a:bodyPr vert="horz" lIns="91440" tIns="45720" rIns="91440" bIns="45720" rtlCol="0">
+            <a:normAutofit/>
+          </a:bodyPr>
+          <a:lstStyle>
+            <a:lvl1pPr marL="0" indent="0" algn="l" defTabSz="914400" rtl="0" eaLnBrk="1" latinLnBrk="0" hangingPunct="1">
+              <a:lnSpc>
+                <a:spcPct val="90000"/>
+              </a:lnSpc>
+              <a:spcBef>
+                <a:spcPts val="1000"/>
+              </a:spcBef>
+              <a:buFont typeface="Arial" panose="020B0604020202020204" pitchFamily="34" charset="0"/>
+              <a:buNone/>
+              <a:defRPr sz="1600" b="0" i="0" kern="1200">
+                <a:solidFill>
+                  <a:srgbClr val="59595C"/>
+                </a:solidFill>
+                <a:latin typeface="Helvetica" pitchFamily="2" charset="0"/>
+                <a:ea typeface="Open Sans" panose="020B0606030504020204" pitchFamily="34" charset="0"/>
+                <a:cs typeface="Open Sans" panose="020B0606030504020204" pitchFamily="34" charset="0"/>
+              </a:defRPr>
+            </a:lvl1pPr>
+            <a:lvl2pPr marL="457200" indent="0" algn="l" defTabSz="914400" rtl="0" eaLnBrk="1" latinLnBrk="0" hangingPunct="1">
+              <a:lnSpc>
+                <a:spcPct val="90000"/>
+              </a:lnSpc>
+              <a:spcBef>
+                <a:spcPts val="500"/>
+              </a:spcBef>
+              <a:buFont typeface="Arial" panose="020B0604020202020204" pitchFamily="34" charset="0"/>
+              <a:buNone/>
+              <a:defRPr sz="1400" b="0" i="0" kern="1200">
+                <a:solidFill>
+                  <a:srgbClr val="59595C"/>
+                </a:solidFill>
+                <a:latin typeface="Helvetica" pitchFamily="2" charset="0"/>
+                <a:ea typeface="Open Sans" panose="020B0606030504020204" pitchFamily="34" charset="0"/>
+                <a:cs typeface="Open Sans" panose="020B0606030504020204" pitchFamily="34" charset="0"/>
+              </a:defRPr>
+            </a:lvl2pPr>
+            <a:lvl3pPr marL="914400" indent="0" algn="l" defTabSz="914400" rtl="0" eaLnBrk="1" latinLnBrk="0" hangingPunct="1">
+              <a:lnSpc>
+                <a:spcPct val="90000"/>
+              </a:lnSpc>
+              <a:spcBef>
+                <a:spcPts val="500"/>
+              </a:spcBef>
+              <a:buFont typeface="Arial" panose="020B0604020202020204" pitchFamily="34" charset="0"/>
+              <a:buNone/>
+              <a:defRPr sz="1200" b="0" i="0" kern="1200">
+                <a:solidFill>
+                  <a:srgbClr val="59595C"/>
+                </a:solidFill>
+                <a:latin typeface="Helvetica" pitchFamily="2" charset="0"/>
+                <a:ea typeface="Open Sans" panose="020B0606030504020204" pitchFamily="34" charset="0"/>
+                <a:cs typeface="Open Sans" panose="020B0606030504020204" pitchFamily="34" charset="0"/>
+              </a:defRPr>
+            </a:lvl3pPr>
+            <a:lvl4pPr marL="1371600" indent="0" algn="l" defTabSz="914400" rtl="0" eaLnBrk="1" latinLnBrk="0" hangingPunct="1">
+              <a:lnSpc>
+                <a:spcPct val="90000"/>
+              </a:lnSpc>
+              <a:spcBef>
+                <a:spcPts val="500"/>
+              </a:spcBef>
+              <a:buFont typeface="Arial" panose="020B0604020202020204" pitchFamily="34" charset="0"/>
+              <a:buNone/>
+              <a:defRPr sz="1000" b="0" i="0" kern="1200">
+                <a:solidFill>
+                  <a:srgbClr val="59595C"/>
+                </a:solidFill>
+                <a:latin typeface="Helvetica" pitchFamily="2" charset="0"/>
+                <a:ea typeface="Open Sans" panose="020B0606030504020204" pitchFamily="34" charset="0"/>
+                <a:cs typeface="Open Sans" panose="020B0606030504020204" pitchFamily="34" charset="0"/>
+              </a:defRPr>
+            </a:lvl4pPr>
+            <a:lvl5pPr marL="1828800" indent="0" algn="l" defTabSz="914400" rtl="0" eaLnBrk="1" latinLnBrk="0" hangingPunct="1">
+              <a:lnSpc>
+                <a:spcPct val="90000"/>
+              </a:lnSpc>
+              <a:spcBef>
+                <a:spcPts val="500"/>
+              </a:spcBef>
+              <a:buFont typeface="Arial" panose="020B0604020202020204" pitchFamily="34" charset="0"/>
+              <a:buNone/>
+              <a:defRPr sz="1000" b="0" i="0" kern="1200">
+                <a:solidFill>
+                  <a:srgbClr val="59595C"/>
+                </a:solidFill>
+                <a:latin typeface="Helvetica" pitchFamily="2" charset="0"/>
+                <a:ea typeface="Open Sans" panose="020B0606030504020204" pitchFamily="34" charset="0"/>
+                <a:cs typeface="Open Sans" panose="020B0606030504020204" pitchFamily="34" charset="0"/>
+              </a:defRPr>
+            </a:lvl5pPr>
+            <a:lvl6pPr marL="2286000" indent="0" algn="l" defTabSz="914400" rtl="0" eaLnBrk="1" latinLnBrk="0" hangingPunct="1">
+              <a:lnSpc>
+                <a:spcPct val="90000"/>
+              </a:lnSpc>
+              <a:spcBef>
+                <a:spcPts val="500"/>
+              </a:spcBef>
+              <a:buFont typeface="Arial" panose="020B0604020202020204" pitchFamily="34" charset="0"/>
+              <a:buNone/>
+              <a:defRPr sz="1000" kern="1200">
+                <a:solidFill>
+                  <a:schemeClr val="tx1"/>
+                </a:solidFill>
+                <a:latin typeface="+mn-lt"/>
+                <a:ea typeface="+mn-ea"/>
+                <a:cs typeface="+mn-cs"/>
+              </a:defRPr>
+            </a:lvl6pPr>
+            <a:lvl7pPr marL="2743200" indent="0" algn="l" defTabSz="914400" rtl="0" eaLnBrk="1" latinLnBrk="0" hangingPunct="1">
+              <a:lnSpc>
+                <a:spcPct val="90000"/>
+              </a:lnSpc>
+              <a:spcBef>
+                <a:spcPts val="500"/>
+              </a:spcBef>
+              <a:buFont typeface="Arial" panose="020B0604020202020204" pitchFamily="34" charset="0"/>
+              <a:buNone/>
+              <a:defRPr sz="1000" kern="1200">
+                <a:solidFill>
+                  <a:schemeClr val="tx1"/>
+                </a:solidFill>
+                <a:latin typeface="+mn-lt"/>
+                <a:ea typeface="+mn-ea"/>
+                <a:cs typeface="+mn-cs"/>
+              </a:defRPr>
+            </a:lvl7pPr>
+            <a:lvl8pPr marL="3200400" indent="0" algn="l" defTabSz="914400" rtl="0" eaLnBrk="1" latinLnBrk="0" hangingPunct="1">
+              <a:lnSpc>
+                <a:spcPct val="90000"/>
+              </a:lnSpc>
+              <a:spcBef>
+                <a:spcPts val="500"/>
+              </a:spcBef>
+              <a:buFont typeface="Arial" panose="020B0604020202020204" pitchFamily="34" charset="0"/>
+              <a:buNone/>
+              <a:defRPr sz="1000" kern="1200">
+                <a:solidFill>
+                  <a:schemeClr val="tx1"/>
+                </a:solidFill>
+                <a:latin typeface="+mn-lt"/>
+                <a:ea typeface="+mn-ea"/>
+                <a:cs typeface="+mn-cs"/>
+              </a:defRPr>
+            </a:lvl8pPr>
+            <a:lvl9pPr marL="3657600" indent="0" algn="l" defTabSz="914400" rtl="0" eaLnBrk="1" latinLnBrk="0" hangingPunct="1">
+              <a:lnSpc>
+                <a:spcPct val="90000"/>
+              </a:lnSpc>
+              <a:spcBef>
+                <a:spcPts val="500"/>
+              </a:spcBef>
+              <a:buFont typeface="Arial" panose="020B0604020202020204" pitchFamily="34" charset="0"/>
+              <a:buNone/>
+              <a:defRPr sz="1000" kern="1200">
+                <a:solidFill>
+                  <a:schemeClr val="tx1"/>
+                </a:solidFill>
+                <a:latin typeface="+mn-lt"/>
+                <a:ea typeface="+mn-ea"/>
+                <a:cs typeface="+mn-cs"/>
+              </a:defRPr>
+            </a:lvl9pPr>
+          </a:lstStyle>
+          <a:p>
+            <a:pPr marL="285750" indent="-285750">
+              <a:buFont typeface="Arial" panose="020B0604020202020204" pitchFamily="34" charset="0"/>
+              <a:buChar char="•"/>
+            </a:pPr>
+            <a:r>
+              <a:rPr lang="en-US" dirty="0">
+                <a:solidFill>
+                  <a:schemeClr val="tx1"/>
+                </a:solidFill>
+              </a:rPr>
+              <a:t>952 driver shifts</a:t>
+            </a:r>
+          </a:p>
+          <a:p>
+            <a:pPr marL="285750" indent="-285750">
+              <a:buFont typeface="Arial" panose="020B0604020202020204" pitchFamily="34" charset="0"/>
+              <a:buChar char="•"/>
+            </a:pPr>
+            <a:r>
+              <a:rPr lang="en-US" dirty="0">
+                <a:solidFill>
+                  <a:schemeClr val="tx1"/>
+                </a:solidFill>
+              </a:rPr>
+              <a:t>Vastly different by BEAM mode choice</a:t>
+            </a:r>
+          </a:p>
+          <a:p>
+            <a:pPr marL="285750" indent="-285750">
+              <a:buFont typeface="Arial" panose="020B0604020202020204" pitchFamily="34" charset="0"/>
+              <a:buChar char="•"/>
+            </a:pPr>
+            <a:r>
+              <a:rPr lang="en-US" dirty="0">
+                <a:solidFill>
+                  <a:schemeClr val="tx1"/>
+                </a:solidFill>
+              </a:rPr>
+              <a:t>Explains difference in ridership and wait times</a:t>
+            </a:r>
+          </a:p>
+          <a:p>
+            <a:pPr marL="742950" lvl="1" indent="-285750">
+              <a:buFont typeface="Arial" panose="020B0604020202020204" pitchFamily="34" charset="0"/>
+              <a:buChar char="•"/>
+            </a:pPr>
+            <a:r>
+              <a:rPr lang="en-US" dirty="0" err="1">
+                <a:solidFill>
+                  <a:schemeClr val="tx1"/>
+                </a:solidFill>
+              </a:rPr>
+              <a:t>RHMode</a:t>
+            </a:r>
+            <a:r>
+              <a:rPr lang="en-US" dirty="0">
+                <a:solidFill>
+                  <a:schemeClr val="tx1"/>
+                </a:solidFill>
+              </a:rPr>
+              <a:t> ridership would be higher with more ride hail vehicles</a:t>
+            </a:r>
+          </a:p>
+          <a:p>
+            <a:pPr marL="742950" lvl="1" indent="-285750">
+              <a:buFont typeface="Arial" panose="020B0604020202020204" pitchFamily="34" charset="0"/>
+              <a:buChar char="•"/>
+            </a:pPr>
+            <a:r>
+              <a:rPr lang="en-US" dirty="0">
+                <a:solidFill>
+                  <a:schemeClr val="tx1"/>
+                </a:solidFill>
+              </a:rPr>
+              <a:t>Wait times would be lower with more ride hail vehicles</a:t>
+            </a:r>
+          </a:p>
+          <a:p>
+            <a:pPr marL="285750" indent="-285750">
+              <a:buFont typeface="Arial" panose="020B0604020202020204" pitchFamily="34" charset="0"/>
+              <a:buChar char="•"/>
+            </a:pPr>
+            <a:endParaRPr lang="en-US" dirty="0">
+              <a:solidFill>
+                <a:schemeClr val="tx1"/>
+              </a:solidFill>
+            </a:endParaRPr>
+          </a:p>
+          <a:p>
+            <a:pPr marL="285750" indent="-285750">
+              <a:buFont typeface="Arial" panose="020B0604020202020204" pitchFamily="34" charset="0"/>
+              <a:buChar char="•"/>
+            </a:pPr>
+            <a:endParaRPr lang="en-US" dirty="0">
+              <a:solidFill>
+                <a:schemeClr val="tx1"/>
+              </a:solidFill>
+            </a:endParaRPr>
+          </a:p>
+          <a:p>
+            <a:pPr marL="285750" indent="-285750">
+              <a:buFont typeface="Arial" panose="020B0604020202020204" pitchFamily="34" charset="0"/>
+              <a:buChar char="•"/>
+            </a:pPr>
+            <a:endParaRPr lang="en-US" dirty="0">
+              <a:solidFill>
+                <a:schemeClr val="tx1"/>
+              </a:solidFill>
+            </a:endParaRPr>
+          </a:p>
+          <a:p>
+            <a:pPr marL="342900" indent="-342900" algn="ctr">
+              <a:buFont typeface="+mj-lt"/>
+              <a:buAutoNum type="arabicPeriod"/>
+            </a:pPr>
+            <a:endParaRPr lang="en-US" dirty="0">
+              <a:solidFill>
+                <a:schemeClr val="tx1"/>
+              </a:solidFill>
+            </a:endParaRPr>
+          </a:p>
+          <a:p>
+            <a:pPr algn="ctr"/>
+            <a:endParaRPr lang="en-US" dirty="0">
+              <a:solidFill>
+                <a:schemeClr val="tx1"/>
+              </a:solidFill>
+            </a:endParaRPr>
+          </a:p>
+        </p:txBody>
+      </p:sp>
+      <p:sp>
+        <p:nvSpPr>
+          <p:cNvPr id="12" name="TextBox 11">
+            <a:extLst>
+              <a:ext uri="{FF2B5EF4-FFF2-40B4-BE49-F238E27FC236}">
+                <a16:creationId xmlns:a16="http://schemas.microsoft.com/office/drawing/2014/main" id="{62122891-211D-4AA6-EF22-FBE7DF7836AE}"/>
+              </a:ext>
+            </a:extLst>
+          </p:cNvPr>
+          <p:cNvSpPr txBox="1"/>
+          <p:nvPr/>
+        </p:nvSpPr>
+        <p:spPr>
+          <a:xfrm>
+            <a:off x="6383950" y="4946630"/>
+            <a:ext cx="4836678" cy="276999"/>
+          </a:xfrm>
+          <a:prstGeom prst="rect">
+            <a:avLst/>
+          </a:prstGeom>
+          <a:noFill/>
+        </p:spPr>
+        <p:txBody>
+          <a:bodyPr wrap="square">
+            <a:spAutoFit/>
+          </a:bodyPr>
+          <a:lstStyle/>
+          <a:p>
+            <a:r>
+              <a:rPr lang="en-US" sz="1200" dirty="0">
+                <a:solidFill>
+                  <a:schemeClr val="tx1"/>
+                </a:solidFill>
+              </a:rPr>
+              <a:t>Percent of total ride hail time available by total ride hail travel time</a:t>
+            </a:r>
+          </a:p>
+        </p:txBody>
+      </p:sp>
       <p:pic>
         <p:nvPicPr>
-          <p:cNvPr id="3" name="Picture 2">
-            <a:extLst>
-              <a:ext uri="{FF2B5EF4-FFF2-40B4-BE49-F238E27FC236}">
-                <a16:creationId xmlns:a16="http://schemas.microsoft.com/office/drawing/2014/main" id="{0C527CB2-3B0A-D88D-6BD7-39D0E6A807C0}"/>
+          <p:cNvPr id="4" name="Picture 3">
+            <a:extLst>
+              <a:ext uri="{FF2B5EF4-FFF2-40B4-BE49-F238E27FC236}">
+                <a16:creationId xmlns:a16="http://schemas.microsoft.com/office/drawing/2014/main" id="{7ED40150-7053-DAAC-169A-E371F6A872E4}"/>
               </a:ext>
             </a:extLst>
           </p:cNvPr>
@@ -5238,576 +5800,14 @@
         </p:blipFill>
         <p:spPr>
           <a:xfrm>
-            <a:off x="6383950" y="2325802"/>
-            <a:ext cx="4575054" cy="2620828"/>
+            <a:off x="6266576" y="2361940"/>
+            <a:ext cx="4568158" cy="2654580"/>
           </a:xfrm>
           <a:prstGeom prst="rect">
             <a:avLst/>
           </a:prstGeom>
         </p:spPr>
       </p:pic>
-      <p:sp>
-        <p:nvSpPr>
-          <p:cNvPr id="5" name="Text Placeholder 3">
-            <a:extLst>
-              <a:ext uri="{FF2B5EF4-FFF2-40B4-BE49-F238E27FC236}">
-                <a16:creationId xmlns:a16="http://schemas.microsoft.com/office/drawing/2014/main" id="{78E80B38-C1BB-4F16-AC80-EBCC714C0C1A}"/>
-              </a:ext>
-            </a:extLst>
-          </p:cNvPr>
-          <p:cNvSpPr txBox="1">
-            <a:spLocks/>
-          </p:cNvSpPr>
-          <p:nvPr/>
-        </p:nvSpPr>
-        <p:spPr>
-          <a:xfrm>
-            <a:off x="838200" y="1558808"/>
-            <a:ext cx="4203583" cy="1108848"/>
-          </a:xfrm>
-          <a:prstGeom prst="rect">
-            <a:avLst/>
-          </a:prstGeom>
-        </p:spPr>
-        <p:txBody>
-          <a:bodyPr vert="horz" lIns="91440" tIns="45720" rIns="91440" bIns="45720" rtlCol="0" anchor="ctr">
-            <a:normAutofit/>
-          </a:bodyPr>
-          <a:lstStyle>
-            <a:lvl1pPr marL="0" indent="0" algn="l" defTabSz="914400" rtl="0" eaLnBrk="1" latinLnBrk="0" hangingPunct="1">
-              <a:lnSpc>
-                <a:spcPct val="90000"/>
-              </a:lnSpc>
-              <a:spcBef>
-                <a:spcPts val="1000"/>
-              </a:spcBef>
-              <a:buFont typeface="Arial" panose="020B0604020202020204" pitchFamily="34" charset="0"/>
-              <a:buNone/>
-              <a:defRPr sz="2400" b="1" i="0" kern="1200">
-                <a:solidFill>
-                  <a:srgbClr val="0062B8"/>
-                </a:solidFill>
-                <a:latin typeface="Rockwell" panose="02060603020205020403" pitchFamily="18" charset="77"/>
-                <a:ea typeface="Open Sans" panose="020B0606030504020204" pitchFamily="34" charset="0"/>
-                <a:cs typeface="Open Sans" panose="020B0606030504020204" pitchFamily="34" charset="0"/>
-              </a:defRPr>
-            </a:lvl1pPr>
-            <a:lvl2pPr marL="457200" indent="0" algn="l" defTabSz="914400" rtl="0" eaLnBrk="1" latinLnBrk="0" hangingPunct="1">
-              <a:lnSpc>
-                <a:spcPct val="90000"/>
-              </a:lnSpc>
-              <a:spcBef>
-                <a:spcPts val="500"/>
-              </a:spcBef>
-              <a:buFont typeface="Arial" panose="020B0604020202020204" pitchFamily="34" charset="0"/>
-              <a:buNone/>
-              <a:defRPr sz="2000" b="1" i="0" kern="1200">
-                <a:solidFill>
-                  <a:srgbClr val="59595C"/>
-                </a:solidFill>
-                <a:latin typeface="Helvetica" pitchFamily="2" charset="0"/>
-                <a:ea typeface="Open Sans" panose="020B0606030504020204" pitchFamily="34" charset="0"/>
-                <a:cs typeface="Open Sans" panose="020B0606030504020204" pitchFamily="34" charset="0"/>
-              </a:defRPr>
-            </a:lvl2pPr>
-            <a:lvl3pPr marL="914400" indent="0" algn="l" defTabSz="914400" rtl="0" eaLnBrk="1" latinLnBrk="0" hangingPunct="1">
-              <a:lnSpc>
-                <a:spcPct val="90000"/>
-              </a:lnSpc>
-              <a:spcBef>
-                <a:spcPts val="500"/>
-              </a:spcBef>
-              <a:buFont typeface="Arial" panose="020B0604020202020204" pitchFamily="34" charset="0"/>
-              <a:buNone/>
-              <a:defRPr sz="1800" b="1" i="0" kern="1200">
-                <a:solidFill>
-                  <a:srgbClr val="59595C"/>
-                </a:solidFill>
-                <a:latin typeface="Helvetica" pitchFamily="2" charset="0"/>
-                <a:ea typeface="Open Sans" panose="020B0606030504020204" pitchFamily="34" charset="0"/>
-                <a:cs typeface="Open Sans" panose="020B0606030504020204" pitchFamily="34" charset="0"/>
-              </a:defRPr>
-            </a:lvl3pPr>
-            <a:lvl4pPr marL="1371600" indent="0" algn="l" defTabSz="914400" rtl="0" eaLnBrk="1" latinLnBrk="0" hangingPunct="1">
-              <a:lnSpc>
-                <a:spcPct val="90000"/>
-              </a:lnSpc>
-              <a:spcBef>
-                <a:spcPts val="500"/>
-              </a:spcBef>
-              <a:buFont typeface="Arial" panose="020B0604020202020204" pitchFamily="34" charset="0"/>
-              <a:buNone/>
-              <a:defRPr sz="1600" b="1" i="0" kern="1200">
-                <a:solidFill>
-                  <a:srgbClr val="59595C"/>
-                </a:solidFill>
-                <a:latin typeface="Helvetica" pitchFamily="2" charset="0"/>
-                <a:ea typeface="Open Sans" panose="020B0606030504020204" pitchFamily="34" charset="0"/>
-                <a:cs typeface="Open Sans" panose="020B0606030504020204" pitchFamily="34" charset="0"/>
-              </a:defRPr>
-            </a:lvl4pPr>
-            <a:lvl5pPr marL="1828800" indent="0" algn="l" defTabSz="914400" rtl="0" eaLnBrk="1" latinLnBrk="0" hangingPunct="1">
-              <a:lnSpc>
-                <a:spcPct val="90000"/>
-              </a:lnSpc>
-              <a:spcBef>
-                <a:spcPts val="500"/>
-              </a:spcBef>
-              <a:buFont typeface="Arial" panose="020B0604020202020204" pitchFamily="34" charset="0"/>
-              <a:buNone/>
-              <a:defRPr sz="1600" b="1" i="0" kern="1200">
-                <a:solidFill>
-                  <a:srgbClr val="59595C"/>
-                </a:solidFill>
-                <a:latin typeface="Helvetica" pitchFamily="2" charset="0"/>
-                <a:ea typeface="Open Sans" panose="020B0606030504020204" pitchFamily="34" charset="0"/>
-                <a:cs typeface="Open Sans" panose="020B0606030504020204" pitchFamily="34" charset="0"/>
-              </a:defRPr>
-            </a:lvl5pPr>
-            <a:lvl6pPr marL="2286000" indent="0" algn="l" defTabSz="914400" rtl="0" eaLnBrk="1" latinLnBrk="0" hangingPunct="1">
-              <a:lnSpc>
-                <a:spcPct val="90000"/>
-              </a:lnSpc>
-              <a:spcBef>
-                <a:spcPts val="500"/>
-              </a:spcBef>
-              <a:buFont typeface="Arial" panose="020B0604020202020204" pitchFamily="34" charset="0"/>
-              <a:buNone/>
-              <a:defRPr sz="1600" b="1" kern="1200">
-                <a:solidFill>
-                  <a:schemeClr val="tx1"/>
-                </a:solidFill>
-                <a:latin typeface="+mn-lt"/>
-                <a:ea typeface="+mn-ea"/>
-                <a:cs typeface="+mn-cs"/>
-              </a:defRPr>
-            </a:lvl6pPr>
-            <a:lvl7pPr marL="2743200" indent="0" algn="l" defTabSz="914400" rtl="0" eaLnBrk="1" latinLnBrk="0" hangingPunct="1">
-              <a:lnSpc>
-                <a:spcPct val="90000"/>
-              </a:lnSpc>
-              <a:spcBef>
-                <a:spcPts val="500"/>
-              </a:spcBef>
-              <a:buFont typeface="Arial" panose="020B0604020202020204" pitchFamily="34" charset="0"/>
-              <a:buNone/>
-              <a:defRPr sz="1600" b="1" kern="1200">
-                <a:solidFill>
-                  <a:schemeClr val="tx1"/>
-                </a:solidFill>
-                <a:latin typeface="+mn-lt"/>
-                <a:ea typeface="+mn-ea"/>
-                <a:cs typeface="+mn-cs"/>
-              </a:defRPr>
-            </a:lvl7pPr>
-            <a:lvl8pPr marL="3200400" indent="0" algn="l" defTabSz="914400" rtl="0" eaLnBrk="1" latinLnBrk="0" hangingPunct="1">
-              <a:lnSpc>
-                <a:spcPct val="90000"/>
-              </a:lnSpc>
-              <a:spcBef>
-                <a:spcPts val="500"/>
-              </a:spcBef>
-              <a:buFont typeface="Arial" panose="020B0604020202020204" pitchFamily="34" charset="0"/>
-              <a:buNone/>
-              <a:defRPr sz="1600" b="1" kern="1200">
-                <a:solidFill>
-                  <a:schemeClr val="tx1"/>
-                </a:solidFill>
-                <a:latin typeface="+mn-lt"/>
-                <a:ea typeface="+mn-ea"/>
-                <a:cs typeface="+mn-cs"/>
-              </a:defRPr>
-            </a:lvl8pPr>
-            <a:lvl9pPr marL="3657600" indent="0" algn="l" defTabSz="914400" rtl="0" eaLnBrk="1" latinLnBrk="0" hangingPunct="1">
-              <a:lnSpc>
-                <a:spcPct val="90000"/>
-              </a:lnSpc>
-              <a:spcBef>
-                <a:spcPts val="500"/>
-              </a:spcBef>
-              <a:buFont typeface="Arial" panose="020B0604020202020204" pitchFamily="34" charset="0"/>
-              <a:buNone/>
-              <a:defRPr sz="1600" b="1" kern="1200">
-                <a:solidFill>
-                  <a:schemeClr val="tx1"/>
-                </a:solidFill>
-                <a:latin typeface="+mn-lt"/>
-                <a:ea typeface="+mn-ea"/>
-                <a:cs typeface="+mn-cs"/>
-              </a:defRPr>
-            </a:lvl9pPr>
-          </a:lstStyle>
-          <a:p>
-            <a:pPr algn="ctr"/>
-            <a:r>
-              <a:rPr lang="en-US" dirty="0"/>
-              <a:t> Percent Ride Hail Time Utilization</a:t>
-            </a:r>
-          </a:p>
-        </p:txBody>
-      </p:sp>
-      <p:sp>
-        <p:nvSpPr>
-          <p:cNvPr id="7" name="Content Placeholder 4">
-            <a:extLst>
-              <a:ext uri="{FF2B5EF4-FFF2-40B4-BE49-F238E27FC236}">
-                <a16:creationId xmlns:a16="http://schemas.microsoft.com/office/drawing/2014/main" id="{01C341D2-96BD-4140-AC63-4126F93320C6}"/>
-              </a:ext>
-            </a:extLst>
-          </p:cNvPr>
-          <p:cNvSpPr txBox="1">
-            <a:spLocks/>
-          </p:cNvSpPr>
-          <p:nvPr/>
-        </p:nvSpPr>
-        <p:spPr>
-          <a:xfrm>
-            <a:off x="1102872" y="2505075"/>
-            <a:ext cx="3358995" cy="3219202"/>
-          </a:xfrm>
-          <a:prstGeom prst="rect">
-            <a:avLst/>
-          </a:prstGeom>
-        </p:spPr>
-        <p:txBody>
-          <a:bodyPr vert="horz" lIns="91440" tIns="45720" rIns="91440" bIns="45720" rtlCol="0">
-            <a:normAutofit/>
-          </a:bodyPr>
-          <a:lstStyle>
-            <a:lvl1pPr marL="0" indent="0" algn="l" defTabSz="914400" rtl="0" eaLnBrk="1" latinLnBrk="0" hangingPunct="1">
-              <a:lnSpc>
-                <a:spcPct val="90000"/>
-              </a:lnSpc>
-              <a:spcBef>
-                <a:spcPts val="1000"/>
-              </a:spcBef>
-              <a:buFont typeface="Arial" panose="020B0604020202020204" pitchFamily="34" charset="0"/>
-              <a:buNone/>
-              <a:defRPr sz="1600" b="0" i="0" kern="1200">
-                <a:solidFill>
-                  <a:srgbClr val="59595C"/>
-                </a:solidFill>
-                <a:latin typeface="Helvetica" pitchFamily="2" charset="0"/>
-                <a:ea typeface="Open Sans" panose="020B0606030504020204" pitchFamily="34" charset="0"/>
-                <a:cs typeface="Open Sans" panose="020B0606030504020204" pitchFamily="34" charset="0"/>
-              </a:defRPr>
-            </a:lvl1pPr>
-            <a:lvl2pPr marL="457200" indent="0" algn="l" defTabSz="914400" rtl="0" eaLnBrk="1" latinLnBrk="0" hangingPunct="1">
-              <a:lnSpc>
-                <a:spcPct val="90000"/>
-              </a:lnSpc>
-              <a:spcBef>
-                <a:spcPts val="500"/>
-              </a:spcBef>
-              <a:buFont typeface="Arial" panose="020B0604020202020204" pitchFamily="34" charset="0"/>
-              <a:buNone/>
-              <a:defRPr sz="1400" b="0" i="0" kern="1200">
-                <a:solidFill>
-                  <a:srgbClr val="59595C"/>
-                </a:solidFill>
-                <a:latin typeface="Helvetica" pitchFamily="2" charset="0"/>
-                <a:ea typeface="Open Sans" panose="020B0606030504020204" pitchFamily="34" charset="0"/>
-                <a:cs typeface="Open Sans" panose="020B0606030504020204" pitchFamily="34" charset="0"/>
-              </a:defRPr>
-            </a:lvl2pPr>
-            <a:lvl3pPr marL="914400" indent="0" algn="l" defTabSz="914400" rtl="0" eaLnBrk="1" latinLnBrk="0" hangingPunct="1">
-              <a:lnSpc>
-                <a:spcPct val="90000"/>
-              </a:lnSpc>
-              <a:spcBef>
-                <a:spcPts val="500"/>
-              </a:spcBef>
-              <a:buFont typeface="Arial" panose="020B0604020202020204" pitchFamily="34" charset="0"/>
-              <a:buNone/>
-              <a:defRPr sz="1200" b="0" i="0" kern="1200">
-                <a:solidFill>
-                  <a:srgbClr val="59595C"/>
-                </a:solidFill>
-                <a:latin typeface="Helvetica" pitchFamily="2" charset="0"/>
-                <a:ea typeface="Open Sans" panose="020B0606030504020204" pitchFamily="34" charset="0"/>
-                <a:cs typeface="Open Sans" panose="020B0606030504020204" pitchFamily="34" charset="0"/>
-              </a:defRPr>
-            </a:lvl3pPr>
-            <a:lvl4pPr marL="1371600" indent="0" algn="l" defTabSz="914400" rtl="0" eaLnBrk="1" latinLnBrk="0" hangingPunct="1">
-              <a:lnSpc>
-                <a:spcPct val="90000"/>
-              </a:lnSpc>
-              <a:spcBef>
-                <a:spcPts val="500"/>
-              </a:spcBef>
-              <a:buFont typeface="Arial" panose="020B0604020202020204" pitchFamily="34" charset="0"/>
-              <a:buNone/>
-              <a:defRPr sz="1000" b="0" i="0" kern="1200">
-                <a:solidFill>
-                  <a:srgbClr val="59595C"/>
-                </a:solidFill>
-                <a:latin typeface="Helvetica" pitchFamily="2" charset="0"/>
-                <a:ea typeface="Open Sans" panose="020B0606030504020204" pitchFamily="34" charset="0"/>
-                <a:cs typeface="Open Sans" panose="020B0606030504020204" pitchFamily="34" charset="0"/>
-              </a:defRPr>
-            </a:lvl4pPr>
-            <a:lvl5pPr marL="1828800" indent="0" algn="l" defTabSz="914400" rtl="0" eaLnBrk="1" latinLnBrk="0" hangingPunct="1">
-              <a:lnSpc>
-                <a:spcPct val="90000"/>
-              </a:lnSpc>
-              <a:spcBef>
-                <a:spcPts val="500"/>
-              </a:spcBef>
-              <a:buFont typeface="Arial" panose="020B0604020202020204" pitchFamily="34" charset="0"/>
-              <a:buNone/>
-              <a:defRPr sz="1000" b="0" i="0" kern="1200">
-                <a:solidFill>
-                  <a:srgbClr val="59595C"/>
-                </a:solidFill>
-                <a:latin typeface="Helvetica" pitchFamily="2" charset="0"/>
-                <a:ea typeface="Open Sans" panose="020B0606030504020204" pitchFamily="34" charset="0"/>
-                <a:cs typeface="Open Sans" panose="020B0606030504020204" pitchFamily="34" charset="0"/>
-              </a:defRPr>
-            </a:lvl5pPr>
-            <a:lvl6pPr marL="2286000" indent="0" algn="l" defTabSz="914400" rtl="0" eaLnBrk="1" latinLnBrk="0" hangingPunct="1">
-              <a:lnSpc>
-                <a:spcPct val="90000"/>
-              </a:lnSpc>
-              <a:spcBef>
-                <a:spcPts val="500"/>
-              </a:spcBef>
-              <a:buFont typeface="Arial" panose="020B0604020202020204" pitchFamily="34" charset="0"/>
-              <a:buNone/>
-              <a:defRPr sz="1000" kern="1200">
-                <a:solidFill>
-                  <a:schemeClr val="tx1"/>
-                </a:solidFill>
-                <a:latin typeface="+mn-lt"/>
-                <a:ea typeface="+mn-ea"/>
-                <a:cs typeface="+mn-cs"/>
-              </a:defRPr>
-            </a:lvl6pPr>
-            <a:lvl7pPr marL="2743200" indent="0" algn="l" defTabSz="914400" rtl="0" eaLnBrk="1" latinLnBrk="0" hangingPunct="1">
-              <a:lnSpc>
-                <a:spcPct val="90000"/>
-              </a:lnSpc>
-              <a:spcBef>
-                <a:spcPts val="500"/>
-              </a:spcBef>
-              <a:buFont typeface="Arial" panose="020B0604020202020204" pitchFamily="34" charset="0"/>
-              <a:buNone/>
-              <a:defRPr sz="1000" kern="1200">
-                <a:solidFill>
-                  <a:schemeClr val="tx1"/>
-                </a:solidFill>
-                <a:latin typeface="+mn-lt"/>
-                <a:ea typeface="+mn-ea"/>
-                <a:cs typeface="+mn-cs"/>
-              </a:defRPr>
-            </a:lvl7pPr>
-            <a:lvl8pPr marL="3200400" indent="0" algn="l" defTabSz="914400" rtl="0" eaLnBrk="1" latinLnBrk="0" hangingPunct="1">
-              <a:lnSpc>
-                <a:spcPct val="90000"/>
-              </a:lnSpc>
-              <a:spcBef>
-                <a:spcPts val="500"/>
-              </a:spcBef>
-              <a:buFont typeface="Arial" panose="020B0604020202020204" pitchFamily="34" charset="0"/>
-              <a:buNone/>
-              <a:defRPr sz="1000" kern="1200">
-                <a:solidFill>
-                  <a:schemeClr val="tx1"/>
-                </a:solidFill>
-                <a:latin typeface="+mn-lt"/>
-                <a:ea typeface="+mn-ea"/>
-                <a:cs typeface="+mn-cs"/>
-              </a:defRPr>
-            </a:lvl8pPr>
-            <a:lvl9pPr marL="3657600" indent="0" algn="l" defTabSz="914400" rtl="0" eaLnBrk="1" latinLnBrk="0" hangingPunct="1">
-              <a:lnSpc>
-                <a:spcPct val="90000"/>
-              </a:lnSpc>
-              <a:spcBef>
-                <a:spcPts val="500"/>
-              </a:spcBef>
-              <a:buFont typeface="Arial" panose="020B0604020202020204" pitchFamily="34" charset="0"/>
-              <a:buNone/>
-              <a:defRPr sz="1000" kern="1200">
-                <a:solidFill>
-                  <a:schemeClr val="tx1"/>
-                </a:solidFill>
-                <a:latin typeface="+mn-lt"/>
-                <a:ea typeface="+mn-ea"/>
-                <a:cs typeface="+mn-cs"/>
-              </a:defRPr>
-            </a:lvl9pPr>
-          </a:lstStyle>
-          <a:p>
-            <a:pPr marL="285750" indent="-285750">
-              <a:buFont typeface="Arial" panose="020B0604020202020204" pitchFamily="34" charset="0"/>
-              <a:buChar char="•"/>
-            </a:pPr>
-            <a:r>
-              <a:rPr lang="en-US" dirty="0">
-                <a:solidFill>
-                  <a:schemeClr val="tx1"/>
-                </a:solidFill>
-              </a:rPr>
-              <a:t>952 driver shifts</a:t>
-            </a:r>
-          </a:p>
-          <a:p>
-            <a:pPr marL="285750" indent="-285750">
-              <a:buFont typeface="Arial" panose="020B0604020202020204" pitchFamily="34" charset="0"/>
-              <a:buChar char="•"/>
-            </a:pPr>
-            <a:r>
-              <a:rPr lang="en-US" dirty="0">
-                <a:solidFill>
-                  <a:schemeClr val="tx1"/>
-                </a:solidFill>
-              </a:rPr>
-              <a:t>Vastly different by BEAM mode choice</a:t>
-            </a:r>
-          </a:p>
-          <a:p>
-            <a:pPr marL="285750" indent="-285750">
-              <a:buFont typeface="Arial" panose="020B0604020202020204" pitchFamily="34" charset="0"/>
-              <a:buChar char="•"/>
-            </a:pPr>
-            <a:r>
-              <a:rPr lang="en-US" dirty="0">
-                <a:solidFill>
-                  <a:schemeClr val="tx1"/>
-                </a:solidFill>
-              </a:rPr>
-              <a:t>Explains difference in ridership and wait times</a:t>
-            </a:r>
-          </a:p>
-          <a:p>
-            <a:pPr marL="742950" lvl="1" indent="-285750">
-              <a:buFont typeface="Arial" panose="020B0604020202020204" pitchFamily="34" charset="0"/>
-              <a:buChar char="•"/>
-            </a:pPr>
-            <a:r>
-              <a:rPr lang="en-US" dirty="0" err="1">
-                <a:solidFill>
-                  <a:schemeClr val="tx1"/>
-                </a:solidFill>
-              </a:rPr>
-              <a:t>RHMode</a:t>
-            </a:r>
-            <a:r>
-              <a:rPr lang="en-US" dirty="0">
-                <a:solidFill>
-                  <a:schemeClr val="tx1"/>
-                </a:solidFill>
-              </a:rPr>
-              <a:t> ridership would be higher with more ride hail vehicles</a:t>
-            </a:r>
-          </a:p>
-          <a:p>
-            <a:pPr marL="742950" lvl="1" indent="-285750">
-              <a:buFont typeface="Arial" panose="020B0604020202020204" pitchFamily="34" charset="0"/>
-              <a:buChar char="•"/>
-            </a:pPr>
-            <a:r>
-              <a:rPr lang="en-US" dirty="0">
-                <a:solidFill>
-                  <a:schemeClr val="tx1"/>
-                </a:solidFill>
-              </a:rPr>
-              <a:t>Wait times would be lower with more ride hail vehicles</a:t>
-            </a:r>
-          </a:p>
-          <a:p>
-            <a:pPr marL="285750" indent="-285750">
-              <a:buFont typeface="Arial" panose="020B0604020202020204" pitchFamily="34" charset="0"/>
-              <a:buChar char="•"/>
-            </a:pPr>
-            <a:endParaRPr lang="en-US" dirty="0">
-              <a:solidFill>
-                <a:schemeClr val="tx1"/>
-              </a:solidFill>
-            </a:endParaRPr>
-          </a:p>
-          <a:p>
-            <a:pPr marL="285750" indent="-285750">
-              <a:buFont typeface="Arial" panose="020B0604020202020204" pitchFamily="34" charset="0"/>
-              <a:buChar char="•"/>
-            </a:pPr>
-            <a:endParaRPr lang="en-US" dirty="0">
-              <a:solidFill>
-                <a:schemeClr val="tx1"/>
-              </a:solidFill>
-            </a:endParaRPr>
-          </a:p>
-          <a:p>
-            <a:pPr marL="285750" indent="-285750">
-              <a:buFont typeface="Arial" panose="020B0604020202020204" pitchFamily="34" charset="0"/>
-              <a:buChar char="•"/>
-            </a:pPr>
-            <a:endParaRPr lang="en-US" dirty="0">
-              <a:solidFill>
-                <a:schemeClr val="tx1"/>
-              </a:solidFill>
-            </a:endParaRPr>
-          </a:p>
-          <a:p>
-            <a:pPr marL="342900" indent="-342900" algn="ctr">
-              <a:buFont typeface="+mj-lt"/>
-              <a:buAutoNum type="arabicPeriod"/>
-            </a:pPr>
-            <a:endParaRPr lang="en-US" dirty="0">
-              <a:solidFill>
-                <a:schemeClr val="tx1"/>
-              </a:solidFill>
-            </a:endParaRPr>
-          </a:p>
-          <a:p>
-            <a:pPr algn="ctr"/>
-            <a:endParaRPr lang="en-US" dirty="0">
-              <a:solidFill>
-                <a:schemeClr val="tx1"/>
-              </a:solidFill>
-            </a:endParaRPr>
-          </a:p>
-        </p:txBody>
-      </p:sp>
-      <p:sp>
-        <p:nvSpPr>
-          <p:cNvPr id="12" name="TextBox 11">
-            <a:extLst>
-              <a:ext uri="{FF2B5EF4-FFF2-40B4-BE49-F238E27FC236}">
-                <a16:creationId xmlns:a16="http://schemas.microsoft.com/office/drawing/2014/main" id="{62122891-211D-4AA6-EF22-FBE7DF7836AE}"/>
-              </a:ext>
-            </a:extLst>
-          </p:cNvPr>
-          <p:cNvSpPr txBox="1"/>
-          <p:nvPr/>
-        </p:nvSpPr>
-        <p:spPr>
-          <a:xfrm>
-            <a:off x="6383950" y="4946630"/>
-            <a:ext cx="4836678" cy="276999"/>
-          </a:xfrm>
-          <a:prstGeom prst="rect">
-            <a:avLst/>
-          </a:prstGeom>
-          <a:noFill/>
-        </p:spPr>
-        <p:txBody>
-          <a:bodyPr wrap="square">
-            <a:spAutoFit/>
-          </a:bodyPr>
-          <a:lstStyle/>
-          <a:p>
-            <a:r>
-              <a:rPr lang="en-US" sz="1200" dirty="0">
-                <a:solidFill>
-                  <a:schemeClr val="tx1"/>
-                </a:solidFill>
-              </a:rPr>
-              <a:t>Percent of total ride hail time available by total ride hail travel time</a:t>
-            </a:r>
-          </a:p>
-        </p:txBody>
-      </p:sp>
     </p:spTree>
     <p:extLst>
       <p:ext uri="{BB962C8B-B14F-4D97-AF65-F5344CB8AC3E}">
@@ -5866,12 +5866,323 @@
           </a:p>
         </p:txBody>
       </p:sp>
+      <p:sp>
+        <p:nvSpPr>
+          <p:cNvPr id="4" name="Content Placeholder 4">
+            <a:extLst>
+              <a:ext uri="{FF2B5EF4-FFF2-40B4-BE49-F238E27FC236}">
+                <a16:creationId xmlns:a16="http://schemas.microsoft.com/office/drawing/2014/main" id="{2439F723-59BE-ED95-0C61-6EE44158FC04}"/>
+              </a:ext>
+            </a:extLst>
+          </p:cNvPr>
+          <p:cNvSpPr txBox="1">
+            <a:spLocks/>
+          </p:cNvSpPr>
+          <p:nvPr/>
+        </p:nvSpPr>
+        <p:spPr>
+          <a:xfrm>
+            <a:off x="353427" y="2120514"/>
+            <a:ext cx="2966616" cy="3219202"/>
+          </a:xfrm>
+          <a:prstGeom prst="rect">
+            <a:avLst/>
+          </a:prstGeom>
+        </p:spPr>
+        <p:txBody>
+          <a:bodyPr vert="horz" lIns="91440" tIns="45720" rIns="91440" bIns="45720" rtlCol="0">
+            <a:normAutofit/>
+          </a:bodyPr>
+          <a:lstStyle>
+            <a:lvl1pPr marL="0" indent="0" algn="l" defTabSz="914400" rtl="0" eaLnBrk="1" latinLnBrk="0" hangingPunct="1">
+              <a:lnSpc>
+                <a:spcPct val="90000"/>
+              </a:lnSpc>
+              <a:spcBef>
+                <a:spcPts val="1000"/>
+              </a:spcBef>
+              <a:buFont typeface="Arial" panose="020B0604020202020204" pitchFamily="34" charset="0"/>
+              <a:buNone/>
+              <a:defRPr sz="1600" b="0" i="0" kern="1200">
+                <a:solidFill>
+                  <a:srgbClr val="59595C"/>
+                </a:solidFill>
+                <a:latin typeface="Helvetica" pitchFamily="2" charset="0"/>
+                <a:ea typeface="Open Sans" panose="020B0606030504020204" pitchFamily="34" charset="0"/>
+                <a:cs typeface="Open Sans" panose="020B0606030504020204" pitchFamily="34" charset="0"/>
+              </a:defRPr>
+            </a:lvl1pPr>
+            <a:lvl2pPr marL="457200" indent="0" algn="l" defTabSz="914400" rtl="0" eaLnBrk="1" latinLnBrk="0" hangingPunct="1">
+              <a:lnSpc>
+                <a:spcPct val="90000"/>
+              </a:lnSpc>
+              <a:spcBef>
+                <a:spcPts val="500"/>
+              </a:spcBef>
+              <a:buFont typeface="Arial" panose="020B0604020202020204" pitchFamily="34" charset="0"/>
+              <a:buNone/>
+              <a:defRPr sz="1400" b="0" i="0" kern="1200">
+                <a:solidFill>
+                  <a:srgbClr val="59595C"/>
+                </a:solidFill>
+                <a:latin typeface="Helvetica" pitchFamily="2" charset="0"/>
+                <a:ea typeface="Open Sans" panose="020B0606030504020204" pitchFamily="34" charset="0"/>
+                <a:cs typeface="Open Sans" panose="020B0606030504020204" pitchFamily="34" charset="0"/>
+              </a:defRPr>
+            </a:lvl2pPr>
+            <a:lvl3pPr marL="914400" indent="0" algn="l" defTabSz="914400" rtl="0" eaLnBrk="1" latinLnBrk="0" hangingPunct="1">
+              <a:lnSpc>
+                <a:spcPct val="90000"/>
+              </a:lnSpc>
+              <a:spcBef>
+                <a:spcPts val="500"/>
+              </a:spcBef>
+              <a:buFont typeface="Arial" panose="020B0604020202020204" pitchFamily="34" charset="0"/>
+              <a:buNone/>
+              <a:defRPr sz="1200" b="0" i="0" kern="1200">
+                <a:solidFill>
+                  <a:srgbClr val="59595C"/>
+                </a:solidFill>
+                <a:latin typeface="Helvetica" pitchFamily="2" charset="0"/>
+                <a:ea typeface="Open Sans" panose="020B0606030504020204" pitchFamily="34" charset="0"/>
+                <a:cs typeface="Open Sans" panose="020B0606030504020204" pitchFamily="34" charset="0"/>
+              </a:defRPr>
+            </a:lvl3pPr>
+            <a:lvl4pPr marL="1371600" indent="0" algn="l" defTabSz="914400" rtl="0" eaLnBrk="1" latinLnBrk="0" hangingPunct="1">
+              <a:lnSpc>
+                <a:spcPct val="90000"/>
+              </a:lnSpc>
+              <a:spcBef>
+                <a:spcPts val="500"/>
+              </a:spcBef>
+              <a:buFont typeface="Arial" panose="020B0604020202020204" pitchFamily="34" charset="0"/>
+              <a:buNone/>
+              <a:defRPr sz="1000" b="0" i="0" kern="1200">
+                <a:solidFill>
+                  <a:srgbClr val="59595C"/>
+                </a:solidFill>
+                <a:latin typeface="Helvetica" pitchFamily="2" charset="0"/>
+                <a:ea typeface="Open Sans" panose="020B0606030504020204" pitchFamily="34" charset="0"/>
+                <a:cs typeface="Open Sans" panose="020B0606030504020204" pitchFamily="34" charset="0"/>
+              </a:defRPr>
+            </a:lvl4pPr>
+            <a:lvl5pPr marL="1828800" indent="0" algn="l" defTabSz="914400" rtl="0" eaLnBrk="1" latinLnBrk="0" hangingPunct="1">
+              <a:lnSpc>
+                <a:spcPct val="90000"/>
+              </a:lnSpc>
+              <a:spcBef>
+                <a:spcPts val="500"/>
+              </a:spcBef>
+              <a:buFont typeface="Arial" panose="020B0604020202020204" pitchFamily="34" charset="0"/>
+              <a:buNone/>
+              <a:defRPr sz="1000" b="0" i="0" kern="1200">
+                <a:solidFill>
+                  <a:srgbClr val="59595C"/>
+                </a:solidFill>
+                <a:latin typeface="Helvetica" pitchFamily="2" charset="0"/>
+                <a:ea typeface="Open Sans" panose="020B0606030504020204" pitchFamily="34" charset="0"/>
+                <a:cs typeface="Open Sans" panose="020B0606030504020204" pitchFamily="34" charset="0"/>
+              </a:defRPr>
+            </a:lvl5pPr>
+            <a:lvl6pPr marL="2286000" indent="0" algn="l" defTabSz="914400" rtl="0" eaLnBrk="1" latinLnBrk="0" hangingPunct="1">
+              <a:lnSpc>
+                <a:spcPct val="90000"/>
+              </a:lnSpc>
+              <a:spcBef>
+                <a:spcPts val="500"/>
+              </a:spcBef>
+              <a:buFont typeface="Arial" panose="020B0604020202020204" pitchFamily="34" charset="0"/>
+              <a:buNone/>
+              <a:defRPr sz="1000" kern="1200">
+                <a:solidFill>
+                  <a:schemeClr val="tx1"/>
+                </a:solidFill>
+                <a:latin typeface="+mn-lt"/>
+                <a:ea typeface="+mn-ea"/>
+                <a:cs typeface="+mn-cs"/>
+              </a:defRPr>
+            </a:lvl6pPr>
+            <a:lvl7pPr marL="2743200" indent="0" algn="l" defTabSz="914400" rtl="0" eaLnBrk="1" latinLnBrk="0" hangingPunct="1">
+              <a:lnSpc>
+                <a:spcPct val="90000"/>
+              </a:lnSpc>
+              <a:spcBef>
+                <a:spcPts val="500"/>
+              </a:spcBef>
+              <a:buFont typeface="Arial" panose="020B0604020202020204" pitchFamily="34" charset="0"/>
+              <a:buNone/>
+              <a:defRPr sz="1000" kern="1200">
+                <a:solidFill>
+                  <a:schemeClr val="tx1"/>
+                </a:solidFill>
+                <a:latin typeface="+mn-lt"/>
+                <a:ea typeface="+mn-ea"/>
+                <a:cs typeface="+mn-cs"/>
+              </a:defRPr>
+            </a:lvl7pPr>
+            <a:lvl8pPr marL="3200400" indent="0" algn="l" defTabSz="914400" rtl="0" eaLnBrk="1" latinLnBrk="0" hangingPunct="1">
+              <a:lnSpc>
+                <a:spcPct val="90000"/>
+              </a:lnSpc>
+              <a:spcBef>
+                <a:spcPts val="500"/>
+              </a:spcBef>
+              <a:buFont typeface="Arial" panose="020B0604020202020204" pitchFamily="34" charset="0"/>
+              <a:buNone/>
+              <a:defRPr sz="1000" kern="1200">
+                <a:solidFill>
+                  <a:schemeClr val="tx1"/>
+                </a:solidFill>
+                <a:latin typeface="+mn-lt"/>
+                <a:ea typeface="+mn-ea"/>
+                <a:cs typeface="+mn-cs"/>
+              </a:defRPr>
+            </a:lvl8pPr>
+            <a:lvl9pPr marL="3657600" indent="0" algn="l" defTabSz="914400" rtl="0" eaLnBrk="1" latinLnBrk="0" hangingPunct="1">
+              <a:lnSpc>
+                <a:spcPct val="90000"/>
+              </a:lnSpc>
+              <a:spcBef>
+                <a:spcPts val="500"/>
+              </a:spcBef>
+              <a:buFont typeface="Arial" panose="020B0604020202020204" pitchFamily="34" charset="0"/>
+              <a:buNone/>
+              <a:defRPr sz="1000" kern="1200">
+                <a:solidFill>
+                  <a:schemeClr val="tx1"/>
+                </a:solidFill>
+                <a:latin typeface="+mn-lt"/>
+                <a:ea typeface="+mn-ea"/>
+                <a:cs typeface="+mn-cs"/>
+              </a:defRPr>
+            </a:lvl9pPr>
+          </a:lstStyle>
+          <a:p>
+            <a:pPr marL="285750" indent="-285750">
+              <a:buFont typeface="Arial" panose="020B0604020202020204" pitchFamily="34" charset="0"/>
+              <a:buChar char="•"/>
+            </a:pPr>
+            <a:r>
+              <a:rPr lang="en-US" dirty="0">
+                <a:solidFill>
+                  <a:schemeClr val="bg1"/>
+                </a:solidFill>
+              </a:rPr>
+              <a:t>Division of agents who switch from one mode to ride hail modes</a:t>
+            </a:r>
+          </a:p>
+          <a:p>
+            <a:pPr marL="742950" lvl="1" indent="-285750">
+              <a:buFont typeface="Arial" panose="020B0604020202020204" pitchFamily="34" charset="0"/>
+              <a:buChar char="•"/>
+            </a:pPr>
+            <a:r>
+              <a:rPr lang="en-US" dirty="0">
+                <a:solidFill>
+                  <a:schemeClr val="bg1"/>
+                </a:solidFill>
+              </a:rPr>
+              <a:t>~75% from car type modes (car, </a:t>
+            </a:r>
+            <a:r>
+              <a:rPr lang="en-US" dirty="0" err="1">
+                <a:solidFill>
+                  <a:schemeClr val="bg1"/>
+                </a:solidFill>
+              </a:rPr>
+              <a:t>hov</a:t>
+            </a:r>
+            <a:r>
+              <a:rPr lang="en-US" dirty="0">
+                <a:solidFill>
+                  <a:schemeClr val="bg1"/>
+                </a:solidFill>
+              </a:rPr>
+              <a:t>)</a:t>
+            </a:r>
+          </a:p>
+          <a:p>
+            <a:pPr marL="742950" lvl="1" indent="-285750">
+              <a:buFont typeface="Arial" panose="020B0604020202020204" pitchFamily="34" charset="0"/>
+              <a:buChar char="•"/>
+            </a:pPr>
+            <a:r>
+              <a:rPr lang="en-US" dirty="0">
+                <a:solidFill>
+                  <a:schemeClr val="bg1"/>
+                </a:solidFill>
+              </a:rPr>
+              <a:t>14%-17% from walk modes</a:t>
+            </a:r>
+          </a:p>
+          <a:p>
+            <a:pPr marL="285750" indent="-285750">
+              <a:buFont typeface="Arial" panose="020B0604020202020204" pitchFamily="34" charset="0"/>
+              <a:buChar char="•"/>
+            </a:pPr>
+            <a:r>
+              <a:rPr lang="en-US" dirty="0">
+                <a:solidFill>
+                  <a:schemeClr val="bg1"/>
+                </a:solidFill>
+              </a:rPr>
+              <a:t>Why so many car?</a:t>
+            </a:r>
+            <a:endParaRPr lang="en-US" dirty="0">
+              <a:solidFill>
+                <a:schemeClr val="tx1"/>
+              </a:solidFill>
+            </a:endParaRPr>
+          </a:p>
+          <a:p>
+            <a:pPr marL="285750" indent="-285750">
+              <a:buFont typeface="Arial" panose="020B0604020202020204" pitchFamily="34" charset="0"/>
+              <a:buChar char="•"/>
+            </a:pPr>
+            <a:endParaRPr lang="en-US" dirty="0">
+              <a:solidFill>
+                <a:schemeClr val="tx1"/>
+              </a:solidFill>
+            </a:endParaRPr>
+          </a:p>
+          <a:p>
+            <a:pPr marL="285750" indent="-285750">
+              <a:buFont typeface="Arial" panose="020B0604020202020204" pitchFamily="34" charset="0"/>
+              <a:buChar char="•"/>
+            </a:pPr>
+            <a:endParaRPr lang="en-US" dirty="0">
+              <a:solidFill>
+                <a:schemeClr val="tx1"/>
+              </a:solidFill>
+            </a:endParaRPr>
+          </a:p>
+          <a:p>
+            <a:pPr marL="342900" indent="-342900" algn="ctr">
+              <a:buFont typeface="+mj-lt"/>
+              <a:buAutoNum type="arabicPeriod"/>
+            </a:pPr>
+            <a:endParaRPr lang="en-US" dirty="0">
+              <a:solidFill>
+                <a:schemeClr val="tx1"/>
+              </a:solidFill>
+            </a:endParaRPr>
+          </a:p>
+          <a:p>
+            <a:pPr algn="ctr"/>
+            <a:endParaRPr lang="en-US" dirty="0">
+              <a:solidFill>
+                <a:schemeClr val="tx1"/>
+              </a:solidFill>
+            </a:endParaRPr>
+          </a:p>
+        </p:txBody>
+      </p:sp>
       <p:pic>
         <p:nvPicPr>
-          <p:cNvPr id="3" name="Picture 2">
-            <a:extLst>
-              <a:ext uri="{FF2B5EF4-FFF2-40B4-BE49-F238E27FC236}">
-                <a16:creationId xmlns:a16="http://schemas.microsoft.com/office/drawing/2014/main" id="{861112BF-A380-E6AC-7B7F-F54C1F84518D}"/>
+          <p:cNvPr id="6" name="Picture 5">
+            <a:extLst>
+              <a:ext uri="{FF2B5EF4-FFF2-40B4-BE49-F238E27FC236}">
+                <a16:creationId xmlns:a16="http://schemas.microsoft.com/office/drawing/2014/main" id="{2563EA51-A0D9-E84B-5A91-61C1C7E4C710}"/>
               </a:ext>
             </a:extLst>
           </p:cNvPr>
@@ -5888,331 +6199,20 @@
         </p:blipFill>
         <p:spPr>
           <a:xfrm>
-            <a:off x="4095167" y="924337"/>
-            <a:ext cx="7646836" cy="5392708"/>
+            <a:off x="4395914" y="677883"/>
+            <a:ext cx="7192160" cy="5102131"/>
           </a:xfrm>
           <a:prstGeom prst="rect">
             <a:avLst/>
           </a:prstGeom>
         </p:spPr>
       </p:pic>
-      <p:sp>
-        <p:nvSpPr>
-          <p:cNvPr id="4" name="Content Placeholder 4">
-            <a:extLst>
-              <a:ext uri="{FF2B5EF4-FFF2-40B4-BE49-F238E27FC236}">
-                <a16:creationId xmlns:a16="http://schemas.microsoft.com/office/drawing/2014/main" id="{2439F723-59BE-ED95-0C61-6EE44158FC04}"/>
-              </a:ext>
-            </a:extLst>
-          </p:cNvPr>
-          <p:cNvSpPr txBox="1">
-            <a:spLocks/>
-          </p:cNvSpPr>
-          <p:nvPr/>
-        </p:nvSpPr>
-        <p:spPr>
-          <a:xfrm>
-            <a:off x="353427" y="2120514"/>
-            <a:ext cx="2966616" cy="3219202"/>
-          </a:xfrm>
-          <a:prstGeom prst="rect">
-            <a:avLst/>
-          </a:prstGeom>
-        </p:spPr>
-        <p:txBody>
-          <a:bodyPr vert="horz" lIns="91440" tIns="45720" rIns="91440" bIns="45720" rtlCol="0">
-            <a:normAutofit/>
-          </a:bodyPr>
-          <a:lstStyle>
-            <a:lvl1pPr marL="0" indent="0" algn="l" defTabSz="914400" rtl="0" eaLnBrk="1" latinLnBrk="0" hangingPunct="1">
-              <a:lnSpc>
-                <a:spcPct val="90000"/>
-              </a:lnSpc>
-              <a:spcBef>
-                <a:spcPts val="1000"/>
-              </a:spcBef>
-              <a:buFont typeface="Arial" panose="020B0604020202020204" pitchFamily="34" charset="0"/>
-              <a:buNone/>
-              <a:defRPr sz="1600" b="0" i="0" kern="1200">
-                <a:solidFill>
-                  <a:srgbClr val="59595C"/>
-                </a:solidFill>
-                <a:latin typeface="Helvetica" pitchFamily="2" charset="0"/>
-                <a:ea typeface="Open Sans" panose="020B0606030504020204" pitchFamily="34" charset="0"/>
-                <a:cs typeface="Open Sans" panose="020B0606030504020204" pitchFamily="34" charset="0"/>
-              </a:defRPr>
-            </a:lvl1pPr>
-            <a:lvl2pPr marL="457200" indent="0" algn="l" defTabSz="914400" rtl="0" eaLnBrk="1" latinLnBrk="0" hangingPunct="1">
-              <a:lnSpc>
-                <a:spcPct val="90000"/>
-              </a:lnSpc>
-              <a:spcBef>
-                <a:spcPts val="500"/>
-              </a:spcBef>
-              <a:buFont typeface="Arial" panose="020B0604020202020204" pitchFamily="34" charset="0"/>
-              <a:buNone/>
-              <a:defRPr sz="1400" b="0" i="0" kern="1200">
-                <a:solidFill>
-                  <a:srgbClr val="59595C"/>
-                </a:solidFill>
-                <a:latin typeface="Helvetica" pitchFamily="2" charset="0"/>
-                <a:ea typeface="Open Sans" panose="020B0606030504020204" pitchFamily="34" charset="0"/>
-                <a:cs typeface="Open Sans" panose="020B0606030504020204" pitchFamily="34" charset="0"/>
-              </a:defRPr>
-            </a:lvl2pPr>
-            <a:lvl3pPr marL="914400" indent="0" algn="l" defTabSz="914400" rtl="0" eaLnBrk="1" latinLnBrk="0" hangingPunct="1">
-              <a:lnSpc>
-                <a:spcPct val="90000"/>
-              </a:lnSpc>
-              <a:spcBef>
-                <a:spcPts val="500"/>
-              </a:spcBef>
-              <a:buFont typeface="Arial" panose="020B0604020202020204" pitchFamily="34" charset="0"/>
-              <a:buNone/>
-              <a:defRPr sz="1200" b="0" i="0" kern="1200">
-                <a:solidFill>
-                  <a:srgbClr val="59595C"/>
-                </a:solidFill>
-                <a:latin typeface="Helvetica" pitchFamily="2" charset="0"/>
-                <a:ea typeface="Open Sans" panose="020B0606030504020204" pitchFamily="34" charset="0"/>
-                <a:cs typeface="Open Sans" panose="020B0606030504020204" pitchFamily="34" charset="0"/>
-              </a:defRPr>
-            </a:lvl3pPr>
-            <a:lvl4pPr marL="1371600" indent="0" algn="l" defTabSz="914400" rtl="0" eaLnBrk="1" latinLnBrk="0" hangingPunct="1">
-              <a:lnSpc>
-                <a:spcPct val="90000"/>
-              </a:lnSpc>
-              <a:spcBef>
-                <a:spcPts val="500"/>
-              </a:spcBef>
-              <a:buFont typeface="Arial" panose="020B0604020202020204" pitchFamily="34" charset="0"/>
-              <a:buNone/>
-              <a:defRPr sz="1000" b="0" i="0" kern="1200">
-                <a:solidFill>
-                  <a:srgbClr val="59595C"/>
-                </a:solidFill>
-                <a:latin typeface="Helvetica" pitchFamily="2" charset="0"/>
-                <a:ea typeface="Open Sans" panose="020B0606030504020204" pitchFamily="34" charset="0"/>
-                <a:cs typeface="Open Sans" panose="020B0606030504020204" pitchFamily="34" charset="0"/>
-              </a:defRPr>
-            </a:lvl4pPr>
-            <a:lvl5pPr marL="1828800" indent="0" algn="l" defTabSz="914400" rtl="0" eaLnBrk="1" latinLnBrk="0" hangingPunct="1">
-              <a:lnSpc>
-                <a:spcPct val="90000"/>
-              </a:lnSpc>
-              <a:spcBef>
-                <a:spcPts val="500"/>
-              </a:spcBef>
-              <a:buFont typeface="Arial" panose="020B0604020202020204" pitchFamily="34" charset="0"/>
-              <a:buNone/>
-              <a:defRPr sz="1000" b="0" i="0" kern="1200">
-                <a:solidFill>
-                  <a:srgbClr val="59595C"/>
-                </a:solidFill>
-                <a:latin typeface="Helvetica" pitchFamily="2" charset="0"/>
-                <a:ea typeface="Open Sans" panose="020B0606030504020204" pitchFamily="34" charset="0"/>
-                <a:cs typeface="Open Sans" panose="020B0606030504020204" pitchFamily="34" charset="0"/>
-              </a:defRPr>
-            </a:lvl5pPr>
-            <a:lvl6pPr marL="2286000" indent="0" algn="l" defTabSz="914400" rtl="0" eaLnBrk="1" latinLnBrk="0" hangingPunct="1">
-              <a:lnSpc>
-                <a:spcPct val="90000"/>
-              </a:lnSpc>
-              <a:spcBef>
-                <a:spcPts val="500"/>
-              </a:spcBef>
-              <a:buFont typeface="Arial" panose="020B0604020202020204" pitchFamily="34" charset="0"/>
-              <a:buNone/>
-              <a:defRPr sz="1000" kern="1200">
-                <a:solidFill>
-                  <a:schemeClr val="tx1"/>
-                </a:solidFill>
-                <a:latin typeface="+mn-lt"/>
-                <a:ea typeface="+mn-ea"/>
-                <a:cs typeface="+mn-cs"/>
-              </a:defRPr>
-            </a:lvl6pPr>
-            <a:lvl7pPr marL="2743200" indent="0" algn="l" defTabSz="914400" rtl="0" eaLnBrk="1" latinLnBrk="0" hangingPunct="1">
-              <a:lnSpc>
-                <a:spcPct val="90000"/>
-              </a:lnSpc>
-              <a:spcBef>
-                <a:spcPts val="500"/>
-              </a:spcBef>
-              <a:buFont typeface="Arial" panose="020B0604020202020204" pitchFamily="34" charset="0"/>
-              <a:buNone/>
-              <a:defRPr sz="1000" kern="1200">
-                <a:solidFill>
-                  <a:schemeClr val="tx1"/>
-                </a:solidFill>
-                <a:latin typeface="+mn-lt"/>
-                <a:ea typeface="+mn-ea"/>
-                <a:cs typeface="+mn-cs"/>
-              </a:defRPr>
-            </a:lvl7pPr>
-            <a:lvl8pPr marL="3200400" indent="0" algn="l" defTabSz="914400" rtl="0" eaLnBrk="1" latinLnBrk="0" hangingPunct="1">
-              <a:lnSpc>
-                <a:spcPct val="90000"/>
-              </a:lnSpc>
-              <a:spcBef>
-                <a:spcPts val="500"/>
-              </a:spcBef>
-              <a:buFont typeface="Arial" panose="020B0604020202020204" pitchFamily="34" charset="0"/>
-              <a:buNone/>
-              <a:defRPr sz="1000" kern="1200">
-                <a:solidFill>
-                  <a:schemeClr val="tx1"/>
-                </a:solidFill>
-                <a:latin typeface="+mn-lt"/>
-                <a:ea typeface="+mn-ea"/>
-                <a:cs typeface="+mn-cs"/>
-              </a:defRPr>
-            </a:lvl8pPr>
-            <a:lvl9pPr marL="3657600" indent="0" algn="l" defTabSz="914400" rtl="0" eaLnBrk="1" latinLnBrk="0" hangingPunct="1">
-              <a:lnSpc>
-                <a:spcPct val="90000"/>
-              </a:lnSpc>
-              <a:spcBef>
-                <a:spcPts val="500"/>
-              </a:spcBef>
-              <a:buFont typeface="Arial" panose="020B0604020202020204" pitchFamily="34" charset="0"/>
-              <a:buNone/>
-              <a:defRPr sz="1000" kern="1200">
-                <a:solidFill>
-                  <a:schemeClr val="tx1"/>
-                </a:solidFill>
-                <a:latin typeface="+mn-lt"/>
-                <a:ea typeface="+mn-ea"/>
-                <a:cs typeface="+mn-cs"/>
-              </a:defRPr>
-            </a:lvl9pPr>
-          </a:lstStyle>
-          <a:p>
-            <a:pPr marL="285750" indent="-285750">
-              <a:buFont typeface="Arial" panose="020B0604020202020204" pitchFamily="34" charset="0"/>
-              <a:buChar char="•"/>
-            </a:pPr>
-            <a:r>
-              <a:rPr lang="en-US" dirty="0">
-                <a:solidFill>
-                  <a:schemeClr val="bg1"/>
-                </a:solidFill>
-              </a:rPr>
-              <a:t>Division of agents who switch from one mode to ride hail modes</a:t>
-            </a:r>
-          </a:p>
-          <a:p>
-            <a:pPr marL="742950" lvl="1" indent="-285750">
-              <a:buFont typeface="Arial" panose="020B0604020202020204" pitchFamily="34" charset="0"/>
-              <a:buChar char="•"/>
-            </a:pPr>
-            <a:r>
-              <a:rPr lang="en-US" dirty="0">
-                <a:solidFill>
-                  <a:schemeClr val="bg1"/>
-                </a:solidFill>
-              </a:rPr>
-              <a:t>~75% from car type modes (car, </a:t>
-            </a:r>
-            <a:r>
-              <a:rPr lang="en-US" dirty="0" err="1">
-                <a:solidFill>
-                  <a:schemeClr val="bg1"/>
-                </a:solidFill>
-              </a:rPr>
-              <a:t>hov</a:t>
-            </a:r>
-            <a:r>
-              <a:rPr lang="en-US" dirty="0">
-                <a:solidFill>
-                  <a:schemeClr val="bg1"/>
-                </a:solidFill>
-              </a:rPr>
-              <a:t>)</a:t>
-            </a:r>
-          </a:p>
-          <a:p>
-            <a:pPr marL="742950" lvl="1" indent="-285750">
-              <a:buFont typeface="Arial" panose="020B0604020202020204" pitchFamily="34" charset="0"/>
-              <a:buChar char="•"/>
-            </a:pPr>
-            <a:r>
-              <a:rPr lang="en-US" dirty="0">
-                <a:solidFill>
-                  <a:schemeClr val="bg1"/>
-                </a:solidFill>
-              </a:rPr>
-              <a:t>14%-17% from walk modes</a:t>
-            </a:r>
-          </a:p>
-          <a:p>
-            <a:pPr marL="285750" indent="-285750">
-              <a:buFont typeface="Arial" panose="020B0604020202020204" pitchFamily="34" charset="0"/>
-              <a:buChar char="•"/>
-            </a:pPr>
-            <a:r>
-              <a:rPr lang="en-US" dirty="0">
-                <a:solidFill>
-                  <a:schemeClr val="bg1"/>
-                </a:solidFill>
-              </a:rPr>
-              <a:t>Why so many car?</a:t>
-            </a:r>
-            <a:endParaRPr lang="en-US" dirty="0">
-              <a:solidFill>
-                <a:schemeClr val="tx1"/>
-              </a:solidFill>
-            </a:endParaRPr>
-          </a:p>
-          <a:p>
-            <a:pPr marL="285750" indent="-285750">
-              <a:buFont typeface="Arial" panose="020B0604020202020204" pitchFamily="34" charset="0"/>
-              <a:buChar char="•"/>
-            </a:pPr>
-            <a:endParaRPr lang="en-US" dirty="0">
-              <a:solidFill>
-                <a:schemeClr val="tx1"/>
-              </a:solidFill>
-            </a:endParaRPr>
-          </a:p>
-          <a:p>
-            <a:pPr marL="285750" indent="-285750">
-              <a:buFont typeface="Arial" panose="020B0604020202020204" pitchFamily="34" charset="0"/>
-              <a:buChar char="•"/>
-            </a:pPr>
-            <a:endParaRPr lang="en-US" dirty="0">
-              <a:solidFill>
-                <a:schemeClr val="tx1"/>
-              </a:solidFill>
-            </a:endParaRPr>
-          </a:p>
-          <a:p>
-            <a:pPr marL="342900" indent="-342900" algn="ctr">
-              <a:buFont typeface="+mj-lt"/>
-              <a:buAutoNum type="arabicPeriod"/>
-            </a:pPr>
-            <a:endParaRPr lang="en-US" dirty="0">
-              <a:solidFill>
-                <a:schemeClr val="tx1"/>
-              </a:solidFill>
-            </a:endParaRPr>
-          </a:p>
-          <a:p>
-            <a:pPr algn="ctr"/>
-            <a:endParaRPr lang="en-US" dirty="0">
-              <a:solidFill>
-                <a:schemeClr val="tx1"/>
-              </a:solidFill>
-            </a:endParaRPr>
-          </a:p>
-        </p:txBody>
-      </p:sp>
       <p:grpSp>
         <p:nvGrpSpPr>
-          <p:cNvPr id="19" name="Group 18">
-            <a:extLst>
-              <a:ext uri="{FF2B5EF4-FFF2-40B4-BE49-F238E27FC236}">
-                <a16:creationId xmlns:a16="http://schemas.microsoft.com/office/drawing/2014/main" id="{FABBBC99-F41A-7598-45CC-D82497CFCFF7}"/>
+          <p:cNvPr id="7" name="Group 6">
+            <a:extLst>
+              <a:ext uri="{FF2B5EF4-FFF2-40B4-BE49-F238E27FC236}">
+                <a16:creationId xmlns:a16="http://schemas.microsoft.com/office/drawing/2014/main" id="{2A0962CD-9D52-BB13-042A-C79FB8EE7F49}"/>
               </a:ext>
             </a:extLst>
           </p:cNvPr>
@@ -6221,7 +6221,7 @@
         </p:nvGrpSpPr>
         <p:grpSpPr>
           <a:xfrm>
-            <a:off x="4123871" y="1551963"/>
+            <a:off x="4276271" y="1328255"/>
             <a:ext cx="637563" cy="2417428"/>
             <a:chOff x="4035105" y="1551963"/>
             <a:chExt cx="637563" cy="2417428"/>
@@ -6229,10 +6229,10 @@
         </p:grpSpPr>
         <p:cxnSp>
           <p:nvCxnSpPr>
-            <p:cNvPr id="9" name="Straight Connector 8">
+            <p:cNvPr id="8" name="Straight Connector 7">
               <a:extLst>
                 <a:ext uri="{FF2B5EF4-FFF2-40B4-BE49-F238E27FC236}">
-                  <a16:creationId xmlns:a16="http://schemas.microsoft.com/office/drawing/2014/main" id="{E45D7028-BFAD-C2B3-8E88-2BF25565D387}"/>
+                  <a16:creationId xmlns:a16="http://schemas.microsoft.com/office/drawing/2014/main" id="{F9DBD972-4924-3BC8-A6E8-A700AA2CDF75}"/>
                 </a:ext>
               </a:extLst>
             </p:cNvPr>
@@ -6268,10 +6268,10 @@
         </p:cxnSp>
         <p:cxnSp>
           <p:nvCxnSpPr>
-            <p:cNvPr id="17" name="Straight Arrow Connector 16">
+            <p:cNvPr id="10" name="Straight Arrow Connector 9">
               <a:extLst>
                 <a:ext uri="{FF2B5EF4-FFF2-40B4-BE49-F238E27FC236}">
-                  <a16:creationId xmlns:a16="http://schemas.microsoft.com/office/drawing/2014/main" id="{A8FC196D-80DA-B174-6F4C-7809BB21DB08}"/>
+                  <a16:creationId xmlns:a16="http://schemas.microsoft.com/office/drawing/2014/main" id="{C7AA9190-110A-8251-A6CD-8B0FF728587D}"/>
                 </a:ext>
               </a:extLst>
             </p:cNvPr>
@@ -6307,10 +6307,10 @@
         </p:cxnSp>
         <p:cxnSp>
           <p:nvCxnSpPr>
-            <p:cNvPr id="18" name="Straight Arrow Connector 17">
+            <p:cNvPr id="11" name="Straight Arrow Connector 10">
               <a:extLst>
                 <a:ext uri="{FF2B5EF4-FFF2-40B4-BE49-F238E27FC236}">
-                  <a16:creationId xmlns:a16="http://schemas.microsoft.com/office/drawing/2014/main" id="{4620A215-97AD-4D00-BFED-00492D9A7FA5}"/>
+                  <a16:creationId xmlns:a16="http://schemas.microsoft.com/office/drawing/2014/main" id="{185CE8A7-9DD6-FF25-FC13-FEB46CA58DA9}"/>
                 </a:ext>
               </a:extLst>
             </p:cNvPr>
@@ -6347,10 +6347,10 @@
       </p:grpSp>
       <p:sp>
         <p:nvSpPr>
-          <p:cNvPr id="20" name="TextBox 19">
-            <a:extLst>
-              <a:ext uri="{FF2B5EF4-FFF2-40B4-BE49-F238E27FC236}">
-                <a16:creationId xmlns:a16="http://schemas.microsoft.com/office/drawing/2014/main" id="{B50C6F2F-E250-E63B-661C-7F4F827B08F7}"/>
+          <p:cNvPr id="12" name="TextBox 11">
+            <a:extLst>
+              <a:ext uri="{FF2B5EF4-FFF2-40B4-BE49-F238E27FC236}">
+                <a16:creationId xmlns:a16="http://schemas.microsoft.com/office/drawing/2014/main" id="{6501FFF2-7E5C-7F40-6DB9-1CE9B1DA9A8C}"/>
               </a:ext>
             </a:extLst>
           </p:cNvPr>
@@ -6359,7 +6359,7 @@
         </p:nvSpPr>
         <p:spPr>
           <a:xfrm rot="16200000">
-            <a:off x="3211503" y="2812206"/>
+            <a:off x="3363903" y="2588498"/>
             <a:ext cx="1528041" cy="307777"/>
           </a:xfrm>
           <a:prstGeom prst="rect">
@@ -6465,12 +6465,512 @@
           </a:p>
         </p:txBody>
       </p:sp>
+      <p:sp>
+        <p:nvSpPr>
+          <p:cNvPr id="5" name="Content Placeholder 4">
+            <a:extLst>
+              <a:ext uri="{FF2B5EF4-FFF2-40B4-BE49-F238E27FC236}">
+                <a16:creationId xmlns:a16="http://schemas.microsoft.com/office/drawing/2014/main" id="{DAB0AFF9-DE44-8B3C-E4B9-26308EA5DDD0}"/>
+              </a:ext>
+            </a:extLst>
+          </p:cNvPr>
+          <p:cNvSpPr txBox="1">
+            <a:spLocks/>
+          </p:cNvSpPr>
+          <p:nvPr/>
+        </p:nvSpPr>
+        <p:spPr>
+          <a:xfrm>
+            <a:off x="359719" y="1542957"/>
+            <a:ext cx="2727498" cy="4558740"/>
+          </a:xfrm>
+          <a:prstGeom prst="rect">
+            <a:avLst/>
+          </a:prstGeom>
+          <a:solidFill>
+            <a:schemeClr val="bg1"/>
+          </a:solidFill>
+        </p:spPr>
+        <p:txBody>
+          <a:bodyPr vert="horz" lIns="91440" tIns="45720" rIns="91440" bIns="45720" rtlCol="0">
+            <a:normAutofit/>
+          </a:bodyPr>
+          <a:lstStyle>
+            <a:lvl1pPr marL="0" indent="0" algn="l" defTabSz="914400" rtl="0" eaLnBrk="1" latinLnBrk="0" hangingPunct="1">
+              <a:lnSpc>
+                <a:spcPct val="90000"/>
+              </a:lnSpc>
+              <a:spcBef>
+                <a:spcPts val="1000"/>
+              </a:spcBef>
+              <a:buFont typeface="Arial" panose="020B0604020202020204" pitchFamily="34" charset="0"/>
+              <a:buNone/>
+              <a:defRPr sz="1600" b="0" i="0" kern="1200">
+                <a:solidFill>
+                  <a:srgbClr val="59595C"/>
+                </a:solidFill>
+                <a:latin typeface="Helvetica" pitchFamily="2" charset="0"/>
+                <a:ea typeface="Open Sans" panose="020B0606030504020204" pitchFamily="34" charset="0"/>
+                <a:cs typeface="Open Sans" panose="020B0606030504020204" pitchFamily="34" charset="0"/>
+              </a:defRPr>
+            </a:lvl1pPr>
+            <a:lvl2pPr marL="457200" indent="0" algn="l" defTabSz="914400" rtl="0" eaLnBrk="1" latinLnBrk="0" hangingPunct="1">
+              <a:lnSpc>
+                <a:spcPct val="90000"/>
+              </a:lnSpc>
+              <a:spcBef>
+                <a:spcPts val="500"/>
+              </a:spcBef>
+              <a:buFont typeface="Arial" panose="020B0604020202020204" pitchFamily="34" charset="0"/>
+              <a:buNone/>
+              <a:defRPr sz="1400" b="0" i="0" kern="1200">
+                <a:solidFill>
+                  <a:srgbClr val="59595C"/>
+                </a:solidFill>
+                <a:latin typeface="Helvetica" pitchFamily="2" charset="0"/>
+                <a:ea typeface="Open Sans" panose="020B0606030504020204" pitchFamily="34" charset="0"/>
+                <a:cs typeface="Open Sans" panose="020B0606030504020204" pitchFamily="34" charset="0"/>
+              </a:defRPr>
+            </a:lvl2pPr>
+            <a:lvl3pPr marL="914400" indent="0" algn="l" defTabSz="914400" rtl="0" eaLnBrk="1" latinLnBrk="0" hangingPunct="1">
+              <a:lnSpc>
+                <a:spcPct val="90000"/>
+              </a:lnSpc>
+              <a:spcBef>
+                <a:spcPts val="500"/>
+              </a:spcBef>
+              <a:buFont typeface="Arial" panose="020B0604020202020204" pitchFamily="34" charset="0"/>
+              <a:buNone/>
+              <a:defRPr sz="1200" b="0" i="0" kern="1200">
+                <a:solidFill>
+                  <a:srgbClr val="59595C"/>
+                </a:solidFill>
+                <a:latin typeface="Helvetica" pitchFamily="2" charset="0"/>
+                <a:ea typeface="Open Sans" panose="020B0606030504020204" pitchFamily="34" charset="0"/>
+                <a:cs typeface="Open Sans" panose="020B0606030504020204" pitchFamily="34" charset="0"/>
+              </a:defRPr>
+            </a:lvl3pPr>
+            <a:lvl4pPr marL="1371600" indent="0" algn="l" defTabSz="914400" rtl="0" eaLnBrk="1" latinLnBrk="0" hangingPunct="1">
+              <a:lnSpc>
+                <a:spcPct val="90000"/>
+              </a:lnSpc>
+              <a:spcBef>
+                <a:spcPts val="500"/>
+              </a:spcBef>
+              <a:buFont typeface="Arial" panose="020B0604020202020204" pitchFamily="34" charset="0"/>
+              <a:buNone/>
+              <a:defRPr sz="1000" b="0" i="0" kern="1200">
+                <a:solidFill>
+                  <a:srgbClr val="59595C"/>
+                </a:solidFill>
+                <a:latin typeface="Helvetica" pitchFamily="2" charset="0"/>
+                <a:ea typeface="Open Sans" panose="020B0606030504020204" pitchFamily="34" charset="0"/>
+                <a:cs typeface="Open Sans" panose="020B0606030504020204" pitchFamily="34" charset="0"/>
+              </a:defRPr>
+            </a:lvl4pPr>
+            <a:lvl5pPr marL="1828800" indent="0" algn="l" defTabSz="914400" rtl="0" eaLnBrk="1" latinLnBrk="0" hangingPunct="1">
+              <a:lnSpc>
+                <a:spcPct val="90000"/>
+              </a:lnSpc>
+              <a:spcBef>
+                <a:spcPts val="500"/>
+              </a:spcBef>
+              <a:buFont typeface="Arial" panose="020B0604020202020204" pitchFamily="34" charset="0"/>
+              <a:buNone/>
+              <a:defRPr sz="1000" b="0" i="0" kern="1200">
+                <a:solidFill>
+                  <a:srgbClr val="59595C"/>
+                </a:solidFill>
+                <a:latin typeface="Helvetica" pitchFamily="2" charset="0"/>
+                <a:ea typeface="Open Sans" panose="020B0606030504020204" pitchFamily="34" charset="0"/>
+                <a:cs typeface="Open Sans" panose="020B0606030504020204" pitchFamily="34" charset="0"/>
+              </a:defRPr>
+            </a:lvl5pPr>
+            <a:lvl6pPr marL="2286000" indent="0" algn="l" defTabSz="914400" rtl="0" eaLnBrk="1" latinLnBrk="0" hangingPunct="1">
+              <a:lnSpc>
+                <a:spcPct val="90000"/>
+              </a:lnSpc>
+              <a:spcBef>
+                <a:spcPts val="500"/>
+              </a:spcBef>
+              <a:buFont typeface="Arial" panose="020B0604020202020204" pitchFamily="34" charset="0"/>
+              <a:buNone/>
+              <a:defRPr sz="1000" kern="1200">
+                <a:solidFill>
+                  <a:schemeClr val="tx1"/>
+                </a:solidFill>
+                <a:latin typeface="+mn-lt"/>
+                <a:ea typeface="+mn-ea"/>
+                <a:cs typeface="+mn-cs"/>
+              </a:defRPr>
+            </a:lvl6pPr>
+            <a:lvl7pPr marL="2743200" indent="0" algn="l" defTabSz="914400" rtl="0" eaLnBrk="1" latinLnBrk="0" hangingPunct="1">
+              <a:lnSpc>
+                <a:spcPct val="90000"/>
+              </a:lnSpc>
+              <a:spcBef>
+                <a:spcPts val="500"/>
+              </a:spcBef>
+              <a:buFont typeface="Arial" panose="020B0604020202020204" pitchFamily="34" charset="0"/>
+              <a:buNone/>
+              <a:defRPr sz="1000" kern="1200">
+                <a:solidFill>
+                  <a:schemeClr val="tx1"/>
+                </a:solidFill>
+                <a:latin typeface="+mn-lt"/>
+                <a:ea typeface="+mn-ea"/>
+                <a:cs typeface="+mn-cs"/>
+              </a:defRPr>
+            </a:lvl7pPr>
+            <a:lvl8pPr marL="3200400" indent="0" algn="l" defTabSz="914400" rtl="0" eaLnBrk="1" latinLnBrk="0" hangingPunct="1">
+              <a:lnSpc>
+                <a:spcPct val="90000"/>
+              </a:lnSpc>
+              <a:spcBef>
+                <a:spcPts val="500"/>
+              </a:spcBef>
+              <a:buFont typeface="Arial" panose="020B0604020202020204" pitchFamily="34" charset="0"/>
+              <a:buNone/>
+              <a:defRPr sz="1000" kern="1200">
+                <a:solidFill>
+                  <a:schemeClr val="tx1"/>
+                </a:solidFill>
+                <a:latin typeface="+mn-lt"/>
+                <a:ea typeface="+mn-ea"/>
+                <a:cs typeface="+mn-cs"/>
+              </a:defRPr>
+            </a:lvl8pPr>
+            <a:lvl9pPr marL="3657600" indent="0" algn="l" defTabSz="914400" rtl="0" eaLnBrk="1" latinLnBrk="0" hangingPunct="1">
+              <a:lnSpc>
+                <a:spcPct val="90000"/>
+              </a:lnSpc>
+              <a:spcBef>
+                <a:spcPts val="500"/>
+              </a:spcBef>
+              <a:buFont typeface="Arial" panose="020B0604020202020204" pitchFamily="34" charset="0"/>
+              <a:buNone/>
+              <a:defRPr sz="1000" kern="1200">
+                <a:solidFill>
+                  <a:schemeClr val="tx1"/>
+                </a:solidFill>
+                <a:latin typeface="+mn-lt"/>
+                <a:ea typeface="+mn-ea"/>
+                <a:cs typeface="+mn-cs"/>
+              </a:defRPr>
+            </a:lvl9pPr>
+          </a:lstStyle>
+          <a:p>
+            <a:pPr marL="285750" indent="-285750">
+              <a:buFont typeface="Arial" panose="020B0604020202020204" pitchFamily="34" charset="0"/>
+              <a:buChar char="•"/>
+            </a:pPr>
+            <a:r>
+              <a:rPr lang="en-US" dirty="0">
+                <a:solidFill>
+                  <a:schemeClr val="tx1"/>
+                </a:solidFill>
+              </a:rPr>
+              <a:t>Sankey Diagram of how agents switch to ride hail across each iteration</a:t>
+            </a:r>
+          </a:p>
+          <a:p>
+            <a:pPr marL="742950" lvl="1" indent="-285750">
+              <a:buFont typeface="Arial" panose="020B0604020202020204" pitchFamily="34" charset="0"/>
+              <a:buChar char="•"/>
+            </a:pPr>
+            <a:r>
+              <a:rPr lang="en-US" dirty="0" err="1">
+                <a:solidFill>
+                  <a:schemeClr val="tx1"/>
+                </a:solidFill>
+              </a:rPr>
+              <a:t>wRH</a:t>
+            </a:r>
+            <a:r>
+              <a:rPr lang="en-US" dirty="0">
+                <a:solidFill>
+                  <a:schemeClr val="tx1"/>
+                </a:solidFill>
+              </a:rPr>
+              <a:t>-All-All scenario</a:t>
+            </a:r>
+          </a:p>
+          <a:p>
+            <a:pPr marL="742950" lvl="1" indent="-285750">
+              <a:buFont typeface="Arial" panose="020B0604020202020204" pitchFamily="34" charset="0"/>
+              <a:buChar char="•"/>
+            </a:pPr>
+            <a:r>
+              <a:rPr lang="en-US" dirty="0">
+                <a:solidFill>
+                  <a:schemeClr val="tx1"/>
+                </a:solidFill>
+              </a:rPr>
+              <a:t>Constructed by plans file (“No Mode” represents the clearing of modes)</a:t>
+            </a:r>
+          </a:p>
+          <a:p>
+            <a:pPr marL="285750" indent="-285750">
+              <a:buFont typeface="Arial" panose="020B0604020202020204" pitchFamily="34" charset="0"/>
+              <a:buChar char="•"/>
+            </a:pPr>
+            <a:r>
+              <a:rPr lang="en-US" dirty="0">
+                <a:solidFill>
+                  <a:schemeClr val="tx1"/>
+                </a:solidFill>
+              </a:rPr>
+              <a:t>Many Car users switch to Walk or No Mode before Ride Hail</a:t>
+            </a:r>
+          </a:p>
+          <a:p>
+            <a:pPr marL="285750" indent="-285750">
+              <a:buFont typeface="Arial" panose="020B0604020202020204" pitchFamily="34" charset="0"/>
+              <a:buChar char="•"/>
+            </a:pPr>
+            <a:endParaRPr lang="en-US" dirty="0">
+              <a:solidFill>
+                <a:schemeClr val="tx1"/>
+              </a:solidFill>
+            </a:endParaRPr>
+          </a:p>
+          <a:p>
+            <a:pPr marL="285750" indent="-285750">
+              <a:buFont typeface="Arial" panose="020B0604020202020204" pitchFamily="34" charset="0"/>
+              <a:buChar char="•"/>
+            </a:pPr>
+            <a:endParaRPr lang="en-US" dirty="0">
+              <a:solidFill>
+                <a:schemeClr val="tx1"/>
+              </a:solidFill>
+            </a:endParaRPr>
+          </a:p>
+          <a:p>
+            <a:pPr marL="342900" indent="-342900" algn="ctr">
+              <a:buFont typeface="+mj-lt"/>
+              <a:buAutoNum type="arabicPeriod"/>
+            </a:pPr>
+            <a:endParaRPr lang="en-US" dirty="0">
+              <a:solidFill>
+                <a:schemeClr val="tx1"/>
+              </a:solidFill>
+            </a:endParaRPr>
+          </a:p>
+          <a:p>
+            <a:pPr algn="ctr"/>
+            <a:endParaRPr lang="en-US" dirty="0">
+              <a:solidFill>
+                <a:schemeClr val="tx1"/>
+              </a:solidFill>
+            </a:endParaRPr>
+          </a:p>
+        </p:txBody>
+      </p:sp>
+      <p:sp>
+        <p:nvSpPr>
+          <p:cNvPr id="9" name="Text Placeholder 3">
+            <a:extLst>
+              <a:ext uri="{FF2B5EF4-FFF2-40B4-BE49-F238E27FC236}">
+                <a16:creationId xmlns:a16="http://schemas.microsoft.com/office/drawing/2014/main" id="{1FE42C25-3474-E7EF-BCA8-AFCDAD978983}"/>
+              </a:ext>
+            </a:extLst>
+          </p:cNvPr>
+          <p:cNvSpPr txBox="1">
+            <a:spLocks/>
+          </p:cNvSpPr>
+          <p:nvPr/>
+        </p:nvSpPr>
+        <p:spPr>
+          <a:xfrm>
+            <a:off x="629463" y="280974"/>
+            <a:ext cx="2144217" cy="1108848"/>
+          </a:xfrm>
+          <a:prstGeom prst="rect">
+            <a:avLst/>
+          </a:prstGeom>
+        </p:spPr>
+        <p:txBody>
+          <a:bodyPr vert="horz" lIns="91440" tIns="45720" rIns="91440" bIns="45720" rtlCol="0" anchor="ctr">
+            <a:normAutofit/>
+          </a:bodyPr>
+          <a:lstStyle>
+            <a:lvl1pPr marL="0" indent="0" algn="l" defTabSz="914400" rtl="0" eaLnBrk="1" latinLnBrk="0" hangingPunct="1">
+              <a:lnSpc>
+                <a:spcPct val="90000"/>
+              </a:lnSpc>
+              <a:spcBef>
+                <a:spcPts val="1000"/>
+              </a:spcBef>
+              <a:buFont typeface="Arial" panose="020B0604020202020204" pitchFamily="34" charset="0"/>
+              <a:buNone/>
+              <a:defRPr sz="2400" b="1" i="0" kern="1200">
+                <a:solidFill>
+                  <a:srgbClr val="0062B8"/>
+                </a:solidFill>
+                <a:latin typeface="Rockwell" panose="02060603020205020403" pitchFamily="18" charset="77"/>
+                <a:ea typeface="Open Sans" panose="020B0606030504020204" pitchFamily="34" charset="0"/>
+                <a:cs typeface="Open Sans" panose="020B0606030504020204" pitchFamily="34" charset="0"/>
+              </a:defRPr>
+            </a:lvl1pPr>
+            <a:lvl2pPr marL="457200" indent="0" algn="l" defTabSz="914400" rtl="0" eaLnBrk="1" latinLnBrk="0" hangingPunct="1">
+              <a:lnSpc>
+                <a:spcPct val="90000"/>
+              </a:lnSpc>
+              <a:spcBef>
+                <a:spcPts val="500"/>
+              </a:spcBef>
+              <a:buFont typeface="Arial" panose="020B0604020202020204" pitchFamily="34" charset="0"/>
+              <a:buNone/>
+              <a:defRPr sz="2000" b="1" i="0" kern="1200">
+                <a:solidFill>
+                  <a:srgbClr val="59595C"/>
+                </a:solidFill>
+                <a:latin typeface="Helvetica" pitchFamily="2" charset="0"/>
+                <a:ea typeface="Open Sans" panose="020B0606030504020204" pitchFamily="34" charset="0"/>
+                <a:cs typeface="Open Sans" panose="020B0606030504020204" pitchFamily="34" charset="0"/>
+              </a:defRPr>
+            </a:lvl2pPr>
+            <a:lvl3pPr marL="914400" indent="0" algn="l" defTabSz="914400" rtl="0" eaLnBrk="1" latinLnBrk="0" hangingPunct="1">
+              <a:lnSpc>
+                <a:spcPct val="90000"/>
+              </a:lnSpc>
+              <a:spcBef>
+                <a:spcPts val="500"/>
+              </a:spcBef>
+              <a:buFont typeface="Arial" panose="020B0604020202020204" pitchFamily="34" charset="0"/>
+              <a:buNone/>
+              <a:defRPr sz="1800" b="1" i="0" kern="1200">
+                <a:solidFill>
+                  <a:srgbClr val="59595C"/>
+                </a:solidFill>
+                <a:latin typeface="Helvetica" pitchFamily="2" charset="0"/>
+                <a:ea typeface="Open Sans" panose="020B0606030504020204" pitchFamily="34" charset="0"/>
+                <a:cs typeface="Open Sans" panose="020B0606030504020204" pitchFamily="34" charset="0"/>
+              </a:defRPr>
+            </a:lvl3pPr>
+            <a:lvl4pPr marL="1371600" indent="0" algn="l" defTabSz="914400" rtl="0" eaLnBrk="1" latinLnBrk="0" hangingPunct="1">
+              <a:lnSpc>
+                <a:spcPct val="90000"/>
+              </a:lnSpc>
+              <a:spcBef>
+                <a:spcPts val="500"/>
+              </a:spcBef>
+              <a:buFont typeface="Arial" panose="020B0604020202020204" pitchFamily="34" charset="0"/>
+              <a:buNone/>
+              <a:defRPr sz="1600" b="1" i="0" kern="1200">
+                <a:solidFill>
+                  <a:srgbClr val="59595C"/>
+                </a:solidFill>
+                <a:latin typeface="Helvetica" pitchFamily="2" charset="0"/>
+                <a:ea typeface="Open Sans" panose="020B0606030504020204" pitchFamily="34" charset="0"/>
+                <a:cs typeface="Open Sans" panose="020B0606030504020204" pitchFamily="34" charset="0"/>
+              </a:defRPr>
+            </a:lvl4pPr>
+            <a:lvl5pPr marL="1828800" indent="0" algn="l" defTabSz="914400" rtl="0" eaLnBrk="1" latinLnBrk="0" hangingPunct="1">
+              <a:lnSpc>
+                <a:spcPct val="90000"/>
+              </a:lnSpc>
+              <a:spcBef>
+                <a:spcPts val="500"/>
+              </a:spcBef>
+              <a:buFont typeface="Arial" panose="020B0604020202020204" pitchFamily="34" charset="0"/>
+              <a:buNone/>
+              <a:defRPr sz="1600" b="1" i="0" kern="1200">
+                <a:solidFill>
+                  <a:srgbClr val="59595C"/>
+                </a:solidFill>
+                <a:latin typeface="Helvetica" pitchFamily="2" charset="0"/>
+                <a:ea typeface="Open Sans" panose="020B0606030504020204" pitchFamily="34" charset="0"/>
+                <a:cs typeface="Open Sans" panose="020B0606030504020204" pitchFamily="34" charset="0"/>
+              </a:defRPr>
+            </a:lvl5pPr>
+            <a:lvl6pPr marL="2286000" indent="0" algn="l" defTabSz="914400" rtl="0" eaLnBrk="1" latinLnBrk="0" hangingPunct="1">
+              <a:lnSpc>
+                <a:spcPct val="90000"/>
+              </a:lnSpc>
+              <a:spcBef>
+                <a:spcPts val="500"/>
+              </a:spcBef>
+              <a:buFont typeface="Arial" panose="020B0604020202020204" pitchFamily="34" charset="0"/>
+              <a:buNone/>
+              <a:defRPr sz="1600" b="1" kern="1200">
+                <a:solidFill>
+                  <a:schemeClr val="tx1"/>
+                </a:solidFill>
+                <a:latin typeface="+mn-lt"/>
+                <a:ea typeface="+mn-ea"/>
+                <a:cs typeface="+mn-cs"/>
+              </a:defRPr>
+            </a:lvl6pPr>
+            <a:lvl7pPr marL="2743200" indent="0" algn="l" defTabSz="914400" rtl="0" eaLnBrk="1" latinLnBrk="0" hangingPunct="1">
+              <a:lnSpc>
+                <a:spcPct val="90000"/>
+              </a:lnSpc>
+              <a:spcBef>
+                <a:spcPts val="500"/>
+              </a:spcBef>
+              <a:buFont typeface="Arial" panose="020B0604020202020204" pitchFamily="34" charset="0"/>
+              <a:buNone/>
+              <a:defRPr sz="1600" b="1" kern="1200">
+                <a:solidFill>
+                  <a:schemeClr val="tx1"/>
+                </a:solidFill>
+                <a:latin typeface="+mn-lt"/>
+                <a:ea typeface="+mn-ea"/>
+                <a:cs typeface="+mn-cs"/>
+              </a:defRPr>
+            </a:lvl7pPr>
+            <a:lvl8pPr marL="3200400" indent="0" algn="l" defTabSz="914400" rtl="0" eaLnBrk="1" latinLnBrk="0" hangingPunct="1">
+              <a:lnSpc>
+                <a:spcPct val="90000"/>
+              </a:lnSpc>
+              <a:spcBef>
+                <a:spcPts val="500"/>
+              </a:spcBef>
+              <a:buFont typeface="Arial" panose="020B0604020202020204" pitchFamily="34" charset="0"/>
+              <a:buNone/>
+              <a:defRPr sz="1600" b="1" kern="1200">
+                <a:solidFill>
+                  <a:schemeClr val="tx1"/>
+                </a:solidFill>
+                <a:latin typeface="+mn-lt"/>
+                <a:ea typeface="+mn-ea"/>
+                <a:cs typeface="+mn-cs"/>
+              </a:defRPr>
+            </a:lvl8pPr>
+            <a:lvl9pPr marL="3657600" indent="0" algn="l" defTabSz="914400" rtl="0" eaLnBrk="1" latinLnBrk="0" hangingPunct="1">
+              <a:lnSpc>
+                <a:spcPct val="90000"/>
+              </a:lnSpc>
+              <a:spcBef>
+                <a:spcPts val="500"/>
+              </a:spcBef>
+              <a:buFont typeface="Arial" panose="020B0604020202020204" pitchFamily="34" charset="0"/>
+              <a:buNone/>
+              <a:defRPr sz="1600" b="1" kern="1200">
+                <a:solidFill>
+                  <a:schemeClr val="tx1"/>
+                </a:solidFill>
+                <a:latin typeface="+mn-lt"/>
+                <a:ea typeface="+mn-ea"/>
+                <a:cs typeface="+mn-cs"/>
+              </a:defRPr>
+            </a:lvl9pPr>
+          </a:lstStyle>
+          <a:p>
+            <a:r>
+              <a:rPr lang="en-US" dirty="0"/>
+              <a:t>Switch to Ride Hail</a:t>
+            </a:r>
+          </a:p>
+        </p:txBody>
+      </p:sp>
       <p:pic>
         <p:nvPicPr>
-          <p:cNvPr id="4" name="Picture 3">
-            <a:extLst>
-              <a:ext uri="{FF2B5EF4-FFF2-40B4-BE49-F238E27FC236}">
-                <a16:creationId xmlns:a16="http://schemas.microsoft.com/office/drawing/2014/main" id="{209677DC-85B4-2C1A-AE33-2C0704A70EA3}"/>
+          <p:cNvPr id="7" name="Picture 6">
+            <a:extLst>
+              <a:ext uri="{FF2B5EF4-FFF2-40B4-BE49-F238E27FC236}">
+                <a16:creationId xmlns:a16="http://schemas.microsoft.com/office/drawing/2014/main" id="{9500AD4E-71D5-3ED2-5B50-883D627DA042}"/>
               </a:ext>
             </a:extLst>
           </p:cNvPr>
@@ -6487,514 +6987,14 @@
         </p:blipFill>
         <p:spPr>
           <a:xfrm>
-            <a:off x="3087217" y="286936"/>
-            <a:ext cx="9104783" cy="5967896"/>
+            <a:off x="3087217" y="280974"/>
+            <a:ext cx="9097770" cy="5998128"/>
           </a:xfrm>
           <a:prstGeom prst="rect">
             <a:avLst/>
           </a:prstGeom>
         </p:spPr>
       </p:pic>
-      <p:sp>
-        <p:nvSpPr>
-          <p:cNvPr id="5" name="Content Placeholder 4">
-            <a:extLst>
-              <a:ext uri="{FF2B5EF4-FFF2-40B4-BE49-F238E27FC236}">
-                <a16:creationId xmlns:a16="http://schemas.microsoft.com/office/drawing/2014/main" id="{DAB0AFF9-DE44-8B3C-E4B9-26308EA5DDD0}"/>
-              </a:ext>
-            </a:extLst>
-          </p:cNvPr>
-          <p:cNvSpPr txBox="1">
-            <a:spLocks/>
-          </p:cNvSpPr>
-          <p:nvPr/>
-        </p:nvSpPr>
-        <p:spPr>
-          <a:xfrm>
-            <a:off x="359719" y="1542957"/>
-            <a:ext cx="2727498" cy="4558740"/>
-          </a:xfrm>
-          <a:prstGeom prst="rect">
-            <a:avLst/>
-          </a:prstGeom>
-          <a:solidFill>
-            <a:schemeClr val="bg1"/>
-          </a:solidFill>
-        </p:spPr>
-        <p:txBody>
-          <a:bodyPr vert="horz" lIns="91440" tIns="45720" rIns="91440" bIns="45720" rtlCol="0">
-            <a:normAutofit/>
-          </a:bodyPr>
-          <a:lstStyle>
-            <a:lvl1pPr marL="0" indent="0" algn="l" defTabSz="914400" rtl="0" eaLnBrk="1" latinLnBrk="0" hangingPunct="1">
-              <a:lnSpc>
-                <a:spcPct val="90000"/>
-              </a:lnSpc>
-              <a:spcBef>
-                <a:spcPts val="1000"/>
-              </a:spcBef>
-              <a:buFont typeface="Arial" panose="020B0604020202020204" pitchFamily="34" charset="0"/>
-              <a:buNone/>
-              <a:defRPr sz="1600" b="0" i="0" kern="1200">
-                <a:solidFill>
-                  <a:srgbClr val="59595C"/>
-                </a:solidFill>
-                <a:latin typeface="Helvetica" pitchFamily="2" charset="0"/>
-                <a:ea typeface="Open Sans" panose="020B0606030504020204" pitchFamily="34" charset="0"/>
-                <a:cs typeface="Open Sans" panose="020B0606030504020204" pitchFamily="34" charset="0"/>
-              </a:defRPr>
-            </a:lvl1pPr>
-            <a:lvl2pPr marL="457200" indent="0" algn="l" defTabSz="914400" rtl="0" eaLnBrk="1" latinLnBrk="0" hangingPunct="1">
-              <a:lnSpc>
-                <a:spcPct val="90000"/>
-              </a:lnSpc>
-              <a:spcBef>
-                <a:spcPts val="500"/>
-              </a:spcBef>
-              <a:buFont typeface="Arial" panose="020B0604020202020204" pitchFamily="34" charset="0"/>
-              <a:buNone/>
-              <a:defRPr sz="1400" b="0" i="0" kern="1200">
-                <a:solidFill>
-                  <a:srgbClr val="59595C"/>
-                </a:solidFill>
-                <a:latin typeface="Helvetica" pitchFamily="2" charset="0"/>
-                <a:ea typeface="Open Sans" panose="020B0606030504020204" pitchFamily="34" charset="0"/>
-                <a:cs typeface="Open Sans" panose="020B0606030504020204" pitchFamily="34" charset="0"/>
-              </a:defRPr>
-            </a:lvl2pPr>
-            <a:lvl3pPr marL="914400" indent="0" algn="l" defTabSz="914400" rtl="0" eaLnBrk="1" latinLnBrk="0" hangingPunct="1">
-              <a:lnSpc>
-                <a:spcPct val="90000"/>
-              </a:lnSpc>
-              <a:spcBef>
-                <a:spcPts val="500"/>
-              </a:spcBef>
-              <a:buFont typeface="Arial" panose="020B0604020202020204" pitchFamily="34" charset="0"/>
-              <a:buNone/>
-              <a:defRPr sz="1200" b="0" i="0" kern="1200">
-                <a:solidFill>
-                  <a:srgbClr val="59595C"/>
-                </a:solidFill>
-                <a:latin typeface="Helvetica" pitchFamily="2" charset="0"/>
-                <a:ea typeface="Open Sans" panose="020B0606030504020204" pitchFamily="34" charset="0"/>
-                <a:cs typeface="Open Sans" panose="020B0606030504020204" pitchFamily="34" charset="0"/>
-              </a:defRPr>
-            </a:lvl3pPr>
-            <a:lvl4pPr marL="1371600" indent="0" algn="l" defTabSz="914400" rtl="0" eaLnBrk="1" latinLnBrk="0" hangingPunct="1">
-              <a:lnSpc>
-                <a:spcPct val="90000"/>
-              </a:lnSpc>
-              <a:spcBef>
-                <a:spcPts val="500"/>
-              </a:spcBef>
-              <a:buFont typeface="Arial" panose="020B0604020202020204" pitchFamily="34" charset="0"/>
-              <a:buNone/>
-              <a:defRPr sz="1000" b="0" i="0" kern="1200">
-                <a:solidFill>
-                  <a:srgbClr val="59595C"/>
-                </a:solidFill>
-                <a:latin typeface="Helvetica" pitchFamily="2" charset="0"/>
-                <a:ea typeface="Open Sans" panose="020B0606030504020204" pitchFamily="34" charset="0"/>
-                <a:cs typeface="Open Sans" panose="020B0606030504020204" pitchFamily="34" charset="0"/>
-              </a:defRPr>
-            </a:lvl4pPr>
-            <a:lvl5pPr marL="1828800" indent="0" algn="l" defTabSz="914400" rtl="0" eaLnBrk="1" latinLnBrk="0" hangingPunct="1">
-              <a:lnSpc>
-                <a:spcPct val="90000"/>
-              </a:lnSpc>
-              <a:spcBef>
-                <a:spcPts val="500"/>
-              </a:spcBef>
-              <a:buFont typeface="Arial" panose="020B0604020202020204" pitchFamily="34" charset="0"/>
-              <a:buNone/>
-              <a:defRPr sz="1000" b="0" i="0" kern="1200">
-                <a:solidFill>
-                  <a:srgbClr val="59595C"/>
-                </a:solidFill>
-                <a:latin typeface="Helvetica" pitchFamily="2" charset="0"/>
-                <a:ea typeface="Open Sans" panose="020B0606030504020204" pitchFamily="34" charset="0"/>
-                <a:cs typeface="Open Sans" panose="020B0606030504020204" pitchFamily="34" charset="0"/>
-              </a:defRPr>
-            </a:lvl5pPr>
-            <a:lvl6pPr marL="2286000" indent="0" algn="l" defTabSz="914400" rtl="0" eaLnBrk="1" latinLnBrk="0" hangingPunct="1">
-              <a:lnSpc>
-                <a:spcPct val="90000"/>
-              </a:lnSpc>
-              <a:spcBef>
-                <a:spcPts val="500"/>
-              </a:spcBef>
-              <a:buFont typeface="Arial" panose="020B0604020202020204" pitchFamily="34" charset="0"/>
-              <a:buNone/>
-              <a:defRPr sz="1000" kern="1200">
-                <a:solidFill>
-                  <a:schemeClr val="tx1"/>
-                </a:solidFill>
-                <a:latin typeface="+mn-lt"/>
-                <a:ea typeface="+mn-ea"/>
-                <a:cs typeface="+mn-cs"/>
-              </a:defRPr>
-            </a:lvl6pPr>
-            <a:lvl7pPr marL="2743200" indent="0" algn="l" defTabSz="914400" rtl="0" eaLnBrk="1" latinLnBrk="0" hangingPunct="1">
-              <a:lnSpc>
-                <a:spcPct val="90000"/>
-              </a:lnSpc>
-              <a:spcBef>
-                <a:spcPts val="500"/>
-              </a:spcBef>
-              <a:buFont typeface="Arial" panose="020B0604020202020204" pitchFamily="34" charset="0"/>
-              <a:buNone/>
-              <a:defRPr sz="1000" kern="1200">
-                <a:solidFill>
-                  <a:schemeClr val="tx1"/>
-                </a:solidFill>
-                <a:latin typeface="+mn-lt"/>
-                <a:ea typeface="+mn-ea"/>
-                <a:cs typeface="+mn-cs"/>
-              </a:defRPr>
-            </a:lvl7pPr>
-            <a:lvl8pPr marL="3200400" indent="0" algn="l" defTabSz="914400" rtl="0" eaLnBrk="1" latinLnBrk="0" hangingPunct="1">
-              <a:lnSpc>
-                <a:spcPct val="90000"/>
-              </a:lnSpc>
-              <a:spcBef>
-                <a:spcPts val="500"/>
-              </a:spcBef>
-              <a:buFont typeface="Arial" panose="020B0604020202020204" pitchFamily="34" charset="0"/>
-              <a:buNone/>
-              <a:defRPr sz="1000" kern="1200">
-                <a:solidFill>
-                  <a:schemeClr val="tx1"/>
-                </a:solidFill>
-                <a:latin typeface="+mn-lt"/>
-                <a:ea typeface="+mn-ea"/>
-                <a:cs typeface="+mn-cs"/>
-              </a:defRPr>
-            </a:lvl8pPr>
-            <a:lvl9pPr marL="3657600" indent="0" algn="l" defTabSz="914400" rtl="0" eaLnBrk="1" latinLnBrk="0" hangingPunct="1">
-              <a:lnSpc>
-                <a:spcPct val="90000"/>
-              </a:lnSpc>
-              <a:spcBef>
-                <a:spcPts val="500"/>
-              </a:spcBef>
-              <a:buFont typeface="Arial" panose="020B0604020202020204" pitchFamily="34" charset="0"/>
-              <a:buNone/>
-              <a:defRPr sz="1000" kern="1200">
-                <a:solidFill>
-                  <a:schemeClr val="tx1"/>
-                </a:solidFill>
-                <a:latin typeface="+mn-lt"/>
-                <a:ea typeface="+mn-ea"/>
-                <a:cs typeface="+mn-cs"/>
-              </a:defRPr>
-            </a:lvl9pPr>
-          </a:lstStyle>
-          <a:p>
-            <a:pPr marL="285750" indent="-285750">
-              <a:buFont typeface="Arial" panose="020B0604020202020204" pitchFamily="34" charset="0"/>
-              <a:buChar char="•"/>
-            </a:pPr>
-            <a:r>
-              <a:rPr lang="en-US" dirty="0">
-                <a:solidFill>
-                  <a:schemeClr val="tx1"/>
-                </a:solidFill>
-              </a:rPr>
-              <a:t>Sankey Diagram of how agents switch to ride hail across each iteration</a:t>
-            </a:r>
-          </a:p>
-          <a:p>
-            <a:pPr marL="742950" lvl="1" indent="-285750">
-              <a:buFont typeface="Arial" panose="020B0604020202020204" pitchFamily="34" charset="0"/>
-              <a:buChar char="•"/>
-            </a:pPr>
-            <a:r>
-              <a:rPr lang="en-US" dirty="0" err="1">
-                <a:solidFill>
-                  <a:schemeClr val="tx1"/>
-                </a:solidFill>
-              </a:rPr>
-              <a:t>wRH</a:t>
-            </a:r>
-            <a:r>
-              <a:rPr lang="en-US" dirty="0">
-                <a:solidFill>
-                  <a:schemeClr val="tx1"/>
-                </a:solidFill>
-              </a:rPr>
-              <a:t>-All-All scenario</a:t>
-            </a:r>
-          </a:p>
-          <a:p>
-            <a:pPr marL="742950" lvl="1" indent="-285750">
-              <a:buFont typeface="Arial" panose="020B0604020202020204" pitchFamily="34" charset="0"/>
-              <a:buChar char="•"/>
-            </a:pPr>
-            <a:r>
-              <a:rPr lang="en-US" dirty="0">
-                <a:solidFill>
-                  <a:schemeClr val="tx1"/>
-                </a:solidFill>
-              </a:rPr>
-              <a:t>Constructed by plans file (“No Mode” represents the clearing of modes)</a:t>
-            </a:r>
-          </a:p>
-          <a:p>
-            <a:pPr marL="285750" indent="-285750">
-              <a:buFont typeface="Arial" panose="020B0604020202020204" pitchFamily="34" charset="0"/>
-              <a:buChar char="•"/>
-            </a:pPr>
-            <a:r>
-              <a:rPr lang="en-US" dirty="0">
-                <a:solidFill>
-                  <a:schemeClr val="tx1"/>
-                </a:solidFill>
-              </a:rPr>
-              <a:t>Many Car users switch to Walk or No Mode before Ride Hail</a:t>
-            </a:r>
-          </a:p>
-          <a:p>
-            <a:pPr marL="285750" indent="-285750">
-              <a:buFont typeface="Arial" panose="020B0604020202020204" pitchFamily="34" charset="0"/>
-              <a:buChar char="•"/>
-            </a:pPr>
-            <a:endParaRPr lang="en-US" dirty="0">
-              <a:solidFill>
-                <a:schemeClr val="tx1"/>
-              </a:solidFill>
-            </a:endParaRPr>
-          </a:p>
-          <a:p>
-            <a:pPr marL="285750" indent="-285750">
-              <a:buFont typeface="Arial" panose="020B0604020202020204" pitchFamily="34" charset="0"/>
-              <a:buChar char="•"/>
-            </a:pPr>
-            <a:endParaRPr lang="en-US" dirty="0">
-              <a:solidFill>
-                <a:schemeClr val="tx1"/>
-              </a:solidFill>
-            </a:endParaRPr>
-          </a:p>
-          <a:p>
-            <a:pPr marL="342900" indent="-342900" algn="ctr">
-              <a:buFont typeface="+mj-lt"/>
-              <a:buAutoNum type="arabicPeriod"/>
-            </a:pPr>
-            <a:endParaRPr lang="en-US" dirty="0">
-              <a:solidFill>
-                <a:schemeClr val="tx1"/>
-              </a:solidFill>
-            </a:endParaRPr>
-          </a:p>
-          <a:p>
-            <a:pPr algn="ctr"/>
-            <a:endParaRPr lang="en-US" dirty="0">
-              <a:solidFill>
-                <a:schemeClr val="tx1"/>
-              </a:solidFill>
-            </a:endParaRPr>
-          </a:p>
-        </p:txBody>
-      </p:sp>
-      <p:sp>
-        <p:nvSpPr>
-          <p:cNvPr id="9" name="Text Placeholder 3">
-            <a:extLst>
-              <a:ext uri="{FF2B5EF4-FFF2-40B4-BE49-F238E27FC236}">
-                <a16:creationId xmlns:a16="http://schemas.microsoft.com/office/drawing/2014/main" id="{1FE42C25-3474-E7EF-BCA8-AFCDAD978983}"/>
-              </a:ext>
-            </a:extLst>
-          </p:cNvPr>
-          <p:cNvSpPr txBox="1">
-            <a:spLocks/>
-          </p:cNvSpPr>
-          <p:nvPr/>
-        </p:nvSpPr>
-        <p:spPr>
-          <a:xfrm>
-            <a:off x="629463" y="280974"/>
-            <a:ext cx="2144217" cy="1108848"/>
-          </a:xfrm>
-          <a:prstGeom prst="rect">
-            <a:avLst/>
-          </a:prstGeom>
-        </p:spPr>
-        <p:txBody>
-          <a:bodyPr vert="horz" lIns="91440" tIns="45720" rIns="91440" bIns="45720" rtlCol="0" anchor="ctr">
-            <a:normAutofit/>
-          </a:bodyPr>
-          <a:lstStyle>
-            <a:lvl1pPr marL="0" indent="0" algn="l" defTabSz="914400" rtl="0" eaLnBrk="1" latinLnBrk="0" hangingPunct="1">
-              <a:lnSpc>
-                <a:spcPct val="90000"/>
-              </a:lnSpc>
-              <a:spcBef>
-                <a:spcPts val="1000"/>
-              </a:spcBef>
-              <a:buFont typeface="Arial" panose="020B0604020202020204" pitchFamily="34" charset="0"/>
-              <a:buNone/>
-              <a:defRPr sz="2400" b="1" i="0" kern="1200">
-                <a:solidFill>
-                  <a:srgbClr val="0062B8"/>
-                </a:solidFill>
-                <a:latin typeface="Rockwell" panose="02060603020205020403" pitchFamily="18" charset="77"/>
-                <a:ea typeface="Open Sans" panose="020B0606030504020204" pitchFamily="34" charset="0"/>
-                <a:cs typeface="Open Sans" panose="020B0606030504020204" pitchFamily="34" charset="0"/>
-              </a:defRPr>
-            </a:lvl1pPr>
-            <a:lvl2pPr marL="457200" indent="0" algn="l" defTabSz="914400" rtl="0" eaLnBrk="1" latinLnBrk="0" hangingPunct="1">
-              <a:lnSpc>
-                <a:spcPct val="90000"/>
-              </a:lnSpc>
-              <a:spcBef>
-                <a:spcPts val="500"/>
-              </a:spcBef>
-              <a:buFont typeface="Arial" panose="020B0604020202020204" pitchFamily="34" charset="0"/>
-              <a:buNone/>
-              <a:defRPr sz="2000" b="1" i="0" kern="1200">
-                <a:solidFill>
-                  <a:srgbClr val="59595C"/>
-                </a:solidFill>
-                <a:latin typeface="Helvetica" pitchFamily="2" charset="0"/>
-                <a:ea typeface="Open Sans" panose="020B0606030504020204" pitchFamily="34" charset="0"/>
-                <a:cs typeface="Open Sans" panose="020B0606030504020204" pitchFamily="34" charset="0"/>
-              </a:defRPr>
-            </a:lvl2pPr>
-            <a:lvl3pPr marL="914400" indent="0" algn="l" defTabSz="914400" rtl="0" eaLnBrk="1" latinLnBrk="0" hangingPunct="1">
-              <a:lnSpc>
-                <a:spcPct val="90000"/>
-              </a:lnSpc>
-              <a:spcBef>
-                <a:spcPts val="500"/>
-              </a:spcBef>
-              <a:buFont typeface="Arial" panose="020B0604020202020204" pitchFamily="34" charset="0"/>
-              <a:buNone/>
-              <a:defRPr sz="1800" b="1" i="0" kern="1200">
-                <a:solidFill>
-                  <a:srgbClr val="59595C"/>
-                </a:solidFill>
-                <a:latin typeface="Helvetica" pitchFamily="2" charset="0"/>
-                <a:ea typeface="Open Sans" panose="020B0606030504020204" pitchFamily="34" charset="0"/>
-                <a:cs typeface="Open Sans" panose="020B0606030504020204" pitchFamily="34" charset="0"/>
-              </a:defRPr>
-            </a:lvl3pPr>
-            <a:lvl4pPr marL="1371600" indent="0" algn="l" defTabSz="914400" rtl="0" eaLnBrk="1" latinLnBrk="0" hangingPunct="1">
-              <a:lnSpc>
-                <a:spcPct val="90000"/>
-              </a:lnSpc>
-              <a:spcBef>
-                <a:spcPts val="500"/>
-              </a:spcBef>
-              <a:buFont typeface="Arial" panose="020B0604020202020204" pitchFamily="34" charset="0"/>
-              <a:buNone/>
-              <a:defRPr sz="1600" b="1" i="0" kern="1200">
-                <a:solidFill>
-                  <a:srgbClr val="59595C"/>
-                </a:solidFill>
-                <a:latin typeface="Helvetica" pitchFamily="2" charset="0"/>
-                <a:ea typeface="Open Sans" panose="020B0606030504020204" pitchFamily="34" charset="0"/>
-                <a:cs typeface="Open Sans" panose="020B0606030504020204" pitchFamily="34" charset="0"/>
-              </a:defRPr>
-            </a:lvl4pPr>
-            <a:lvl5pPr marL="1828800" indent="0" algn="l" defTabSz="914400" rtl="0" eaLnBrk="1" latinLnBrk="0" hangingPunct="1">
-              <a:lnSpc>
-                <a:spcPct val="90000"/>
-              </a:lnSpc>
-              <a:spcBef>
-                <a:spcPts val="500"/>
-              </a:spcBef>
-              <a:buFont typeface="Arial" panose="020B0604020202020204" pitchFamily="34" charset="0"/>
-              <a:buNone/>
-              <a:defRPr sz="1600" b="1" i="0" kern="1200">
-                <a:solidFill>
-                  <a:srgbClr val="59595C"/>
-                </a:solidFill>
-                <a:latin typeface="Helvetica" pitchFamily="2" charset="0"/>
-                <a:ea typeface="Open Sans" panose="020B0606030504020204" pitchFamily="34" charset="0"/>
-                <a:cs typeface="Open Sans" panose="020B0606030504020204" pitchFamily="34" charset="0"/>
-              </a:defRPr>
-            </a:lvl5pPr>
-            <a:lvl6pPr marL="2286000" indent="0" algn="l" defTabSz="914400" rtl="0" eaLnBrk="1" latinLnBrk="0" hangingPunct="1">
-              <a:lnSpc>
-                <a:spcPct val="90000"/>
-              </a:lnSpc>
-              <a:spcBef>
-                <a:spcPts val="500"/>
-              </a:spcBef>
-              <a:buFont typeface="Arial" panose="020B0604020202020204" pitchFamily="34" charset="0"/>
-              <a:buNone/>
-              <a:defRPr sz="1600" b="1" kern="1200">
-                <a:solidFill>
-                  <a:schemeClr val="tx1"/>
-                </a:solidFill>
-                <a:latin typeface="+mn-lt"/>
-                <a:ea typeface="+mn-ea"/>
-                <a:cs typeface="+mn-cs"/>
-              </a:defRPr>
-            </a:lvl6pPr>
-            <a:lvl7pPr marL="2743200" indent="0" algn="l" defTabSz="914400" rtl="0" eaLnBrk="1" latinLnBrk="0" hangingPunct="1">
-              <a:lnSpc>
-                <a:spcPct val="90000"/>
-              </a:lnSpc>
-              <a:spcBef>
-                <a:spcPts val="500"/>
-              </a:spcBef>
-              <a:buFont typeface="Arial" panose="020B0604020202020204" pitchFamily="34" charset="0"/>
-              <a:buNone/>
-              <a:defRPr sz="1600" b="1" kern="1200">
-                <a:solidFill>
-                  <a:schemeClr val="tx1"/>
-                </a:solidFill>
-                <a:latin typeface="+mn-lt"/>
-                <a:ea typeface="+mn-ea"/>
-                <a:cs typeface="+mn-cs"/>
-              </a:defRPr>
-            </a:lvl7pPr>
-            <a:lvl8pPr marL="3200400" indent="0" algn="l" defTabSz="914400" rtl="0" eaLnBrk="1" latinLnBrk="0" hangingPunct="1">
-              <a:lnSpc>
-                <a:spcPct val="90000"/>
-              </a:lnSpc>
-              <a:spcBef>
-                <a:spcPts val="500"/>
-              </a:spcBef>
-              <a:buFont typeface="Arial" panose="020B0604020202020204" pitchFamily="34" charset="0"/>
-              <a:buNone/>
-              <a:defRPr sz="1600" b="1" kern="1200">
-                <a:solidFill>
-                  <a:schemeClr val="tx1"/>
-                </a:solidFill>
-                <a:latin typeface="+mn-lt"/>
-                <a:ea typeface="+mn-ea"/>
-                <a:cs typeface="+mn-cs"/>
-              </a:defRPr>
-            </a:lvl8pPr>
-            <a:lvl9pPr marL="3657600" indent="0" algn="l" defTabSz="914400" rtl="0" eaLnBrk="1" latinLnBrk="0" hangingPunct="1">
-              <a:lnSpc>
-                <a:spcPct val="90000"/>
-              </a:lnSpc>
-              <a:spcBef>
-                <a:spcPts val="500"/>
-              </a:spcBef>
-              <a:buFont typeface="Arial" panose="020B0604020202020204" pitchFamily="34" charset="0"/>
-              <a:buNone/>
-              <a:defRPr sz="1600" b="1" kern="1200">
-                <a:solidFill>
-                  <a:schemeClr val="tx1"/>
-                </a:solidFill>
-                <a:latin typeface="+mn-lt"/>
-                <a:ea typeface="+mn-ea"/>
-                <a:cs typeface="+mn-cs"/>
-              </a:defRPr>
-            </a:lvl9pPr>
-          </a:lstStyle>
-          <a:p>
-            <a:r>
-              <a:rPr lang="en-US" dirty="0"/>
-              <a:t>Switch to Ride Hail</a:t>
-            </a:r>
-          </a:p>
-        </p:txBody>
-      </p:sp>
     </p:spTree>
     <p:extLst>
       <p:ext uri="{BB962C8B-B14F-4D97-AF65-F5344CB8AC3E}">
@@ -7053,12 +7053,288 @@
           </a:p>
         </p:txBody>
       </p:sp>
+      <p:sp>
+        <p:nvSpPr>
+          <p:cNvPr id="16" name="Content Placeholder 4">
+            <a:extLst>
+              <a:ext uri="{FF2B5EF4-FFF2-40B4-BE49-F238E27FC236}">
+                <a16:creationId xmlns:a16="http://schemas.microsoft.com/office/drawing/2014/main" id="{19905C69-B5DF-FDFD-C23B-CA18628EFB34}"/>
+              </a:ext>
+            </a:extLst>
+          </p:cNvPr>
+          <p:cNvSpPr txBox="1">
+            <a:spLocks/>
+          </p:cNvSpPr>
+          <p:nvPr/>
+        </p:nvSpPr>
+        <p:spPr>
+          <a:xfrm>
+            <a:off x="353427" y="2120514"/>
+            <a:ext cx="2966616" cy="3219202"/>
+          </a:xfrm>
+          <a:prstGeom prst="rect">
+            <a:avLst/>
+          </a:prstGeom>
+        </p:spPr>
+        <p:txBody>
+          <a:bodyPr vert="horz" lIns="91440" tIns="45720" rIns="91440" bIns="45720" rtlCol="0">
+            <a:normAutofit/>
+          </a:bodyPr>
+          <a:lstStyle>
+            <a:lvl1pPr marL="0" indent="0" algn="l" defTabSz="914400" rtl="0" eaLnBrk="1" latinLnBrk="0" hangingPunct="1">
+              <a:lnSpc>
+                <a:spcPct val="90000"/>
+              </a:lnSpc>
+              <a:spcBef>
+                <a:spcPts val="1000"/>
+              </a:spcBef>
+              <a:buFont typeface="Arial" panose="020B0604020202020204" pitchFamily="34" charset="0"/>
+              <a:buNone/>
+              <a:defRPr sz="1600" b="0" i="0" kern="1200">
+                <a:solidFill>
+                  <a:srgbClr val="59595C"/>
+                </a:solidFill>
+                <a:latin typeface="Helvetica" pitchFamily="2" charset="0"/>
+                <a:ea typeface="Open Sans" panose="020B0606030504020204" pitchFamily="34" charset="0"/>
+                <a:cs typeface="Open Sans" panose="020B0606030504020204" pitchFamily="34" charset="0"/>
+              </a:defRPr>
+            </a:lvl1pPr>
+            <a:lvl2pPr marL="457200" indent="0" algn="l" defTabSz="914400" rtl="0" eaLnBrk="1" latinLnBrk="0" hangingPunct="1">
+              <a:lnSpc>
+                <a:spcPct val="90000"/>
+              </a:lnSpc>
+              <a:spcBef>
+                <a:spcPts val="500"/>
+              </a:spcBef>
+              <a:buFont typeface="Arial" panose="020B0604020202020204" pitchFamily="34" charset="0"/>
+              <a:buNone/>
+              <a:defRPr sz="1400" b="0" i="0" kern="1200">
+                <a:solidFill>
+                  <a:srgbClr val="59595C"/>
+                </a:solidFill>
+                <a:latin typeface="Helvetica" pitchFamily="2" charset="0"/>
+                <a:ea typeface="Open Sans" panose="020B0606030504020204" pitchFamily="34" charset="0"/>
+                <a:cs typeface="Open Sans" panose="020B0606030504020204" pitchFamily="34" charset="0"/>
+              </a:defRPr>
+            </a:lvl2pPr>
+            <a:lvl3pPr marL="914400" indent="0" algn="l" defTabSz="914400" rtl="0" eaLnBrk="1" latinLnBrk="0" hangingPunct="1">
+              <a:lnSpc>
+                <a:spcPct val="90000"/>
+              </a:lnSpc>
+              <a:spcBef>
+                <a:spcPts val="500"/>
+              </a:spcBef>
+              <a:buFont typeface="Arial" panose="020B0604020202020204" pitchFamily="34" charset="0"/>
+              <a:buNone/>
+              <a:defRPr sz="1200" b="0" i="0" kern="1200">
+                <a:solidFill>
+                  <a:srgbClr val="59595C"/>
+                </a:solidFill>
+                <a:latin typeface="Helvetica" pitchFamily="2" charset="0"/>
+                <a:ea typeface="Open Sans" panose="020B0606030504020204" pitchFamily="34" charset="0"/>
+                <a:cs typeface="Open Sans" panose="020B0606030504020204" pitchFamily="34" charset="0"/>
+              </a:defRPr>
+            </a:lvl3pPr>
+            <a:lvl4pPr marL="1371600" indent="0" algn="l" defTabSz="914400" rtl="0" eaLnBrk="1" latinLnBrk="0" hangingPunct="1">
+              <a:lnSpc>
+                <a:spcPct val="90000"/>
+              </a:lnSpc>
+              <a:spcBef>
+                <a:spcPts val="500"/>
+              </a:spcBef>
+              <a:buFont typeface="Arial" panose="020B0604020202020204" pitchFamily="34" charset="0"/>
+              <a:buNone/>
+              <a:defRPr sz="1000" b="0" i="0" kern="1200">
+                <a:solidFill>
+                  <a:srgbClr val="59595C"/>
+                </a:solidFill>
+                <a:latin typeface="Helvetica" pitchFamily="2" charset="0"/>
+                <a:ea typeface="Open Sans" panose="020B0606030504020204" pitchFamily="34" charset="0"/>
+                <a:cs typeface="Open Sans" panose="020B0606030504020204" pitchFamily="34" charset="0"/>
+              </a:defRPr>
+            </a:lvl4pPr>
+            <a:lvl5pPr marL="1828800" indent="0" algn="l" defTabSz="914400" rtl="0" eaLnBrk="1" latinLnBrk="0" hangingPunct="1">
+              <a:lnSpc>
+                <a:spcPct val="90000"/>
+              </a:lnSpc>
+              <a:spcBef>
+                <a:spcPts val="500"/>
+              </a:spcBef>
+              <a:buFont typeface="Arial" panose="020B0604020202020204" pitchFamily="34" charset="0"/>
+              <a:buNone/>
+              <a:defRPr sz="1000" b="0" i="0" kern="1200">
+                <a:solidFill>
+                  <a:srgbClr val="59595C"/>
+                </a:solidFill>
+                <a:latin typeface="Helvetica" pitchFamily="2" charset="0"/>
+                <a:ea typeface="Open Sans" panose="020B0606030504020204" pitchFamily="34" charset="0"/>
+                <a:cs typeface="Open Sans" panose="020B0606030504020204" pitchFamily="34" charset="0"/>
+              </a:defRPr>
+            </a:lvl5pPr>
+            <a:lvl6pPr marL="2286000" indent="0" algn="l" defTabSz="914400" rtl="0" eaLnBrk="1" latinLnBrk="0" hangingPunct="1">
+              <a:lnSpc>
+                <a:spcPct val="90000"/>
+              </a:lnSpc>
+              <a:spcBef>
+                <a:spcPts val="500"/>
+              </a:spcBef>
+              <a:buFont typeface="Arial" panose="020B0604020202020204" pitchFamily="34" charset="0"/>
+              <a:buNone/>
+              <a:defRPr sz="1000" kern="1200">
+                <a:solidFill>
+                  <a:schemeClr val="tx1"/>
+                </a:solidFill>
+                <a:latin typeface="+mn-lt"/>
+                <a:ea typeface="+mn-ea"/>
+                <a:cs typeface="+mn-cs"/>
+              </a:defRPr>
+            </a:lvl6pPr>
+            <a:lvl7pPr marL="2743200" indent="0" algn="l" defTabSz="914400" rtl="0" eaLnBrk="1" latinLnBrk="0" hangingPunct="1">
+              <a:lnSpc>
+                <a:spcPct val="90000"/>
+              </a:lnSpc>
+              <a:spcBef>
+                <a:spcPts val="500"/>
+              </a:spcBef>
+              <a:buFont typeface="Arial" panose="020B0604020202020204" pitchFamily="34" charset="0"/>
+              <a:buNone/>
+              <a:defRPr sz="1000" kern="1200">
+                <a:solidFill>
+                  <a:schemeClr val="tx1"/>
+                </a:solidFill>
+                <a:latin typeface="+mn-lt"/>
+                <a:ea typeface="+mn-ea"/>
+                <a:cs typeface="+mn-cs"/>
+              </a:defRPr>
+            </a:lvl7pPr>
+            <a:lvl8pPr marL="3200400" indent="0" algn="l" defTabSz="914400" rtl="0" eaLnBrk="1" latinLnBrk="0" hangingPunct="1">
+              <a:lnSpc>
+                <a:spcPct val="90000"/>
+              </a:lnSpc>
+              <a:spcBef>
+                <a:spcPts val="500"/>
+              </a:spcBef>
+              <a:buFont typeface="Arial" panose="020B0604020202020204" pitchFamily="34" charset="0"/>
+              <a:buNone/>
+              <a:defRPr sz="1000" kern="1200">
+                <a:solidFill>
+                  <a:schemeClr val="tx1"/>
+                </a:solidFill>
+                <a:latin typeface="+mn-lt"/>
+                <a:ea typeface="+mn-ea"/>
+                <a:cs typeface="+mn-cs"/>
+              </a:defRPr>
+            </a:lvl8pPr>
+            <a:lvl9pPr marL="3657600" indent="0" algn="l" defTabSz="914400" rtl="0" eaLnBrk="1" latinLnBrk="0" hangingPunct="1">
+              <a:lnSpc>
+                <a:spcPct val="90000"/>
+              </a:lnSpc>
+              <a:spcBef>
+                <a:spcPts val="500"/>
+              </a:spcBef>
+              <a:buFont typeface="Arial" panose="020B0604020202020204" pitchFamily="34" charset="0"/>
+              <a:buNone/>
+              <a:defRPr sz="1000" kern="1200">
+                <a:solidFill>
+                  <a:schemeClr val="tx1"/>
+                </a:solidFill>
+                <a:latin typeface="+mn-lt"/>
+                <a:ea typeface="+mn-ea"/>
+                <a:cs typeface="+mn-cs"/>
+              </a:defRPr>
+            </a:lvl9pPr>
+          </a:lstStyle>
+          <a:p>
+            <a:pPr marL="285750" indent="-285750">
+              <a:buFont typeface="Arial" panose="020B0604020202020204" pitchFamily="34" charset="0"/>
+              <a:buChar char="•"/>
+            </a:pPr>
+            <a:r>
+              <a:rPr lang="en-US" dirty="0">
+                <a:solidFill>
+                  <a:schemeClr val="bg1"/>
+                </a:solidFill>
+              </a:rPr>
+              <a:t>Diagram of agents who switch to walk by hour of day</a:t>
+            </a:r>
+          </a:p>
+          <a:p>
+            <a:pPr marL="742950" lvl="1" indent="-285750">
+              <a:buFont typeface="Arial" panose="020B0604020202020204" pitchFamily="34" charset="0"/>
+              <a:buChar char="•"/>
+            </a:pPr>
+            <a:r>
+              <a:rPr lang="en-US" dirty="0" err="1">
+                <a:solidFill>
+                  <a:schemeClr val="bg1"/>
+                </a:solidFill>
+              </a:rPr>
+              <a:t>AsimBeamAll:PPL</a:t>
+            </a:r>
+            <a:r>
+              <a:rPr lang="en-US" dirty="0">
+                <a:solidFill>
+                  <a:schemeClr val="bg1"/>
+                </a:solidFill>
+              </a:rPr>
+              <a:t> scenario</a:t>
+            </a:r>
+          </a:p>
+          <a:p>
+            <a:pPr marL="285750" indent="-285750">
+              <a:buFont typeface="Arial" panose="020B0604020202020204" pitchFamily="34" charset="0"/>
+              <a:buChar char="•"/>
+            </a:pPr>
+            <a:r>
+              <a:rPr lang="en-US" dirty="0">
+                <a:solidFill>
+                  <a:schemeClr val="bg1"/>
+                </a:solidFill>
+              </a:rPr>
+              <a:t>100s of cumulative car trips switch to walk by end of day</a:t>
+            </a:r>
+          </a:p>
+          <a:p>
+            <a:pPr marL="285750" indent="-285750">
+              <a:buFont typeface="Arial" panose="020B0604020202020204" pitchFamily="34" charset="0"/>
+              <a:buChar char="•"/>
+            </a:pPr>
+            <a:r>
+              <a:rPr lang="en-US" dirty="0">
+                <a:solidFill>
+                  <a:schemeClr val="bg1"/>
+                </a:solidFill>
+              </a:rPr>
+              <a:t>Hours 26-29: potential agents who get “stuck” and don’t finish their day</a:t>
+            </a:r>
+          </a:p>
+          <a:p>
+            <a:pPr marL="342900" indent="-342900" algn="ctr">
+              <a:buFont typeface="+mj-lt"/>
+              <a:buAutoNum type="arabicPeriod"/>
+            </a:pPr>
+            <a:endParaRPr lang="en-US" dirty="0">
+              <a:solidFill>
+                <a:schemeClr val="tx1"/>
+              </a:solidFill>
+            </a:endParaRPr>
+          </a:p>
+          <a:p>
+            <a:pPr algn="ctr"/>
+            <a:endParaRPr lang="en-US" dirty="0">
+              <a:solidFill>
+                <a:schemeClr val="tx1"/>
+              </a:solidFill>
+            </a:endParaRPr>
+          </a:p>
+        </p:txBody>
+      </p:sp>
       <p:pic>
         <p:nvPicPr>
-          <p:cNvPr id="15" name="Picture 14">
-            <a:extLst>
-              <a:ext uri="{FF2B5EF4-FFF2-40B4-BE49-F238E27FC236}">
-                <a16:creationId xmlns:a16="http://schemas.microsoft.com/office/drawing/2014/main" id="{AE03864C-837A-86F3-CB0E-A1619A6EED0F}"/>
+          <p:cNvPr id="4" name="Picture 3">
+            <a:extLst>
+              <a:ext uri="{FF2B5EF4-FFF2-40B4-BE49-F238E27FC236}">
+                <a16:creationId xmlns:a16="http://schemas.microsoft.com/office/drawing/2014/main" id="{B22919F2-9F03-685D-2BA7-B32BFBEEBDD3}"/>
               </a:ext>
             </a:extLst>
           </p:cNvPr>
@@ -7075,290 +7351,14 @@
         </p:blipFill>
         <p:spPr>
           <a:xfrm>
-            <a:off x="3923874" y="924337"/>
-            <a:ext cx="8268126" cy="4718636"/>
+            <a:off x="4414400" y="571150"/>
+            <a:ext cx="7424173" cy="5257506"/>
           </a:xfrm>
           <a:prstGeom prst="rect">
             <a:avLst/>
           </a:prstGeom>
         </p:spPr>
       </p:pic>
-      <p:sp>
-        <p:nvSpPr>
-          <p:cNvPr id="16" name="Content Placeholder 4">
-            <a:extLst>
-              <a:ext uri="{FF2B5EF4-FFF2-40B4-BE49-F238E27FC236}">
-                <a16:creationId xmlns:a16="http://schemas.microsoft.com/office/drawing/2014/main" id="{19905C69-B5DF-FDFD-C23B-CA18628EFB34}"/>
-              </a:ext>
-            </a:extLst>
-          </p:cNvPr>
-          <p:cNvSpPr txBox="1">
-            <a:spLocks/>
-          </p:cNvSpPr>
-          <p:nvPr/>
-        </p:nvSpPr>
-        <p:spPr>
-          <a:xfrm>
-            <a:off x="353427" y="2120514"/>
-            <a:ext cx="2966616" cy="3219202"/>
-          </a:xfrm>
-          <a:prstGeom prst="rect">
-            <a:avLst/>
-          </a:prstGeom>
-        </p:spPr>
-        <p:txBody>
-          <a:bodyPr vert="horz" lIns="91440" tIns="45720" rIns="91440" bIns="45720" rtlCol="0">
-            <a:normAutofit/>
-          </a:bodyPr>
-          <a:lstStyle>
-            <a:lvl1pPr marL="0" indent="0" algn="l" defTabSz="914400" rtl="0" eaLnBrk="1" latinLnBrk="0" hangingPunct="1">
-              <a:lnSpc>
-                <a:spcPct val="90000"/>
-              </a:lnSpc>
-              <a:spcBef>
-                <a:spcPts val="1000"/>
-              </a:spcBef>
-              <a:buFont typeface="Arial" panose="020B0604020202020204" pitchFamily="34" charset="0"/>
-              <a:buNone/>
-              <a:defRPr sz="1600" b="0" i="0" kern="1200">
-                <a:solidFill>
-                  <a:srgbClr val="59595C"/>
-                </a:solidFill>
-                <a:latin typeface="Helvetica" pitchFamily="2" charset="0"/>
-                <a:ea typeface="Open Sans" panose="020B0606030504020204" pitchFamily="34" charset="0"/>
-                <a:cs typeface="Open Sans" panose="020B0606030504020204" pitchFamily="34" charset="0"/>
-              </a:defRPr>
-            </a:lvl1pPr>
-            <a:lvl2pPr marL="457200" indent="0" algn="l" defTabSz="914400" rtl="0" eaLnBrk="1" latinLnBrk="0" hangingPunct="1">
-              <a:lnSpc>
-                <a:spcPct val="90000"/>
-              </a:lnSpc>
-              <a:spcBef>
-                <a:spcPts val="500"/>
-              </a:spcBef>
-              <a:buFont typeface="Arial" panose="020B0604020202020204" pitchFamily="34" charset="0"/>
-              <a:buNone/>
-              <a:defRPr sz="1400" b="0" i="0" kern="1200">
-                <a:solidFill>
-                  <a:srgbClr val="59595C"/>
-                </a:solidFill>
-                <a:latin typeface="Helvetica" pitchFamily="2" charset="0"/>
-                <a:ea typeface="Open Sans" panose="020B0606030504020204" pitchFamily="34" charset="0"/>
-                <a:cs typeface="Open Sans" panose="020B0606030504020204" pitchFamily="34" charset="0"/>
-              </a:defRPr>
-            </a:lvl2pPr>
-            <a:lvl3pPr marL="914400" indent="0" algn="l" defTabSz="914400" rtl="0" eaLnBrk="1" latinLnBrk="0" hangingPunct="1">
-              <a:lnSpc>
-                <a:spcPct val="90000"/>
-              </a:lnSpc>
-              <a:spcBef>
-                <a:spcPts val="500"/>
-              </a:spcBef>
-              <a:buFont typeface="Arial" panose="020B0604020202020204" pitchFamily="34" charset="0"/>
-              <a:buNone/>
-              <a:defRPr sz="1200" b="0" i="0" kern="1200">
-                <a:solidFill>
-                  <a:srgbClr val="59595C"/>
-                </a:solidFill>
-                <a:latin typeface="Helvetica" pitchFamily="2" charset="0"/>
-                <a:ea typeface="Open Sans" panose="020B0606030504020204" pitchFamily="34" charset="0"/>
-                <a:cs typeface="Open Sans" panose="020B0606030504020204" pitchFamily="34" charset="0"/>
-              </a:defRPr>
-            </a:lvl3pPr>
-            <a:lvl4pPr marL="1371600" indent="0" algn="l" defTabSz="914400" rtl="0" eaLnBrk="1" latinLnBrk="0" hangingPunct="1">
-              <a:lnSpc>
-                <a:spcPct val="90000"/>
-              </a:lnSpc>
-              <a:spcBef>
-                <a:spcPts val="500"/>
-              </a:spcBef>
-              <a:buFont typeface="Arial" panose="020B0604020202020204" pitchFamily="34" charset="0"/>
-              <a:buNone/>
-              <a:defRPr sz="1000" b="0" i="0" kern="1200">
-                <a:solidFill>
-                  <a:srgbClr val="59595C"/>
-                </a:solidFill>
-                <a:latin typeface="Helvetica" pitchFamily="2" charset="0"/>
-                <a:ea typeface="Open Sans" panose="020B0606030504020204" pitchFamily="34" charset="0"/>
-                <a:cs typeface="Open Sans" panose="020B0606030504020204" pitchFamily="34" charset="0"/>
-              </a:defRPr>
-            </a:lvl4pPr>
-            <a:lvl5pPr marL="1828800" indent="0" algn="l" defTabSz="914400" rtl="0" eaLnBrk="1" latinLnBrk="0" hangingPunct="1">
-              <a:lnSpc>
-                <a:spcPct val="90000"/>
-              </a:lnSpc>
-              <a:spcBef>
-                <a:spcPts val="500"/>
-              </a:spcBef>
-              <a:buFont typeface="Arial" panose="020B0604020202020204" pitchFamily="34" charset="0"/>
-              <a:buNone/>
-              <a:defRPr sz="1000" b="0" i="0" kern="1200">
-                <a:solidFill>
-                  <a:srgbClr val="59595C"/>
-                </a:solidFill>
-                <a:latin typeface="Helvetica" pitchFamily="2" charset="0"/>
-                <a:ea typeface="Open Sans" panose="020B0606030504020204" pitchFamily="34" charset="0"/>
-                <a:cs typeface="Open Sans" panose="020B0606030504020204" pitchFamily="34" charset="0"/>
-              </a:defRPr>
-            </a:lvl5pPr>
-            <a:lvl6pPr marL="2286000" indent="0" algn="l" defTabSz="914400" rtl="0" eaLnBrk="1" latinLnBrk="0" hangingPunct="1">
-              <a:lnSpc>
-                <a:spcPct val="90000"/>
-              </a:lnSpc>
-              <a:spcBef>
-                <a:spcPts val="500"/>
-              </a:spcBef>
-              <a:buFont typeface="Arial" panose="020B0604020202020204" pitchFamily="34" charset="0"/>
-              <a:buNone/>
-              <a:defRPr sz="1000" kern="1200">
-                <a:solidFill>
-                  <a:schemeClr val="tx1"/>
-                </a:solidFill>
-                <a:latin typeface="+mn-lt"/>
-                <a:ea typeface="+mn-ea"/>
-                <a:cs typeface="+mn-cs"/>
-              </a:defRPr>
-            </a:lvl6pPr>
-            <a:lvl7pPr marL="2743200" indent="0" algn="l" defTabSz="914400" rtl="0" eaLnBrk="1" latinLnBrk="0" hangingPunct="1">
-              <a:lnSpc>
-                <a:spcPct val="90000"/>
-              </a:lnSpc>
-              <a:spcBef>
-                <a:spcPts val="500"/>
-              </a:spcBef>
-              <a:buFont typeface="Arial" panose="020B0604020202020204" pitchFamily="34" charset="0"/>
-              <a:buNone/>
-              <a:defRPr sz="1000" kern="1200">
-                <a:solidFill>
-                  <a:schemeClr val="tx1"/>
-                </a:solidFill>
-                <a:latin typeface="+mn-lt"/>
-                <a:ea typeface="+mn-ea"/>
-                <a:cs typeface="+mn-cs"/>
-              </a:defRPr>
-            </a:lvl7pPr>
-            <a:lvl8pPr marL="3200400" indent="0" algn="l" defTabSz="914400" rtl="0" eaLnBrk="1" latinLnBrk="0" hangingPunct="1">
-              <a:lnSpc>
-                <a:spcPct val="90000"/>
-              </a:lnSpc>
-              <a:spcBef>
-                <a:spcPts val="500"/>
-              </a:spcBef>
-              <a:buFont typeface="Arial" panose="020B0604020202020204" pitchFamily="34" charset="0"/>
-              <a:buNone/>
-              <a:defRPr sz="1000" kern="1200">
-                <a:solidFill>
-                  <a:schemeClr val="tx1"/>
-                </a:solidFill>
-                <a:latin typeface="+mn-lt"/>
-                <a:ea typeface="+mn-ea"/>
-                <a:cs typeface="+mn-cs"/>
-              </a:defRPr>
-            </a:lvl8pPr>
-            <a:lvl9pPr marL="3657600" indent="0" algn="l" defTabSz="914400" rtl="0" eaLnBrk="1" latinLnBrk="0" hangingPunct="1">
-              <a:lnSpc>
-                <a:spcPct val="90000"/>
-              </a:lnSpc>
-              <a:spcBef>
-                <a:spcPts val="500"/>
-              </a:spcBef>
-              <a:buFont typeface="Arial" panose="020B0604020202020204" pitchFamily="34" charset="0"/>
-              <a:buNone/>
-              <a:defRPr sz="1000" kern="1200">
-                <a:solidFill>
-                  <a:schemeClr val="tx1"/>
-                </a:solidFill>
-                <a:latin typeface="+mn-lt"/>
-                <a:ea typeface="+mn-ea"/>
-                <a:cs typeface="+mn-cs"/>
-              </a:defRPr>
-            </a:lvl9pPr>
-          </a:lstStyle>
-          <a:p>
-            <a:pPr marL="285750" indent="-285750">
-              <a:buFont typeface="Arial" panose="020B0604020202020204" pitchFamily="34" charset="0"/>
-              <a:buChar char="•"/>
-            </a:pPr>
-            <a:r>
-              <a:rPr lang="en-US" dirty="0">
-                <a:solidFill>
-                  <a:schemeClr val="bg1"/>
-                </a:solidFill>
-              </a:rPr>
-              <a:t>Diagram of agents who switch to walk by hour of day</a:t>
-            </a:r>
-          </a:p>
-          <a:p>
-            <a:pPr marL="742950" lvl="1" indent="-285750">
-              <a:buFont typeface="Arial" panose="020B0604020202020204" pitchFamily="34" charset="0"/>
-              <a:buChar char="•"/>
-            </a:pPr>
-            <a:r>
-              <a:rPr lang="en-US" dirty="0" err="1">
-                <a:solidFill>
-                  <a:schemeClr val="bg1"/>
-                </a:solidFill>
-              </a:rPr>
-              <a:t>wRH</a:t>
-            </a:r>
-            <a:r>
-              <a:rPr lang="en-US" dirty="0">
-                <a:solidFill>
-                  <a:schemeClr val="bg1"/>
-                </a:solidFill>
-              </a:rPr>
-              <a:t>-All-All scenario</a:t>
-            </a:r>
-          </a:p>
-          <a:p>
-            <a:pPr marL="285750" indent="-285750">
-              <a:buFont typeface="Arial" panose="020B0604020202020204" pitchFamily="34" charset="0"/>
-              <a:buChar char="•"/>
-            </a:pPr>
-            <a:r>
-              <a:rPr lang="en-US" dirty="0">
-                <a:solidFill>
-                  <a:schemeClr val="bg1"/>
-                </a:solidFill>
-              </a:rPr>
-              <a:t>1000s of cumulative car trips switch to walk by end of day</a:t>
-            </a:r>
-          </a:p>
-          <a:p>
-            <a:pPr marL="285750" indent="-285750">
-              <a:buFont typeface="Arial" panose="020B0604020202020204" pitchFamily="34" charset="0"/>
-              <a:buChar char="•"/>
-            </a:pPr>
-            <a:r>
-              <a:rPr lang="en-US" dirty="0">
-                <a:solidFill>
-                  <a:schemeClr val="bg1"/>
-                </a:solidFill>
-              </a:rPr>
-              <a:t>Hours 26-29: potential agents who get “stuck” and don’t finish their day</a:t>
-            </a:r>
-          </a:p>
-          <a:p>
-            <a:pPr marL="342900" indent="-342900" algn="ctr">
-              <a:buFont typeface="+mj-lt"/>
-              <a:buAutoNum type="arabicPeriod"/>
-            </a:pPr>
-            <a:endParaRPr lang="en-US" dirty="0">
-              <a:solidFill>
-                <a:schemeClr val="tx1"/>
-              </a:solidFill>
-            </a:endParaRPr>
-          </a:p>
-          <a:p>
-            <a:pPr algn="ctr"/>
-            <a:endParaRPr lang="en-US" dirty="0">
-              <a:solidFill>
-                <a:schemeClr val="tx1"/>
-              </a:solidFill>
-            </a:endParaRPr>
-          </a:p>
-        </p:txBody>
-      </p:sp>
     </p:spTree>
     <p:extLst>
       <p:ext uri="{BB962C8B-B14F-4D97-AF65-F5344CB8AC3E}">
@@ -7478,10 +7478,10 @@
       </p:sp>
       <p:pic>
         <p:nvPicPr>
-          <p:cNvPr id="10" name="Picture 9">
-            <a:extLst>
-              <a:ext uri="{FF2B5EF4-FFF2-40B4-BE49-F238E27FC236}">
-                <a16:creationId xmlns:a16="http://schemas.microsoft.com/office/drawing/2014/main" id="{12915711-1E08-F951-4A51-3A7432CEAE97}"/>
+          <p:cNvPr id="4" name="Picture 3">
+            <a:extLst>
+              <a:ext uri="{FF2B5EF4-FFF2-40B4-BE49-F238E27FC236}">
+                <a16:creationId xmlns:a16="http://schemas.microsoft.com/office/drawing/2014/main" id="{02A34260-245C-0962-EB5F-B539F2AAD42D}"/>
               </a:ext>
             </a:extLst>
           </p:cNvPr>
@@ -7498,8 +7498,8 @@
         </p:blipFill>
         <p:spPr>
           <a:xfrm>
-            <a:off x="1903319" y="1030637"/>
-            <a:ext cx="8385361" cy="5703377"/>
+            <a:off x="2705100" y="2024062"/>
+            <a:ext cx="6781800" cy="2809875"/>
           </a:xfrm>
           <a:prstGeom prst="rect">
             <a:avLst/>
@@ -7687,10 +7687,10 @@
       </p:sp>
       <p:pic>
         <p:nvPicPr>
-          <p:cNvPr id="8" name="Picture 7">
-            <a:extLst>
-              <a:ext uri="{FF2B5EF4-FFF2-40B4-BE49-F238E27FC236}">
-                <a16:creationId xmlns:a16="http://schemas.microsoft.com/office/drawing/2014/main" id="{975F80E9-9CE4-8379-32A3-E20907BFFB6E}"/>
+          <p:cNvPr id="7" name="Picture 6">
+            <a:extLst>
+              <a:ext uri="{FF2B5EF4-FFF2-40B4-BE49-F238E27FC236}">
+                <a16:creationId xmlns:a16="http://schemas.microsoft.com/office/drawing/2014/main" id="{F852BB0F-DB2E-33BE-C83C-D3DF54BDA7EC}"/>
               </a:ext>
             </a:extLst>
           </p:cNvPr>
@@ -7707,8 +7707,8 @@
         </p:blipFill>
         <p:spPr>
           <a:xfrm>
-            <a:off x="3680847" y="2330769"/>
-            <a:ext cx="7278157" cy="2610895"/>
+            <a:off x="4234354" y="2264616"/>
+            <a:ext cx="6724650" cy="2743200"/>
           </a:xfrm>
           <a:prstGeom prst="rect">
             <a:avLst/>
@@ -7802,12 +7802,296 @@
           </a:p>
         </p:txBody>
       </p:sp>
+      <p:sp>
+        <p:nvSpPr>
+          <p:cNvPr id="5" name="Content Placeholder 4">
+            <a:extLst>
+              <a:ext uri="{FF2B5EF4-FFF2-40B4-BE49-F238E27FC236}">
+                <a16:creationId xmlns:a16="http://schemas.microsoft.com/office/drawing/2014/main" id="{7BAFAA4D-DA1F-62AF-BA76-A6452CF7F1E8}"/>
+              </a:ext>
+            </a:extLst>
+          </p:cNvPr>
+          <p:cNvSpPr txBox="1">
+            <a:spLocks/>
+          </p:cNvSpPr>
+          <p:nvPr/>
+        </p:nvSpPr>
+        <p:spPr>
+          <a:xfrm>
+            <a:off x="104875" y="2330769"/>
+            <a:ext cx="3358995" cy="3219202"/>
+          </a:xfrm>
+          <a:prstGeom prst="rect">
+            <a:avLst/>
+          </a:prstGeom>
+        </p:spPr>
+        <p:txBody>
+          <a:bodyPr vert="horz" lIns="91440" tIns="45720" rIns="91440" bIns="45720" rtlCol="0">
+            <a:normAutofit/>
+          </a:bodyPr>
+          <a:lstStyle>
+            <a:lvl1pPr marL="0" indent="0" algn="l" defTabSz="914400" rtl="0" eaLnBrk="1" latinLnBrk="0" hangingPunct="1">
+              <a:lnSpc>
+                <a:spcPct val="90000"/>
+              </a:lnSpc>
+              <a:spcBef>
+                <a:spcPts val="1000"/>
+              </a:spcBef>
+              <a:buFont typeface="Arial" panose="020B0604020202020204" pitchFamily="34" charset="0"/>
+              <a:buNone/>
+              <a:defRPr sz="1600" b="0" i="0" kern="1200">
+                <a:solidFill>
+                  <a:srgbClr val="59595C"/>
+                </a:solidFill>
+                <a:latin typeface="Helvetica" pitchFamily="2" charset="0"/>
+                <a:ea typeface="Open Sans" panose="020B0606030504020204" pitchFamily="34" charset="0"/>
+                <a:cs typeface="Open Sans" panose="020B0606030504020204" pitchFamily="34" charset="0"/>
+              </a:defRPr>
+            </a:lvl1pPr>
+            <a:lvl2pPr marL="457200" indent="0" algn="l" defTabSz="914400" rtl="0" eaLnBrk="1" latinLnBrk="0" hangingPunct="1">
+              <a:lnSpc>
+                <a:spcPct val="90000"/>
+              </a:lnSpc>
+              <a:spcBef>
+                <a:spcPts val="500"/>
+              </a:spcBef>
+              <a:buFont typeface="Arial" panose="020B0604020202020204" pitchFamily="34" charset="0"/>
+              <a:buNone/>
+              <a:defRPr sz="1400" b="0" i="0" kern="1200">
+                <a:solidFill>
+                  <a:srgbClr val="59595C"/>
+                </a:solidFill>
+                <a:latin typeface="Helvetica" pitchFamily="2" charset="0"/>
+                <a:ea typeface="Open Sans" panose="020B0606030504020204" pitchFamily="34" charset="0"/>
+                <a:cs typeface="Open Sans" panose="020B0606030504020204" pitchFamily="34" charset="0"/>
+              </a:defRPr>
+            </a:lvl2pPr>
+            <a:lvl3pPr marL="914400" indent="0" algn="l" defTabSz="914400" rtl="0" eaLnBrk="1" latinLnBrk="0" hangingPunct="1">
+              <a:lnSpc>
+                <a:spcPct val="90000"/>
+              </a:lnSpc>
+              <a:spcBef>
+                <a:spcPts val="500"/>
+              </a:spcBef>
+              <a:buFont typeface="Arial" panose="020B0604020202020204" pitchFamily="34" charset="0"/>
+              <a:buNone/>
+              <a:defRPr sz="1200" b="0" i="0" kern="1200">
+                <a:solidFill>
+                  <a:srgbClr val="59595C"/>
+                </a:solidFill>
+                <a:latin typeface="Helvetica" pitchFamily="2" charset="0"/>
+                <a:ea typeface="Open Sans" panose="020B0606030504020204" pitchFamily="34" charset="0"/>
+                <a:cs typeface="Open Sans" panose="020B0606030504020204" pitchFamily="34" charset="0"/>
+              </a:defRPr>
+            </a:lvl3pPr>
+            <a:lvl4pPr marL="1371600" indent="0" algn="l" defTabSz="914400" rtl="0" eaLnBrk="1" latinLnBrk="0" hangingPunct="1">
+              <a:lnSpc>
+                <a:spcPct val="90000"/>
+              </a:lnSpc>
+              <a:spcBef>
+                <a:spcPts val="500"/>
+              </a:spcBef>
+              <a:buFont typeface="Arial" panose="020B0604020202020204" pitchFamily="34" charset="0"/>
+              <a:buNone/>
+              <a:defRPr sz="1000" b="0" i="0" kern="1200">
+                <a:solidFill>
+                  <a:srgbClr val="59595C"/>
+                </a:solidFill>
+                <a:latin typeface="Helvetica" pitchFamily="2" charset="0"/>
+                <a:ea typeface="Open Sans" panose="020B0606030504020204" pitchFamily="34" charset="0"/>
+                <a:cs typeface="Open Sans" panose="020B0606030504020204" pitchFamily="34" charset="0"/>
+              </a:defRPr>
+            </a:lvl4pPr>
+            <a:lvl5pPr marL="1828800" indent="0" algn="l" defTabSz="914400" rtl="0" eaLnBrk="1" latinLnBrk="0" hangingPunct="1">
+              <a:lnSpc>
+                <a:spcPct val="90000"/>
+              </a:lnSpc>
+              <a:spcBef>
+                <a:spcPts val="500"/>
+              </a:spcBef>
+              <a:buFont typeface="Arial" panose="020B0604020202020204" pitchFamily="34" charset="0"/>
+              <a:buNone/>
+              <a:defRPr sz="1000" b="0" i="0" kern="1200">
+                <a:solidFill>
+                  <a:srgbClr val="59595C"/>
+                </a:solidFill>
+                <a:latin typeface="Helvetica" pitchFamily="2" charset="0"/>
+                <a:ea typeface="Open Sans" panose="020B0606030504020204" pitchFamily="34" charset="0"/>
+                <a:cs typeface="Open Sans" panose="020B0606030504020204" pitchFamily="34" charset="0"/>
+              </a:defRPr>
+            </a:lvl5pPr>
+            <a:lvl6pPr marL="2286000" indent="0" algn="l" defTabSz="914400" rtl="0" eaLnBrk="1" latinLnBrk="0" hangingPunct="1">
+              <a:lnSpc>
+                <a:spcPct val="90000"/>
+              </a:lnSpc>
+              <a:spcBef>
+                <a:spcPts val="500"/>
+              </a:spcBef>
+              <a:buFont typeface="Arial" panose="020B0604020202020204" pitchFamily="34" charset="0"/>
+              <a:buNone/>
+              <a:defRPr sz="1000" kern="1200">
+                <a:solidFill>
+                  <a:schemeClr val="tx1"/>
+                </a:solidFill>
+                <a:latin typeface="+mn-lt"/>
+                <a:ea typeface="+mn-ea"/>
+                <a:cs typeface="+mn-cs"/>
+              </a:defRPr>
+            </a:lvl6pPr>
+            <a:lvl7pPr marL="2743200" indent="0" algn="l" defTabSz="914400" rtl="0" eaLnBrk="1" latinLnBrk="0" hangingPunct="1">
+              <a:lnSpc>
+                <a:spcPct val="90000"/>
+              </a:lnSpc>
+              <a:spcBef>
+                <a:spcPts val="500"/>
+              </a:spcBef>
+              <a:buFont typeface="Arial" panose="020B0604020202020204" pitchFamily="34" charset="0"/>
+              <a:buNone/>
+              <a:defRPr sz="1000" kern="1200">
+                <a:solidFill>
+                  <a:schemeClr val="tx1"/>
+                </a:solidFill>
+                <a:latin typeface="+mn-lt"/>
+                <a:ea typeface="+mn-ea"/>
+                <a:cs typeface="+mn-cs"/>
+              </a:defRPr>
+            </a:lvl7pPr>
+            <a:lvl8pPr marL="3200400" indent="0" algn="l" defTabSz="914400" rtl="0" eaLnBrk="1" latinLnBrk="0" hangingPunct="1">
+              <a:lnSpc>
+                <a:spcPct val="90000"/>
+              </a:lnSpc>
+              <a:spcBef>
+                <a:spcPts val="500"/>
+              </a:spcBef>
+              <a:buFont typeface="Arial" panose="020B0604020202020204" pitchFamily="34" charset="0"/>
+              <a:buNone/>
+              <a:defRPr sz="1000" kern="1200">
+                <a:solidFill>
+                  <a:schemeClr val="tx1"/>
+                </a:solidFill>
+                <a:latin typeface="+mn-lt"/>
+                <a:ea typeface="+mn-ea"/>
+                <a:cs typeface="+mn-cs"/>
+              </a:defRPr>
+            </a:lvl8pPr>
+            <a:lvl9pPr marL="3657600" indent="0" algn="l" defTabSz="914400" rtl="0" eaLnBrk="1" latinLnBrk="0" hangingPunct="1">
+              <a:lnSpc>
+                <a:spcPct val="90000"/>
+              </a:lnSpc>
+              <a:spcBef>
+                <a:spcPts val="500"/>
+              </a:spcBef>
+              <a:buFont typeface="Arial" panose="020B0604020202020204" pitchFamily="34" charset="0"/>
+              <a:buNone/>
+              <a:defRPr sz="1000" kern="1200">
+                <a:solidFill>
+                  <a:schemeClr val="tx1"/>
+                </a:solidFill>
+                <a:latin typeface="+mn-lt"/>
+                <a:ea typeface="+mn-ea"/>
+                <a:cs typeface="+mn-cs"/>
+              </a:defRPr>
+            </a:lvl9pPr>
+          </a:lstStyle>
+          <a:p>
+            <a:pPr marL="342900" indent="-342900" algn="r">
+              <a:buFont typeface="+mj-lt"/>
+              <a:buAutoNum type="arabicPeriod"/>
+            </a:pPr>
+            <a:r>
+              <a:rPr lang="en-US" dirty="0">
+                <a:solidFill>
+                  <a:schemeClr val="tx1"/>
+                </a:solidFill>
+              </a:rPr>
+              <a:t> Ridership affected significantly by BEAM mode choice structure</a:t>
+            </a:r>
+          </a:p>
+          <a:p>
+            <a:pPr algn="ctr"/>
+            <a:endParaRPr lang="en-US" dirty="0">
+              <a:solidFill>
+                <a:schemeClr val="tx1"/>
+              </a:solidFill>
+            </a:endParaRPr>
+          </a:p>
+          <a:p>
+            <a:pPr marL="342900" indent="-342900" algn="ctr">
+              <a:buFont typeface="+mj-lt"/>
+              <a:buAutoNum type="arabicPeriod"/>
+            </a:pPr>
+            <a:endParaRPr lang="en-US" dirty="0">
+              <a:solidFill>
+                <a:schemeClr val="tx1"/>
+              </a:solidFill>
+            </a:endParaRPr>
+          </a:p>
+          <a:p>
+            <a:pPr algn="ctr"/>
+            <a:endParaRPr lang="en-US" dirty="0">
+              <a:solidFill>
+                <a:schemeClr val="tx1"/>
+              </a:solidFill>
+            </a:endParaRPr>
+          </a:p>
+        </p:txBody>
+      </p:sp>
+      <p:sp>
+        <p:nvSpPr>
+          <p:cNvPr id="19" name="Rectangle: Rounded Corners 18">
+            <a:extLst>
+              <a:ext uri="{FF2B5EF4-FFF2-40B4-BE49-F238E27FC236}">
+                <a16:creationId xmlns:a16="http://schemas.microsoft.com/office/drawing/2014/main" id="{64691B5B-C270-605B-A01A-123350E8EE4A}"/>
+              </a:ext>
+            </a:extLst>
+          </p:cNvPr>
+          <p:cNvSpPr/>
+          <p:nvPr/>
+        </p:nvSpPr>
+        <p:spPr>
+          <a:xfrm>
+            <a:off x="9773176" y="2681710"/>
+            <a:ext cx="562062" cy="466010"/>
+          </a:xfrm>
+          <a:prstGeom prst="roundRect">
+            <a:avLst/>
+          </a:prstGeom>
+          <a:noFill/>
+          <a:ln>
+            <a:prstDash val="dash"/>
+          </a:ln>
+        </p:spPr>
+        <p:style>
+          <a:lnRef idx="2">
+            <a:schemeClr val="accent1">
+              <a:shade val="50000"/>
+            </a:schemeClr>
+          </a:lnRef>
+          <a:fillRef idx="1">
+            <a:schemeClr val="accent1"/>
+          </a:fillRef>
+          <a:effectRef idx="0">
+            <a:schemeClr val="accent1"/>
+          </a:effectRef>
+          <a:fontRef idx="minor">
+            <a:schemeClr val="lt1"/>
+          </a:fontRef>
+        </p:style>
+        <p:txBody>
+          <a:bodyPr rtlCol="0" anchor="ctr"/>
+          <a:lstStyle/>
+          <a:p>
+            <a:pPr algn="ctr"/>
+            <a:endParaRPr lang="en-US"/>
+          </a:p>
+        </p:txBody>
+      </p:sp>
       <p:pic>
         <p:nvPicPr>
-          <p:cNvPr id="8" name="Picture 7">
-            <a:extLst>
-              <a:ext uri="{FF2B5EF4-FFF2-40B4-BE49-F238E27FC236}">
-                <a16:creationId xmlns:a16="http://schemas.microsoft.com/office/drawing/2014/main" id="{975F80E9-9CE4-8379-32A3-E20907BFFB6E}"/>
+          <p:cNvPr id="3" name="Picture 2">
+            <a:extLst>
+              <a:ext uri="{FF2B5EF4-FFF2-40B4-BE49-F238E27FC236}">
+                <a16:creationId xmlns:a16="http://schemas.microsoft.com/office/drawing/2014/main" id="{C701D42B-8D8E-A3D4-5711-A82483291D45}"/>
               </a:ext>
             </a:extLst>
           </p:cNvPr>
@@ -7824,8 +8108,8 @@
         </p:blipFill>
         <p:spPr>
           <a:xfrm>
-            <a:off x="3680847" y="2330769"/>
-            <a:ext cx="7278157" cy="2610895"/>
+            <a:off x="4234354" y="2268585"/>
+            <a:ext cx="6724650" cy="2743200"/>
           </a:xfrm>
           <a:prstGeom prst="rect">
             <a:avLst/>
@@ -7834,275 +8118,19 @@
       </p:pic>
       <p:sp>
         <p:nvSpPr>
-          <p:cNvPr id="5" name="Content Placeholder 4">
-            <a:extLst>
-              <a:ext uri="{FF2B5EF4-FFF2-40B4-BE49-F238E27FC236}">
-                <a16:creationId xmlns:a16="http://schemas.microsoft.com/office/drawing/2014/main" id="{7BAFAA4D-DA1F-62AF-BA76-A6452CF7F1E8}"/>
-              </a:ext>
-            </a:extLst>
-          </p:cNvPr>
-          <p:cNvSpPr txBox="1">
-            <a:spLocks/>
-          </p:cNvSpPr>
+          <p:cNvPr id="14" name="Rectangle: Rounded Corners 13">
+            <a:extLst>
+              <a:ext uri="{FF2B5EF4-FFF2-40B4-BE49-F238E27FC236}">
+                <a16:creationId xmlns:a16="http://schemas.microsoft.com/office/drawing/2014/main" id="{7FCC4CBD-F01C-12FC-7BF4-F8E8F42A675D}"/>
+              </a:ext>
+            </a:extLst>
+          </p:cNvPr>
+          <p:cNvSpPr/>
           <p:nvPr/>
         </p:nvSpPr>
         <p:spPr>
           <a:xfrm>
-            <a:off x="104875" y="2330769"/>
-            <a:ext cx="3358995" cy="3219202"/>
-          </a:xfrm>
-          <a:prstGeom prst="rect">
-            <a:avLst/>
-          </a:prstGeom>
-        </p:spPr>
-        <p:txBody>
-          <a:bodyPr vert="horz" lIns="91440" tIns="45720" rIns="91440" bIns="45720" rtlCol="0">
-            <a:normAutofit/>
-          </a:bodyPr>
-          <a:lstStyle>
-            <a:lvl1pPr marL="0" indent="0" algn="l" defTabSz="914400" rtl="0" eaLnBrk="1" latinLnBrk="0" hangingPunct="1">
-              <a:lnSpc>
-                <a:spcPct val="90000"/>
-              </a:lnSpc>
-              <a:spcBef>
-                <a:spcPts val="1000"/>
-              </a:spcBef>
-              <a:buFont typeface="Arial" panose="020B0604020202020204" pitchFamily="34" charset="0"/>
-              <a:buNone/>
-              <a:defRPr sz="1600" b="0" i="0" kern="1200">
-                <a:solidFill>
-                  <a:srgbClr val="59595C"/>
-                </a:solidFill>
-                <a:latin typeface="Helvetica" pitchFamily="2" charset="0"/>
-                <a:ea typeface="Open Sans" panose="020B0606030504020204" pitchFamily="34" charset="0"/>
-                <a:cs typeface="Open Sans" panose="020B0606030504020204" pitchFamily="34" charset="0"/>
-              </a:defRPr>
-            </a:lvl1pPr>
-            <a:lvl2pPr marL="457200" indent="0" algn="l" defTabSz="914400" rtl="0" eaLnBrk="1" latinLnBrk="0" hangingPunct="1">
-              <a:lnSpc>
-                <a:spcPct val="90000"/>
-              </a:lnSpc>
-              <a:spcBef>
-                <a:spcPts val="500"/>
-              </a:spcBef>
-              <a:buFont typeface="Arial" panose="020B0604020202020204" pitchFamily="34" charset="0"/>
-              <a:buNone/>
-              <a:defRPr sz="1400" b="0" i="0" kern="1200">
-                <a:solidFill>
-                  <a:srgbClr val="59595C"/>
-                </a:solidFill>
-                <a:latin typeface="Helvetica" pitchFamily="2" charset="0"/>
-                <a:ea typeface="Open Sans" panose="020B0606030504020204" pitchFamily="34" charset="0"/>
-                <a:cs typeface="Open Sans" panose="020B0606030504020204" pitchFamily="34" charset="0"/>
-              </a:defRPr>
-            </a:lvl2pPr>
-            <a:lvl3pPr marL="914400" indent="0" algn="l" defTabSz="914400" rtl="0" eaLnBrk="1" latinLnBrk="0" hangingPunct="1">
-              <a:lnSpc>
-                <a:spcPct val="90000"/>
-              </a:lnSpc>
-              <a:spcBef>
-                <a:spcPts val="500"/>
-              </a:spcBef>
-              <a:buFont typeface="Arial" panose="020B0604020202020204" pitchFamily="34" charset="0"/>
-              <a:buNone/>
-              <a:defRPr sz="1200" b="0" i="0" kern="1200">
-                <a:solidFill>
-                  <a:srgbClr val="59595C"/>
-                </a:solidFill>
-                <a:latin typeface="Helvetica" pitchFamily="2" charset="0"/>
-                <a:ea typeface="Open Sans" panose="020B0606030504020204" pitchFamily="34" charset="0"/>
-                <a:cs typeface="Open Sans" panose="020B0606030504020204" pitchFamily="34" charset="0"/>
-              </a:defRPr>
-            </a:lvl3pPr>
-            <a:lvl4pPr marL="1371600" indent="0" algn="l" defTabSz="914400" rtl="0" eaLnBrk="1" latinLnBrk="0" hangingPunct="1">
-              <a:lnSpc>
-                <a:spcPct val="90000"/>
-              </a:lnSpc>
-              <a:spcBef>
-                <a:spcPts val="500"/>
-              </a:spcBef>
-              <a:buFont typeface="Arial" panose="020B0604020202020204" pitchFamily="34" charset="0"/>
-              <a:buNone/>
-              <a:defRPr sz="1000" b="0" i="0" kern="1200">
-                <a:solidFill>
-                  <a:srgbClr val="59595C"/>
-                </a:solidFill>
-                <a:latin typeface="Helvetica" pitchFamily="2" charset="0"/>
-                <a:ea typeface="Open Sans" panose="020B0606030504020204" pitchFamily="34" charset="0"/>
-                <a:cs typeface="Open Sans" panose="020B0606030504020204" pitchFamily="34" charset="0"/>
-              </a:defRPr>
-            </a:lvl4pPr>
-            <a:lvl5pPr marL="1828800" indent="0" algn="l" defTabSz="914400" rtl="0" eaLnBrk="1" latinLnBrk="0" hangingPunct="1">
-              <a:lnSpc>
-                <a:spcPct val="90000"/>
-              </a:lnSpc>
-              <a:spcBef>
-                <a:spcPts val="500"/>
-              </a:spcBef>
-              <a:buFont typeface="Arial" panose="020B0604020202020204" pitchFamily="34" charset="0"/>
-              <a:buNone/>
-              <a:defRPr sz="1000" b="0" i="0" kern="1200">
-                <a:solidFill>
-                  <a:srgbClr val="59595C"/>
-                </a:solidFill>
-                <a:latin typeface="Helvetica" pitchFamily="2" charset="0"/>
-                <a:ea typeface="Open Sans" panose="020B0606030504020204" pitchFamily="34" charset="0"/>
-                <a:cs typeface="Open Sans" panose="020B0606030504020204" pitchFamily="34" charset="0"/>
-              </a:defRPr>
-            </a:lvl5pPr>
-            <a:lvl6pPr marL="2286000" indent="0" algn="l" defTabSz="914400" rtl="0" eaLnBrk="1" latinLnBrk="0" hangingPunct="1">
-              <a:lnSpc>
-                <a:spcPct val="90000"/>
-              </a:lnSpc>
-              <a:spcBef>
-                <a:spcPts val="500"/>
-              </a:spcBef>
-              <a:buFont typeface="Arial" panose="020B0604020202020204" pitchFamily="34" charset="0"/>
-              <a:buNone/>
-              <a:defRPr sz="1000" kern="1200">
-                <a:solidFill>
-                  <a:schemeClr val="tx1"/>
-                </a:solidFill>
-                <a:latin typeface="+mn-lt"/>
-                <a:ea typeface="+mn-ea"/>
-                <a:cs typeface="+mn-cs"/>
-              </a:defRPr>
-            </a:lvl6pPr>
-            <a:lvl7pPr marL="2743200" indent="0" algn="l" defTabSz="914400" rtl="0" eaLnBrk="1" latinLnBrk="0" hangingPunct="1">
-              <a:lnSpc>
-                <a:spcPct val="90000"/>
-              </a:lnSpc>
-              <a:spcBef>
-                <a:spcPts val="500"/>
-              </a:spcBef>
-              <a:buFont typeface="Arial" panose="020B0604020202020204" pitchFamily="34" charset="0"/>
-              <a:buNone/>
-              <a:defRPr sz="1000" kern="1200">
-                <a:solidFill>
-                  <a:schemeClr val="tx1"/>
-                </a:solidFill>
-                <a:latin typeface="+mn-lt"/>
-                <a:ea typeface="+mn-ea"/>
-                <a:cs typeface="+mn-cs"/>
-              </a:defRPr>
-            </a:lvl7pPr>
-            <a:lvl8pPr marL="3200400" indent="0" algn="l" defTabSz="914400" rtl="0" eaLnBrk="1" latinLnBrk="0" hangingPunct="1">
-              <a:lnSpc>
-                <a:spcPct val="90000"/>
-              </a:lnSpc>
-              <a:spcBef>
-                <a:spcPts val="500"/>
-              </a:spcBef>
-              <a:buFont typeface="Arial" panose="020B0604020202020204" pitchFamily="34" charset="0"/>
-              <a:buNone/>
-              <a:defRPr sz="1000" kern="1200">
-                <a:solidFill>
-                  <a:schemeClr val="tx1"/>
-                </a:solidFill>
-                <a:latin typeface="+mn-lt"/>
-                <a:ea typeface="+mn-ea"/>
-                <a:cs typeface="+mn-cs"/>
-              </a:defRPr>
-            </a:lvl8pPr>
-            <a:lvl9pPr marL="3657600" indent="0" algn="l" defTabSz="914400" rtl="0" eaLnBrk="1" latinLnBrk="0" hangingPunct="1">
-              <a:lnSpc>
-                <a:spcPct val="90000"/>
-              </a:lnSpc>
-              <a:spcBef>
-                <a:spcPts val="500"/>
-              </a:spcBef>
-              <a:buFont typeface="Arial" panose="020B0604020202020204" pitchFamily="34" charset="0"/>
-              <a:buNone/>
-              <a:defRPr sz="1000" kern="1200">
-                <a:solidFill>
-                  <a:schemeClr val="tx1"/>
-                </a:solidFill>
-                <a:latin typeface="+mn-lt"/>
-                <a:ea typeface="+mn-ea"/>
-                <a:cs typeface="+mn-cs"/>
-              </a:defRPr>
-            </a:lvl9pPr>
-          </a:lstStyle>
-          <a:p>
-            <a:pPr marL="342900" indent="-342900" algn="r">
-              <a:buFont typeface="+mj-lt"/>
-              <a:buAutoNum type="arabicPeriod"/>
-            </a:pPr>
-            <a:r>
-              <a:rPr lang="en-US" dirty="0">
-                <a:solidFill>
-                  <a:schemeClr val="tx1"/>
-                </a:solidFill>
-              </a:rPr>
-              <a:t> Ridership affected significantly by BEAM mode choice structure</a:t>
-            </a:r>
-          </a:p>
-          <a:p>
-            <a:pPr marL="342900" indent="-342900" algn="r">
-              <a:buFont typeface="+mj-lt"/>
-              <a:buAutoNum type="arabicPeriod"/>
-            </a:pPr>
-            <a:r>
-              <a:rPr lang="en-US" dirty="0" err="1">
-                <a:solidFill>
-                  <a:schemeClr val="tx1"/>
-                </a:solidFill>
-              </a:rPr>
-              <a:t>ActivitySim</a:t>
-            </a:r>
-            <a:r>
-              <a:rPr lang="en-US" dirty="0">
-                <a:solidFill>
-                  <a:schemeClr val="tx1"/>
-                </a:solidFill>
-              </a:rPr>
-              <a:t> may struggle with ride hail to transit</a:t>
-            </a:r>
-          </a:p>
-          <a:p>
-            <a:pPr algn="ctr"/>
-            <a:endParaRPr lang="en-US" dirty="0">
-              <a:solidFill>
-                <a:schemeClr val="tx1"/>
-              </a:solidFill>
-            </a:endParaRPr>
-          </a:p>
-          <a:p>
-            <a:pPr marL="342900" indent="-342900" algn="ctr">
-              <a:buFont typeface="+mj-lt"/>
-              <a:buAutoNum type="arabicPeriod"/>
-            </a:pPr>
-            <a:endParaRPr lang="en-US" dirty="0">
-              <a:solidFill>
-                <a:schemeClr val="tx1"/>
-              </a:solidFill>
-            </a:endParaRPr>
-          </a:p>
-          <a:p>
-            <a:pPr algn="ctr"/>
-            <a:endParaRPr lang="en-US" dirty="0">
-              <a:solidFill>
-                <a:schemeClr val="tx1"/>
-              </a:solidFill>
-            </a:endParaRPr>
-          </a:p>
-        </p:txBody>
-      </p:sp>
-      <p:sp>
-        <p:nvSpPr>
-          <p:cNvPr id="7" name="Rectangle: Rounded Corners 6">
-            <a:extLst>
-              <a:ext uri="{FF2B5EF4-FFF2-40B4-BE49-F238E27FC236}">
-                <a16:creationId xmlns:a16="http://schemas.microsoft.com/office/drawing/2014/main" id="{5DA8203F-6B70-0C1A-C7FE-A26B8D68ECB5}"/>
-              </a:ext>
-            </a:extLst>
-          </p:cNvPr>
-          <p:cNvSpPr/>
-          <p:nvPr/>
-        </p:nvSpPr>
-        <p:spPr>
-          <a:xfrm>
-            <a:off x="3680847" y="2719953"/>
+            <a:off x="3614408" y="2689741"/>
             <a:ext cx="7278157" cy="418454"/>
           </a:xfrm>
           <a:prstGeom prst="roundRect">
@@ -8146,10 +8174,55 @@
       </p:sp>
       <p:sp>
         <p:nvSpPr>
-          <p:cNvPr id="9" name="Rectangle: Rounded Corners 8">
-            <a:extLst>
-              <a:ext uri="{FF2B5EF4-FFF2-40B4-BE49-F238E27FC236}">
-                <a16:creationId xmlns:a16="http://schemas.microsoft.com/office/drawing/2014/main" id="{602BF2CE-E4E6-42A5-417B-5B1ED699520E}"/>
+          <p:cNvPr id="15" name="TextBox 14">
+            <a:extLst>
+              <a:ext uri="{FF2B5EF4-FFF2-40B4-BE49-F238E27FC236}">
+                <a16:creationId xmlns:a16="http://schemas.microsoft.com/office/drawing/2014/main" id="{198DAD85-1D55-06F0-0901-6421B05A84E4}"/>
+              </a:ext>
+            </a:extLst>
+          </p:cNvPr>
+          <p:cNvSpPr txBox="1"/>
+          <p:nvPr/>
+        </p:nvSpPr>
+        <p:spPr>
+          <a:xfrm>
+            <a:off x="3451052" y="2733758"/>
+            <a:ext cx="1046135" cy="338554"/>
+          </a:xfrm>
+          <a:prstGeom prst="rect">
+            <a:avLst/>
+          </a:prstGeom>
+          <a:noFill/>
+        </p:spPr>
+        <p:txBody>
+          <a:bodyPr wrap="square" rtlCol="0">
+            <a:spAutoFit/>
+          </a:bodyPr>
+          <a:lstStyle/>
+          <a:p>
+            <a:pPr algn="ctr"/>
+            <a:r>
+              <a:rPr lang="en-US" sz="1600" dirty="0">
+                <a:solidFill>
+                  <a:schemeClr val="accent1"/>
+                </a:solidFill>
+              </a:rPr>
+              <a:t>None</a:t>
+            </a:r>
+            <a:endParaRPr lang="en-US" dirty="0">
+              <a:solidFill>
+                <a:schemeClr val="accent1"/>
+              </a:solidFill>
+            </a:endParaRPr>
+          </a:p>
+        </p:txBody>
+      </p:sp>
+      <p:sp>
+        <p:nvSpPr>
+          <p:cNvPr id="16" name="Rectangle: Rounded Corners 15">
+            <a:extLst>
+              <a:ext uri="{FF2B5EF4-FFF2-40B4-BE49-F238E27FC236}">
+                <a16:creationId xmlns:a16="http://schemas.microsoft.com/office/drawing/2014/main" id="{1DC816E8-A19E-7623-3DAF-862FF568BE55}"/>
               </a:ext>
             </a:extLst>
           </p:cNvPr>
@@ -8158,7 +8231,7 @@
         </p:nvSpPr>
         <p:spPr>
           <a:xfrm>
-            <a:off x="3680847" y="3138407"/>
+            <a:off x="3614410" y="4025725"/>
             <a:ext cx="7278157" cy="862549"/>
           </a:xfrm>
           <a:prstGeom prst="roundRect">
@@ -8202,10 +8275,50 @@
       </p:sp>
       <p:sp>
         <p:nvSpPr>
-          <p:cNvPr id="10" name="Rectangle: Rounded Corners 9">
-            <a:extLst>
-              <a:ext uri="{FF2B5EF4-FFF2-40B4-BE49-F238E27FC236}">
-                <a16:creationId xmlns:a16="http://schemas.microsoft.com/office/drawing/2014/main" id="{3938433B-4477-5B4B-961C-371333D90ABA}"/>
+          <p:cNvPr id="17" name="TextBox 16">
+            <a:extLst>
+              <a:ext uri="{FF2B5EF4-FFF2-40B4-BE49-F238E27FC236}">
+                <a16:creationId xmlns:a16="http://schemas.microsoft.com/office/drawing/2014/main" id="{E458AB8A-87C8-149D-573B-71E8F5E839CC}"/>
+              </a:ext>
+            </a:extLst>
+          </p:cNvPr>
+          <p:cNvSpPr txBox="1"/>
+          <p:nvPr/>
+        </p:nvSpPr>
+        <p:spPr>
+          <a:xfrm>
+            <a:off x="3533624" y="4281037"/>
+            <a:ext cx="1100379" cy="338554"/>
+          </a:xfrm>
+          <a:prstGeom prst="rect">
+            <a:avLst/>
+          </a:prstGeom>
+          <a:noFill/>
+        </p:spPr>
+        <p:txBody>
+          <a:bodyPr wrap="square" rtlCol="0">
+            <a:spAutoFit/>
+          </a:bodyPr>
+          <a:lstStyle/>
+          <a:p>
+            <a:pPr algn="ctr"/>
+            <a:r>
+              <a:rPr lang="en-US" sz="1600" dirty="0">
+                <a:solidFill>
+                  <a:schemeClr val="accent5"/>
+                </a:solidFill>
+              </a:rPr>
+              <a:t>All</a:t>
+            </a:r>
+          </a:p>
+        </p:txBody>
+      </p:sp>
+      <p:sp>
+        <p:nvSpPr>
+          <p:cNvPr id="18" name="Rectangle: Rounded Corners 17">
+            <a:extLst>
+              <a:ext uri="{FF2B5EF4-FFF2-40B4-BE49-F238E27FC236}">
+                <a16:creationId xmlns:a16="http://schemas.microsoft.com/office/drawing/2014/main" id="{4CB95D0F-2862-A7CF-6CB0-48387F423EB2}"/>
               </a:ext>
             </a:extLst>
           </p:cNvPr>
@@ -8214,7 +8327,7 @@
         </p:nvSpPr>
         <p:spPr>
           <a:xfrm>
-            <a:off x="3680847" y="4000956"/>
+            <a:off x="3614410" y="3150738"/>
             <a:ext cx="7278155" cy="856898"/>
           </a:xfrm>
           <a:prstGeom prst="roundRect">
@@ -8258,10 +8371,10 @@
       </p:sp>
       <p:sp>
         <p:nvSpPr>
-          <p:cNvPr id="11" name="TextBox 10">
-            <a:extLst>
-              <a:ext uri="{FF2B5EF4-FFF2-40B4-BE49-F238E27FC236}">
-                <a16:creationId xmlns:a16="http://schemas.microsoft.com/office/drawing/2014/main" id="{0308BE35-E550-729F-AC22-AFF279121B5D}"/>
+          <p:cNvPr id="20" name="TextBox 19">
+            <a:extLst>
+              <a:ext uri="{FF2B5EF4-FFF2-40B4-BE49-F238E27FC236}">
+                <a16:creationId xmlns:a16="http://schemas.microsoft.com/office/drawing/2014/main" id="{9B9A32D4-C5E5-359E-2E97-87E2A3211BD6}"/>
               </a:ext>
             </a:extLst>
           </p:cNvPr>
@@ -8270,97 +8383,7 @@
         </p:nvSpPr>
         <p:spPr>
           <a:xfrm>
-            <a:off x="3723467" y="2719953"/>
-            <a:ext cx="1046135" cy="338554"/>
-          </a:xfrm>
-          <a:prstGeom prst="rect">
-            <a:avLst/>
-          </a:prstGeom>
-          <a:noFill/>
-        </p:spPr>
-        <p:txBody>
-          <a:bodyPr wrap="square" rtlCol="0">
-            <a:spAutoFit/>
-          </a:bodyPr>
-          <a:lstStyle/>
-          <a:p>
-            <a:pPr algn="ctr"/>
-            <a:r>
-              <a:rPr lang="en-US" sz="1600" dirty="0">
-                <a:solidFill>
-                  <a:schemeClr val="accent1"/>
-                </a:solidFill>
-              </a:rPr>
-              <a:t>None</a:t>
-            </a:r>
-            <a:endParaRPr lang="en-US" dirty="0">
-              <a:solidFill>
-                <a:schemeClr val="accent1"/>
-              </a:solidFill>
-            </a:endParaRPr>
-          </a:p>
-        </p:txBody>
-      </p:sp>
-      <p:sp>
-        <p:nvSpPr>
-          <p:cNvPr id="12" name="TextBox 11">
-            <a:extLst>
-              <a:ext uri="{FF2B5EF4-FFF2-40B4-BE49-F238E27FC236}">
-                <a16:creationId xmlns:a16="http://schemas.microsoft.com/office/drawing/2014/main" id="{CE257B29-E030-CD43-70A3-5BFEF06CF637}"/>
-              </a:ext>
-            </a:extLst>
-          </p:cNvPr>
-          <p:cNvSpPr txBox="1"/>
-          <p:nvPr/>
-        </p:nvSpPr>
-        <p:spPr>
-          <a:xfrm>
-            <a:off x="3694406" y="3323073"/>
-            <a:ext cx="1100379" cy="338554"/>
-          </a:xfrm>
-          <a:prstGeom prst="rect">
-            <a:avLst/>
-          </a:prstGeom>
-          <a:noFill/>
-        </p:spPr>
-        <p:txBody>
-          <a:bodyPr wrap="square" rtlCol="0">
-            <a:spAutoFit/>
-          </a:bodyPr>
-          <a:lstStyle/>
-          <a:p>
-            <a:pPr algn="ctr"/>
-            <a:r>
-              <a:rPr lang="en-US" sz="1600" dirty="0" err="1">
-                <a:solidFill>
-                  <a:schemeClr val="accent5"/>
-                </a:solidFill>
-              </a:rPr>
-              <a:t>AllModes</a:t>
-            </a:r>
-            <a:endParaRPr lang="en-US" sz="1600" dirty="0">
-              <a:solidFill>
-                <a:schemeClr val="accent5"/>
-              </a:solidFill>
-            </a:endParaRPr>
-          </a:p>
-        </p:txBody>
-      </p:sp>
-      <p:sp>
-        <p:nvSpPr>
-          <p:cNvPr id="13" name="TextBox 12">
-            <a:extLst>
-              <a:ext uri="{FF2B5EF4-FFF2-40B4-BE49-F238E27FC236}">
-                <a16:creationId xmlns:a16="http://schemas.microsoft.com/office/drawing/2014/main" id="{D76D19B4-460E-DF2A-3F4A-B4CC90375551}"/>
-              </a:ext>
-            </a:extLst>
-          </p:cNvPr>
-          <p:cNvSpPr txBox="1"/>
-          <p:nvPr/>
-        </p:nvSpPr>
-        <p:spPr>
-          <a:xfrm>
-            <a:off x="3680847" y="4190789"/>
+            <a:off x="3422613" y="3321489"/>
             <a:ext cx="1127501" cy="338554"/>
           </a:xfrm>
           <a:prstGeom prst="rect">
@@ -8381,63 +8404,13 @@
                   <a:schemeClr val="accent3"/>
                 </a:solidFill>
               </a:rPr>
-              <a:t>RHModes</a:t>
+              <a:t>RideHail</a:t>
             </a:r>
             <a:endParaRPr lang="en-US" dirty="0">
               <a:solidFill>
                 <a:schemeClr val="accent3"/>
               </a:solidFill>
             </a:endParaRPr>
-          </a:p>
-        </p:txBody>
-      </p:sp>
-      <p:sp>
-        <p:nvSpPr>
-          <p:cNvPr id="19" name="Rectangle: Rounded Corners 18">
-            <a:extLst>
-              <a:ext uri="{FF2B5EF4-FFF2-40B4-BE49-F238E27FC236}">
-                <a16:creationId xmlns:a16="http://schemas.microsoft.com/office/drawing/2014/main" id="{64691B5B-C270-605B-A01A-123350E8EE4A}"/>
-              </a:ext>
-            </a:extLst>
-          </p:cNvPr>
-          <p:cNvSpPr/>
-          <p:nvPr/>
-        </p:nvSpPr>
-        <p:spPr>
-          <a:xfrm>
-            <a:off x="9773176" y="2681710"/>
-            <a:ext cx="562062" cy="466010"/>
-          </a:xfrm>
-          <a:prstGeom prst="roundRect">
-            <a:avLst/>
-          </a:prstGeom>
-          <a:noFill/>
-          <a:ln>
-            <a:prstDash val="dash"/>
-          </a:ln>
-        </p:spPr>
-        <p:style>
-          <a:lnRef idx="2">
-            <a:schemeClr val="accent1">
-              <a:shade val="50000"/>
-            </a:schemeClr>
-          </a:lnRef>
-          <a:fillRef idx="1">
-            <a:schemeClr val="accent1"/>
-          </a:fillRef>
-          <a:effectRef idx="0">
-            <a:schemeClr val="accent1"/>
-          </a:effectRef>
-          <a:fontRef idx="minor">
-            <a:schemeClr val="lt1"/>
-          </a:fontRef>
-        </p:style>
-        <p:txBody>
-          <a:bodyPr rtlCol="0" anchor="ctr"/>
-          <a:lstStyle/>
-          <a:p>
-            <a:pPr algn="ctr"/>
-            <a:endParaRPr lang="en-US"/>
           </a:p>
         </p:txBody>
       </p:sp>
@@ -8727,7 +8700,7 @@
                   <a:schemeClr val="tx1"/>
                 </a:solidFill>
               </a:rPr>
-              <a:t>3.   Ridership is not affected by ride hail in the initial plans</a:t>
+              <a:t>2.   Ridership is not affected by ride hail in the initial plans</a:t>
             </a:r>
           </a:p>
           <a:p>
@@ -8874,12 +8847,92 @@
           </a:fontRef>
         </p:style>
       </p:cxnSp>
+      <p:sp>
+        <p:nvSpPr>
+          <p:cNvPr id="78" name="TextBox 77">
+            <a:extLst>
+              <a:ext uri="{FF2B5EF4-FFF2-40B4-BE49-F238E27FC236}">
+                <a16:creationId xmlns:a16="http://schemas.microsoft.com/office/drawing/2014/main" id="{65AF5414-4846-38EB-B9A4-51C2D1FFFF09}"/>
+              </a:ext>
+            </a:extLst>
+          </p:cNvPr>
+          <p:cNvSpPr txBox="1"/>
+          <p:nvPr/>
+        </p:nvSpPr>
+        <p:spPr>
+          <a:xfrm rot="16200000">
+            <a:off x="3407757" y="3532856"/>
+            <a:ext cx="1528041" cy="307777"/>
+          </a:xfrm>
+          <a:prstGeom prst="rect">
+            <a:avLst/>
+          </a:prstGeom>
+          <a:noFill/>
+        </p:spPr>
+        <p:txBody>
+          <a:bodyPr wrap="square" rtlCol="0">
+            <a:spAutoFit/>
+          </a:bodyPr>
+          <a:lstStyle/>
+          <a:p>
+            <a:pPr algn="ctr"/>
+            <a:r>
+              <a:rPr lang="en-US" sz="1400" dirty="0">
+                <a:solidFill>
+                  <a:schemeClr val="accent4"/>
+                </a:solidFill>
+              </a:rPr>
+              <a:t>Without Ride Hail</a:t>
+            </a:r>
+          </a:p>
+        </p:txBody>
+      </p:sp>
+      <p:sp>
+        <p:nvSpPr>
+          <p:cNvPr id="79" name="TextBox 78">
+            <a:extLst>
+              <a:ext uri="{FF2B5EF4-FFF2-40B4-BE49-F238E27FC236}">
+                <a16:creationId xmlns:a16="http://schemas.microsoft.com/office/drawing/2014/main" id="{A2AE0DAC-4A66-2268-AF7E-1BA1300E9C5A}"/>
+              </a:ext>
+            </a:extLst>
+          </p:cNvPr>
+          <p:cNvSpPr txBox="1"/>
+          <p:nvPr/>
+        </p:nvSpPr>
+        <p:spPr>
+          <a:xfrm rot="5400000">
+            <a:off x="10317203" y="3672972"/>
+            <a:ext cx="1528041" cy="307777"/>
+          </a:xfrm>
+          <a:prstGeom prst="rect">
+            <a:avLst/>
+          </a:prstGeom>
+          <a:noFill/>
+        </p:spPr>
+        <p:txBody>
+          <a:bodyPr wrap="square" rtlCol="0">
+            <a:spAutoFit/>
+          </a:bodyPr>
+          <a:lstStyle/>
+          <a:p>
+            <a:pPr algn="ctr"/>
+            <a:r>
+              <a:rPr lang="en-US" sz="1400" dirty="0">
+                <a:solidFill>
+                  <a:schemeClr val="accent1"/>
+                </a:solidFill>
+              </a:rPr>
+              <a:t>With Ride Hail</a:t>
+            </a:r>
+          </a:p>
+        </p:txBody>
+      </p:sp>
       <p:pic>
         <p:nvPicPr>
-          <p:cNvPr id="8" name="Picture 7">
-            <a:extLst>
-              <a:ext uri="{FF2B5EF4-FFF2-40B4-BE49-F238E27FC236}">
-                <a16:creationId xmlns:a16="http://schemas.microsoft.com/office/drawing/2014/main" id="{975F80E9-9CE4-8379-32A3-E20907BFFB6E}"/>
+          <p:cNvPr id="9" name="Picture 8">
+            <a:extLst>
+              <a:ext uri="{FF2B5EF4-FFF2-40B4-BE49-F238E27FC236}">
+                <a16:creationId xmlns:a16="http://schemas.microsoft.com/office/drawing/2014/main" id="{4276CF39-5746-59F9-CC48-0C128CB41B3D}"/>
               </a:ext>
             </a:extLst>
           </p:cNvPr>
@@ -8896,33 +8949,202 @@
         </p:blipFill>
         <p:spPr>
           <a:xfrm>
-            <a:off x="3680848" y="2334362"/>
-            <a:ext cx="7278157" cy="2610895"/>
+            <a:off x="4284234" y="2250183"/>
+            <a:ext cx="6724650" cy="2743200"/>
           </a:xfrm>
           <a:prstGeom prst="rect">
             <a:avLst/>
           </a:prstGeom>
         </p:spPr>
       </p:pic>
-      <p:grpSp>
-        <p:nvGrpSpPr>
-          <p:cNvPr id="38" name="Group 37">
-            <a:extLst>
-              <a:ext uri="{FF2B5EF4-FFF2-40B4-BE49-F238E27FC236}">
-                <a16:creationId xmlns:a16="http://schemas.microsoft.com/office/drawing/2014/main" id="{CBC2E852-A80E-8E25-044D-6E82A9E7DB08}"/>
-              </a:ext>
-            </a:extLst>
-          </p:cNvPr>
-          <p:cNvGrpSpPr/>
+      <p:sp>
+        <p:nvSpPr>
+          <p:cNvPr id="12" name="Rectangle: Rounded Corners 11">
+            <a:extLst>
+              <a:ext uri="{FF2B5EF4-FFF2-40B4-BE49-F238E27FC236}">
+                <a16:creationId xmlns:a16="http://schemas.microsoft.com/office/drawing/2014/main" id="{10703126-0D1A-8461-FA46-C2FB2ACF0FD5}"/>
+              </a:ext>
+            </a:extLst>
+          </p:cNvPr>
+          <p:cNvSpPr/>
           <p:nvPr/>
-        </p:nvGrpSpPr>
-        <p:grpSpPr>
+        </p:nvSpPr>
+        <p:spPr>
+          <a:xfrm rot="10800000">
+            <a:off x="4341532" y="2673404"/>
+            <a:ext cx="6546934" cy="175189"/>
+          </a:xfrm>
+          <a:prstGeom prst="roundRect">
+            <a:avLst/>
+          </a:prstGeom>
+          <a:solidFill>
+            <a:schemeClr val="accent4">
+              <a:lumMod val="20000"/>
+              <a:lumOff val="80000"/>
+              <a:alpha val="25000"/>
+            </a:schemeClr>
+          </a:solidFill>
+          <a:ln>
+            <a:noFill/>
+          </a:ln>
+        </p:spPr>
+        <p:style>
+          <a:lnRef idx="2">
+            <a:schemeClr val="accent1">
+              <a:shade val="50000"/>
+            </a:schemeClr>
+          </a:lnRef>
+          <a:fillRef idx="1">
+            <a:schemeClr val="accent1"/>
+          </a:fillRef>
+          <a:effectRef idx="0">
+            <a:schemeClr val="accent1"/>
+          </a:effectRef>
+          <a:fontRef idx="minor">
+            <a:schemeClr val="lt1"/>
+          </a:fontRef>
+        </p:style>
+        <p:txBody>
+          <a:bodyPr rtlCol="0" anchor="ctr"/>
+          <a:lstStyle/>
+          <a:p>
+            <a:pPr algn="ctr"/>
+            <a:endParaRPr lang="en-US" dirty="0"/>
+          </a:p>
+        </p:txBody>
+      </p:sp>
+      <p:sp>
+        <p:nvSpPr>
+          <p:cNvPr id="13" name="Rectangle: Rounded Corners 12">
+            <a:extLst>
+              <a:ext uri="{FF2B5EF4-FFF2-40B4-BE49-F238E27FC236}">
+                <a16:creationId xmlns:a16="http://schemas.microsoft.com/office/drawing/2014/main" id="{94B18209-F526-D2F6-F584-A23B4A2C6BAF}"/>
+              </a:ext>
+            </a:extLst>
+          </p:cNvPr>
+          <p:cNvSpPr/>
+          <p:nvPr/>
+        </p:nvSpPr>
+        <p:spPr>
+          <a:xfrm rot="10800000">
+            <a:off x="4341531" y="3097919"/>
+            <a:ext cx="6559148" cy="430333"/>
+          </a:xfrm>
+          <a:prstGeom prst="roundRect">
+            <a:avLst/>
+          </a:prstGeom>
+          <a:solidFill>
+            <a:schemeClr val="accent4">
+              <a:lumMod val="20000"/>
+              <a:lumOff val="80000"/>
+              <a:alpha val="25000"/>
+            </a:schemeClr>
+          </a:solidFill>
+          <a:ln>
+            <a:noFill/>
+          </a:ln>
+        </p:spPr>
+        <p:style>
+          <a:lnRef idx="2">
+            <a:schemeClr val="accent1">
+              <a:shade val="50000"/>
+            </a:schemeClr>
+          </a:lnRef>
+          <a:fillRef idx="1">
+            <a:schemeClr val="accent1"/>
+          </a:fillRef>
+          <a:effectRef idx="0">
+            <a:schemeClr val="accent1"/>
+          </a:effectRef>
+          <a:fontRef idx="minor">
+            <a:schemeClr val="lt1"/>
+          </a:fontRef>
+        </p:style>
+        <p:txBody>
+          <a:bodyPr rtlCol="0" anchor="ctr"/>
+          <a:lstStyle/>
+          <a:p>
+            <a:pPr algn="ctr"/>
+            <a:endParaRPr lang="en-US" dirty="0"/>
+          </a:p>
+        </p:txBody>
+      </p:sp>
+      <p:sp>
+        <p:nvSpPr>
+          <p:cNvPr id="20" name="Rectangle: Rounded Corners 19">
+            <a:extLst>
+              <a:ext uri="{FF2B5EF4-FFF2-40B4-BE49-F238E27FC236}">
+                <a16:creationId xmlns:a16="http://schemas.microsoft.com/office/drawing/2014/main" id="{08588E9F-ECDF-43B7-B338-B8BACA616AF5}"/>
+              </a:ext>
+            </a:extLst>
+          </p:cNvPr>
+          <p:cNvSpPr/>
+          <p:nvPr/>
+        </p:nvSpPr>
+        <p:spPr>
+          <a:xfrm rot="10800000">
+            <a:off x="4341529" y="3984560"/>
+            <a:ext cx="6559150" cy="388500"/>
+          </a:xfrm>
+          <a:prstGeom prst="roundRect">
+            <a:avLst/>
+          </a:prstGeom>
+          <a:solidFill>
+            <a:schemeClr val="accent4">
+              <a:lumMod val="20000"/>
+              <a:lumOff val="80000"/>
+              <a:alpha val="25000"/>
+            </a:schemeClr>
+          </a:solidFill>
+          <a:ln>
+            <a:noFill/>
+          </a:ln>
+        </p:spPr>
+        <p:style>
+          <a:lnRef idx="2">
+            <a:schemeClr val="accent1">
+              <a:shade val="50000"/>
+            </a:schemeClr>
+          </a:lnRef>
+          <a:fillRef idx="1">
+            <a:schemeClr val="accent1"/>
+          </a:fillRef>
+          <a:effectRef idx="0">
+            <a:schemeClr val="accent1"/>
+          </a:effectRef>
+          <a:fontRef idx="minor">
+            <a:schemeClr val="lt1"/>
+          </a:fontRef>
+        </p:style>
+        <p:txBody>
+          <a:bodyPr rtlCol="0" anchor="ctr"/>
+          <a:lstStyle/>
+          <a:p>
+            <a:pPr algn="ctr"/>
+            <a:endParaRPr lang="en-US" dirty="0"/>
+          </a:p>
+        </p:txBody>
+      </p:sp>
+      <p:sp>
+        <p:nvSpPr>
+          <p:cNvPr id="21" name="Rectangle: Rounded Corners 20">
+            <a:extLst>
+              <a:ext uri="{FF2B5EF4-FFF2-40B4-BE49-F238E27FC236}">
+                <a16:creationId xmlns:a16="http://schemas.microsoft.com/office/drawing/2014/main" id="{7E6CE446-3EAF-DC14-295A-0423AD15D50D}"/>
+              </a:ext>
+            </a:extLst>
+          </p:cNvPr>
+          <p:cNvSpPr/>
+          <p:nvPr/>
+        </p:nvSpPr>
+        <p:spPr>
           <a:xfrm>
-            <a:off x="3726405" y="2719953"/>
-            <a:ext cx="7482921" cy="1908539"/>
-            <a:chOff x="3665349" y="2719953"/>
-            <a:chExt cx="7849889" cy="1908539"/>
+            <a:off x="4341534" y="2894033"/>
+            <a:ext cx="6546933" cy="177979"/>
           </a:xfrm>
+          <a:prstGeom prst="roundRect">
+            <a:avLst/>
+          </a:prstGeom>
           <a:solidFill>
             <a:schemeClr val="tx2">
               <a:lumMod val="10000"/>
@@ -8930,333 +9152,223 @@
               <a:alpha val="25000"/>
             </a:schemeClr>
           </a:solidFill>
-        </p:grpSpPr>
-        <p:sp>
-          <p:nvSpPr>
-            <p:cNvPr id="7" name="Rectangle: Rounded Corners 6">
-              <a:extLst>
-                <a:ext uri="{FF2B5EF4-FFF2-40B4-BE49-F238E27FC236}">
-                  <a16:creationId xmlns:a16="http://schemas.microsoft.com/office/drawing/2014/main" id="{5DA8203F-6B70-0C1A-C7FE-A26B8D68ECB5}"/>
-                </a:ext>
-              </a:extLst>
-            </p:cNvPr>
-            <p:cNvSpPr/>
-            <p:nvPr/>
-          </p:nvSpPr>
-          <p:spPr>
-            <a:xfrm>
-              <a:off x="3680847" y="2719953"/>
-              <a:ext cx="7485105" cy="198867"/>
-            </a:xfrm>
-            <a:prstGeom prst="roundRect">
-              <a:avLst/>
-            </a:prstGeom>
-            <a:grpFill/>
-            <a:ln w="19050">
-              <a:noFill/>
-            </a:ln>
-          </p:spPr>
-          <p:style>
-            <a:lnRef idx="2">
-              <a:schemeClr val="accent1">
-                <a:shade val="50000"/>
-              </a:schemeClr>
-            </a:lnRef>
-            <a:fillRef idx="1">
-              <a:schemeClr val="accent1"/>
-            </a:fillRef>
-            <a:effectRef idx="0">
-              <a:schemeClr val="accent1"/>
-            </a:effectRef>
-            <a:fontRef idx="minor">
-              <a:schemeClr val="lt1"/>
-            </a:fontRef>
-          </p:style>
-          <p:txBody>
-            <a:bodyPr rtlCol="0" anchor="ctr"/>
-            <a:lstStyle/>
-            <a:p>
-              <a:pPr algn="ctr"/>
-              <a:endParaRPr lang="en-US" dirty="0"/>
-            </a:p>
-          </p:txBody>
-        </p:sp>
-        <p:sp>
-          <p:nvSpPr>
-            <p:cNvPr id="2" name="Rectangle: Rounded Corners 1">
-              <a:extLst>
-                <a:ext uri="{FF2B5EF4-FFF2-40B4-BE49-F238E27FC236}">
-                  <a16:creationId xmlns:a16="http://schemas.microsoft.com/office/drawing/2014/main" id="{A90053C2-ED02-93B9-121D-A7E07068807B}"/>
-                </a:ext>
-              </a:extLst>
-            </p:cNvPr>
-            <p:cNvSpPr/>
-            <p:nvPr/>
-          </p:nvSpPr>
-          <p:spPr>
-            <a:xfrm>
-              <a:off x="3680846" y="3133698"/>
-              <a:ext cx="7486297" cy="219587"/>
-            </a:xfrm>
-            <a:prstGeom prst="roundRect">
-              <a:avLst/>
-            </a:prstGeom>
-            <a:solidFill>
-              <a:schemeClr val="tx2">
-                <a:lumMod val="10000"/>
-                <a:lumOff val="90000"/>
-                <a:alpha val="25000"/>
-              </a:schemeClr>
-            </a:solidFill>
-            <a:ln w="19050">
-              <a:noFill/>
-            </a:ln>
-          </p:spPr>
-          <p:style>
-            <a:lnRef idx="2">
-              <a:schemeClr val="accent1">
-                <a:shade val="50000"/>
-              </a:schemeClr>
-            </a:lnRef>
-            <a:fillRef idx="1">
-              <a:schemeClr val="accent1"/>
-            </a:fillRef>
-            <a:effectRef idx="0">
-              <a:schemeClr val="accent1"/>
-            </a:effectRef>
-            <a:fontRef idx="minor">
-              <a:schemeClr val="lt1"/>
-            </a:fontRef>
-          </p:style>
-          <p:txBody>
-            <a:bodyPr rtlCol="0" anchor="ctr"/>
-            <a:lstStyle/>
-            <a:p>
-              <a:pPr algn="ctr"/>
-              <a:endParaRPr lang="en-US" dirty="0"/>
-            </a:p>
-          </p:txBody>
-        </p:sp>
-        <p:sp>
-          <p:nvSpPr>
-            <p:cNvPr id="3" name="Rectangle: Rounded Corners 2">
-              <a:extLst>
-                <a:ext uri="{FF2B5EF4-FFF2-40B4-BE49-F238E27FC236}">
-                  <a16:creationId xmlns:a16="http://schemas.microsoft.com/office/drawing/2014/main" id="{80F791C7-ED0F-5ACF-30A4-1C8F2F712FCE}"/>
-                </a:ext>
-              </a:extLst>
-            </p:cNvPr>
-            <p:cNvSpPr/>
-            <p:nvPr/>
-          </p:nvSpPr>
-          <p:spPr>
-            <a:xfrm>
-              <a:off x="3680846" y="3532071"/>
-              <a:ext cx="7468123" cy="195024"/>
-            </a:xfrm>
-            <a:prstGeom prst="roundRect">
-              <a:avLst/>
-            </a:prstGeom>
-            <a:grpFill/>
-            <a:ln w="19050">
-              <a:noFill/>
-            </a:ln>
-          </p:spPr>
-          <p:style>
-            <a:lnRef idx="2">
-              <a:schemeClr val="accent1">
-                <a:shade val="50000"/>
-              </a:schemeClr>
-            </a:lnRef>
-            <a:fillRef idx="1">
-              <a:schemeClr val="accent1"/>
-            </a:fillRef>
-            <a:effectRef idx="0">
-              <a:schemeClr val="accent1"/>
-            </a:effectRef>
-            <a:fontRef idx="minor">
-              <a:schemeClr val="lt1"/>
-            </a:fontRef>
-          </p:style>
-          <p:txBody>
-            <a:bodyPr rtlCol="0" anchor="ctr"/>
-            <a:lstStyle/>
-            <a:p>
-              <a:pPr algn="ctr"/>
-              <a:endParaRPr lang="en-US" dirty="0"/>
-            </a:p>
-          </p:txBody>
-        </p:sp>
-        <p:sp>
-          <p:nvSpPr>
-            <p:cNvPr id="14" name="Rectangle: Rounded Corners 13">
-              <a:extLst>
-                <a:ext uri="{FF2B5EF4-FFF2-40B4-BE49-F238E27FC236}">
-                  <a16:creationId xmlns:a16="http://schemas.microsoft.com/office/drawing/2014/main" id="{A3EF5E70-EDC4-9DD1-50D8-D8D1AAD746B1}"/>
-                </a:ext>
-              </a:extLst>
-            </p:cNvPr>
-            <p:cNvSpPr/>
-            <p:nvPr/>
-          </p:nvSpPr>
-          <p:spPr>
-            <a:xfrm>
-              <a:off x="3665349" y="4020687"/>
-              <a:ext cx="7501794" cy="183283"/>
-            </a:xfrm>
-            <a:prstGeom prst="roundRect">
-              <a:avLst/>
-            </a:prstGeom>
-            <a:grpFill/>
-            <a:ln w="19050">
-              <a:noFill/>
-            </a:ln>
-          </p:spPr>
-          <p:style>
-            <a:lnRef idx="2">
-              <a:schemeClr val="accent1">
-                <a:shade val="50000"/>
-              </a:schemeClr>
-            </a:lnRef>
-            <a:fillRef idx="1">
-              <a:schemeClr val="accent1"/>
-            </a:fillRef>
-            <a:effectRef idx="0">
-              <a:schemeClr val="accent1"/>
-            </a:effectRef>
-            <a:fontRef idx="minor">
-              <a:schemeClr val="lt1"/>
-            </a:fontRef>
-          </p:style>
-          <p:txBody>
-            <a:bodyPr rtlCol="0" anchor="ctr"/>
-            <a:lstStyle/>
-            <a:p>
-              <a:pPr algn="ctr"/>
-              <a:endParaRPr lang="en-US" dirty="0"/>
-            </a:p>
-          </p:txBody>
-        </p:sp>
-        <p:sp>
-          <p:nvSpPr>
-            <p:cNvPr id="17" name="Rectangle: Rounded Corners 16">
-              <a:extLst>
-                <a:ext uri="{FF2B5EF4-FFF2-40B4-BE49-F238E27FC236}">
-                  <a16:creationId xmlns:a16="http://schemas.microsoft.com/office/drawing/2014/main" id="{137F8253-9E56-5980-611F-29F1D6A6CA04}"/>
-                </a:ext>
-              </a:extLst>
-            </p:cNvPr>
-            <p:cNvSpPr/>
-            <p:nvPr/>
-          </p:nvSpPr>
-          <p:spPr>
-            <a:xfrm>
-              <a:off x="3680848" y="4429626"/>
-              <a:ext cx="7474160" cy="187530"/>
-            </a:xfrm>
-            <a:prstGeom prst="roundRect">
-              <a:avLst/>
-            </a:prstGeom>
-            <a:grpFill/>
-            <a:ln w="19050">
-              <a:noFill/>
-            </a:ln>
-          </p:spPr>
-          <p:style>
-            <a:lnRef idx="2">
-              <a:schemeClr val="accent1">
-                <a:shade val="50000"/>
-              </a:schemeClr>
-            </a:lnRef>
-            <a:fillRef idx="1">
-              <a:schemeClr val="accent1"/>
-            </a:fillRef>
-            <a:effectRef idx="0">
-              <a:schemeClr val="accent1"/>
-            </a:effectRef>
-            <a:fontRef idx="minor">
-              <a:schemeClr val="lt1"/>
-            </a:fontRef>
-          </p:style>
-          <p:txBody>
-            <a:bodyPr rtlCol="0" anchor="ctr"/>
-            <a:lstStyle/>
-            <a:p>
-              <a:pPr algn="ctr"/>
-              <a:endParaRPr lang="en-US" dirty="0"/>
-            </a:p>
-          </p:txBody>
-        </p:sp>
-        <p:sp>
-          <p:nvSpPr>
-            <p:cNvPr id="19" name="Rectangle 18">
-              <a:extLst>
-                <a:ext uri="{FF2B5EF4-FFF2-40B4-BE49-F238E27FC236}">
-                  <a16:creationId xmlns:a16="http://schemas.microsoft.com/office/drawing/2014/main" id="{084C92B9-1A8E-8F92-604F-8E055BB7C60C}"/>
-                </a:ext>
-              </a:extLst>
-            </p:cNvPr>
-            <p:cNvSpPr/>
-            <p:nvPr/>
-          </p:nvSpPr>
-          <p:spPr>
-            <a:xfrm>
-              <a:off x="11160481" y="2744514"/>
-              <a:ext cx="354757" cy="1883978"/>
-            </a:xfrm>
-            <a:prstGeom prst="rect">
-              <a:avLst/>
-            </a:prstGeom>
-            <a:grpFill/>
-            <a:ln w="19050">
-              <a:noFill/>
-            </a:ln>
-          </p:spPr>
-          <p:style>
-            <a:lnRef idx="2">
-              <a:schemeClr val="accent1">
-                <a:shade val="50000"/>
-              </a:schemeClr>
-            </a:lnRef>
-            <a:fillRef idx="1">
-              <a:schemeClr val="accent1"/>
-            </a:fillRef>
-            <a:effectRef idx="0">
-              <a:schemeClr val="accent1"/>
-            </a:effectRef>
-            <a:fontRef idx="minor">
-              <a:schemeClr val="lt1"/>
-            </a:fontRef>
-          </p:style>
-          <p:txBody>
-            <a:bodyPr rtlCol="0" anchor="ctr"/>
-            <a:lstStyle/>
-            <a:p>
-              <a:pPr algn="ctr"/>
-              <a:endParaRPr lang="en-US" dirty="0"/>
-            </a:p>
-          </p:txBody>
-        </p:sp>
-      </p:grpSp>
-      <p:grpSp>
-        <p:nvGrpSpPr>
-          <p:cNvPr id="58" name="Group 57">
-            <a:extLst>
-              <a:ext uri="{FF2B5EF4-FFF2-40B4-BE49-F238E27FC236}">
-                <a16:creationId xmlns:a16="http://schemas.microsoft.com/office/drawing/2014/main" id="{61034791-E06E-6EB2-0322-56DB623B9A79}"/>
-              </a:ext>
-            </a:extLst>
-          </p:cNvPr>
-          <p:cNvGrpSpPr/>
+          <a:ln w="19050">
+            <a:noFill/>
+          </a:ln>
+        </p:spPr>
+        <p:style>
+          <a:lnRef idx="2">
+            <a:schemeClr val="accent1">
+              <a:shade val="50000"/>
+            </a:schemeClr>
+          </a:lnRef>
+          <a:fillRef idx="1">
+            <a:schemeClr val="accent1"/>
+          </a:fillRef>
+          <a:effectRef idx="0">
+            <a:schemeClr val="accent1"/>
+          </a:effectRef>
+          <a:fontRef idx="minor">
+            <a:schemeClr val="lt1"/>
+          </a:fontRef>
+        </p:style>
+        <p:txBody>
+          <a:bodyPr rtlCol="0" anchor="ctr"/>
+          <a:lstStyle/>
+          <a:p>
+            <a:pPr algn="ctr"/>
+            <a:endParaRPr lang="en-US" dirty="0"/>
+          </a:p>
+        </p:txBody>
+      </p:sp>
+      <p:sp>
+        <p:nvSpPr>
+          <p:cNvPr id="22" name="Rectangle: Rounded Corners 21">
+            <a:extLst>
+              <a:ext uri="{FF2B5EF4-FFF2-40B4-BE49-F238E27FC236}">
+                <a16:creationId xmlns:a16="http://schemas.microsoft.com/office/drawing/2014/main" id="{74B1B91C-2713-01ED-A2CB-3C4FFDB8F7B4}"/>
+              </a:ext>
+            </a:extLst>
+          </p:cNvPr>
+          <p:cNvSpPr/>
           <p:nvPr/>
-        </p:nvGrpSpPr>
-        <p:grpSpPr>
+        </p:nvSpPr>
+        <p:spPr>
+          <a:xfrm>
+            <a:off x="4341534" y="3541728"/>
+            <a:ext cx="6546933" cy="431496"/>
+          </a:xfrm>
+          <a:prstGeom prst="roundRect">
+            <a:avLst/>
+          </a:prstGeom>
+          <a:solidFill>
+            <a:schemeClr val="tx2">
+              <a:lumMod val="10000"/>
+              <a:lumOff val="90000"/>
+              <a:alpha val="25000"/>
+            </a:schemeClr>
+          </a:solidFill>
+          <a:ln w="19050">
+            <a:noFill/>
+          </a:ln>
+        </p:spPr>
+        <p:style>
+          <a:lnRef idx="2">
+            <a:schemeClr val="accent1">
+              <a:shade val="50000"/>
+            </a:schemeClr>
+          </a:lnRef>
+          <a:fillRef idx="1">
+            <a:schemeClr val="accent1"/>
+          </a:fillRef>
+          <a:effectRef idx="0">
+            <a:schemeClr val="accent1"/>
+          </a:effectRef>
+          <a:fontRef idx="minor">
+            <a:schemeClr val="lt1"/>
+          </a:fontRef>
+        </p:style>
+        <p:txBody>
+          <a:bodyPr rtlCol="0" anchor="ctr"/>
+          <a:lstStyle/>
+          <a:p>
+            <a:pPr algn="ctr"/>
+            <a:endParaRPr lang="en-US" dirty="0"/>
+          </a:p>
+        </p:txBody>
+      </p:sp>
+      <p:sp>
+        <p:nvSpPr>
+          <p:cNvPr id="23" name="Rectangle: Rounded Corners 22">
+            <a:extLst>
+              <a:ext uri="{FF2B5EF4-FFF2-40B4-BE49-F238E27FC236}">
+                <a16:creationId xmlns:a16="http://schemas.microsoft.com/office/drawing/2014/main" id="{E249E2C1-7092-9FA2-3F1B-33E6C70AA25C}"/>
+              </a:ext>
+            </a:extLst>
+          </p:cNvPr>
+          <p:cNvSpPr/>
+          <p:nvPr/>
+        </p:nvSpPr>
+        <p:spPr>
+          <a:xfrm>
+            <a:off x="4341534" y="4398967"/>
+            <a:ext cx="6546933" cy="431496"/>
+          </a:xfrm>
+          <a:prstGeom prst="roundRect">
+            <a:avLst/>
+          </a:prstGeom>
+          <a:solidFill>
+            <a:schemeClr val="tx2">
+              <a:lumMod val="10000"/>
+              <a:lumOff val="90000"/>
+              <a:alpha val="25000"/>
+            </a:schemeClr>
+          </a:solidFill>
+          <a:ln w="19050">
+            <a:noFill/>
+          </a:ln>
+        </p:spPr>
+        <p:style>
+          <a:lnRef idx="2">
+            <a:schemeClr val="accent1">
+              <a:shade val="50000"/>
+            </a:schemeClr>
+          </a:lnRef>
+          <a:fillRef idx="1">
+            <a:schemeClr val="accent1"/>
+          </a:fillRef>
+          <a:effectRef idx="0">
+            <a:schemeClr val="accent1"/>
+          </a:effectRef>
+          <a:fontRef idx="minor">
+            <a:schemeClr val="lt1"/>
+          </a:fontRef>
+        </p:style>
+        <p:txBody>
+          <a:bodyPr rtlCol="0" anchor="ctr"/>
+          <a:lstStyle/>
+          <a:p>
+            <a:pPr algn="ctr"/>
+            <a:endParaRPr lang="en-US" dirty="0"/>
+          </a:p>
+        </p:txBody>
+      </p:sp>
+      <p:sp>
+        <p:nvSpPr>
+          <p:cNvPr id="24" name="Rectangle 23">
+            <a:extLst>
+              <a:ext uri="{FF2B5EF4-FFF2-40B4-BE49-F238E27FC236}">
+                <a16:creationId xmlns:a16="http://schemas.microsoft.com/office/drawing/2014/main" id="{9A167362-6D88-B081-BB76-1E85DF3DB17E}"/>
+              </a:ext>
+            </a:extLst>
+          </p:cNvPr>
+          <p:cNvSpPr/>
+          <p:nvPr/>
+        </p:nvSpPr>
+        <p:spPr>
+          <a:xfrm>
+            <a:off x="10888467" y="2886328"/>
+            <a:ext cx="338173" cy="1918228"/>
+          </a:xfrm>
+          <a:prstGeom prst="rect">
+            <a:avLst/>
+          </a:prstGeom>
+          <a:solidFill>
+            <a:schemeClr val="tx2">
+              <a:lumMod val="10000"/>
+              <a:lumOff val="90000"/>
+              <a:alpha val="25000"/>
+            </a:schemeClr>
+          </a:solidFill>
+          <a:ln w="19050">
+            <a:noFill/>
+          </a:ln>
+        </p:spPr>
+        <p:style>
+          <a:lnRef idx="2">
+            <a:schemeClr val="accent1">
+              <a:shade val="50000"/>
+            </a:schemeClr>
+          </a:lnRef>
+          <a:fillRef idx="1">
+            <a:schemeClr val="accent1"/>
+          </a:fillRef>
+          <a:effectRef idx="0">
+            <a:schemeClr val="accent1"/>
+          </a:effectRef>
+          <a:fontRef idx="minor">
+            <a:schemeClr val="lt1"/>
+          </a:fontRef>
+        </p:style>
+        <p:txBody>
+          <a:bodyPr rtlCol="0" anchor="ctr"/>
+          <a:lstStyle/>
+          <a:p>
+            <a:pPr algn="ctr"/>
+            <a:endParaRPr lang="en-US" dirty="0"/>
+          </a:p>
+        </p:txBody>
+      </p:sp>
+      <p:sp>
+        <p:nvSpPr>
+          <p:cNvPr id="25" name="Rectangle: Rounded Corners 24">
+            <a:extLst>
+              <a:ext uri="{FF2B5EF4-FFF2-40B4-BE49-F238E27FC236}">
+                <a16:creationId xmlns:a16="http://schemas.microsoft.com/office/drawing/2014/main" id="{2EBACDD2-3B62-DC93-0E1A-E89647C21FEA}"/>
+              </a:ext>
+            </a:extLst>
+          </p:cNvPr>
+          <p:cNvSpPr/>
+          <p:nvPr/>
+        </p:nvSpPr>
+        <p:spPr>
           <a:xfrm rot="10800000">
-            <a:off x="3374384" y="2908041"/>
-            <a:ext cx="7468672" cy="1919317"/>
-            <a:chOff x="3679659" y="2719952"/>
-            <a:chExt cx="7468672" cy="1919316"/>
+            <a:off x="4030287" y="2661025"/>
+            <a:ext cx="311242" cy="2169437"/>
           </a:xfrm>
+          <a:prstGeom prst="roundRect">
+            <a:avLst/>
+          </a:prstGeom>
           <a:solidFill>
             <a:schemeClr val="accent4">
               <a:lumMod val="20000"/>
@@ -9264,385 +9376,32 @@
               <a:alpha val="25000"/>
             </a:schemeClr>
           </a:solidFill>
-        </p:grpSpPr>
-        <p:sp>
-          <p:nvSpPr>
-            <p:cNvPr id="61" name="Rectangle 60">
-              <a:extLst>
-                <a:ext uri="{FF2B5EF4-FFF2-40B4-BE49-F238E27FC236}">
-                  <a16:creationId xmlns:a16="http://schemas.microsoft.com/office/drawing/2014/main" id="{4DE61098-35A9-3BC6-1B8D-9A1F6D116DBB}"/>
-                </a:ext>
-              </a:extLst>
-            </p:cNvPr>
-            <p:cNvSpPr/>
-            <p:nvPr/>
-          </p:nvSpPr>
-          <p:spPr>
-            <a:xfrm>
-              <a:off x="3680850" y="2719956"/>
-              <a:ext cx="7115461" cy="219202"/>
-            </a:xfrm>
-            <a:prstGeom prst="rect">
-              <a:avLst/>
-            </a:prstGeom>
-            <a:grpFill/>
-            <a:ln>
-              <a:noFill/>
-            </a:ln>
-          </p:spPr>
-          <p:style>
-            <a:lnRef idx="2">
-              <a:schemeClr val="accent1">
-                <a:shade val="50000"/>
-              </a:schemeClr>
-            </a:lnRef>
-            <a:fillRef idx="1">
-              <a:schemeClr val="accent1"/>
-            </a:fillRef>
-            <a:effectRef idx="0">
-              <a:schemeClr val="accent1"/>
-            </a:effectRef>
-            <a:fontRef idx="minor">
-              <a:schemeClr val="lt1"/>
-            </a:fontRef>
-          </p:style>
-          <p:txBody>
-            <a:bodyPr rtlCol="0" anchor="ctr"/>
-            <a:lstStyle/>
-            <a:p>
-              <a:pPr algn="ctr"/>
-              <a:endParaRPr lang="en-US" dirty="0"/>
-            </a:p>
-          </p:txBody>
-        </p:sp>
-        <p:sp>
-          <p:nvSpPr>
-            <p:cNvPr id="62" name="Rectangle 61">
-              <a:extLst>
-                <a:ext uri="{FF2B5EF4-FFF2-40B4-BE49-F238E27FC236}">
-                  <a16:creationId xmlns:a16="http://schemas.microsoft.com/office/drawing/2014/main" id="{8E571E3B-FCB2-4B9A-085D-5BAC599C6647}"/>
-                </a:ext>
-              </a:extLst>
-            </p:cNvPr>
-            <p:cNvSpPr/>
-            <p:nvPr/>
-          </p:nvSpPr>
-          <p:spPr>
-            <a:xfrm>
-              <a:off x="3686322" y="3117689"/>
-              <a:ext cx="7102423" cy="239434"/>
-            </a:xfrm>
-            <a:prstGeom prst="rect">
-              <a:avLst/>
-            </a:prstGeom>
-            <a:grpFill/>
-            <a:ln>
-              <a:noFill/>
-            </a:ln>
-          </p:spPr>
-          <p:style>
-            <a:lnRef idx="2">
-              <a:schemeClr val="accent1">
-                <a:shade val="50000"/>
-              </a:schemeClr>
-            </a:lnRef>
-            <a:fillRef idx="1">
-              <a:schemeClr val="accent1"/>
-            </a:fillRef>
-            <a:effectRef idx="0">
-              <a:schemeClr val="accent1"/>
-            </a:effectRef>
-            <a:fontRef idx="minor">
-              <a:schemeClr val="lt1"/>
-            </a:fontRef>
-          </p:style>
-          <p:txBody>
-            <a:bodyPr rtlCol="0" anchor="ctr"/>
-            <a:lstStyle/>
-            <a:p>
-              <a:pPr algn="ctr"/>
-              <a:endParaRPr lang="en-US" dirty="0"/>
-            </a:p>
-          </p:txBody>
-        </p:sp>
-        <p:sp>
-          <p:nvSpPr>
-            <p:cNvPr id="63" name="Rectangle 62">
-              <a:extLst>
-                <a:ext uri="{FF2B5EF4-FFF2-40B4-BE49-F238E27FC236}">
-                  <a16:creationId xmlns:a16="http://schemas.microsoft.com/office/drawing/2014/main" id="{68EB5532-14C7-A404-DD9F-75D0E028C841}"/>
-                </a:ext>
-              </a:extLst>
-            </p:cNvPr>
-            <p:cNvSpPr/>
-            <p:nvPr/>
-          </p:nvSpPr>
-          <p:spPr>
-            <a:xfrm>
-              <a:off x="3680852" y="3536854"/>
-              <a:ext cx="7124759" cy="279527"/>
-            </a:xfrm>
-            <a:prstGeom prst="rect">
-              <a:avLst/>
-            </a:prstGeom>
-            <a:grpFill/>
-            <a:ln>
-              <a:noFill/>
-            </a:ln>
-          </p:spPr>
-          <p:style>
-            <a:lnRef idx="2">
-              <a:schemeClr val="accent1">
-                <a:shade val="50000"/>
-              </a:schemeClr>
-            </a:lnRef>
-            <a:fillRef idx="1">
-              <a:schemeClr val="accent1"/>
-            </a:fillRef>
-            <a:effectRef idx="0">
-              <a:schemeClr val="accent1"/>
-            </a:effectRef>
-            <a:fontRef idx="minor">
-              <a:schemeClr val="lt1"/>
-            </a:fontRef>
-          </p:style>
-          <p:txBody>
-            <a:bodyPr rtlCol="0" anchor="ctr"/>
-            <a:lstStyle/>
-            <a:p>
-              <a:pPr algn="ctr"/>
-              <a:endParaRPr lang="en-US" dirty="0"/>
-            </a:p>
-          </p:txBody>
-        </p:sp>
-        <p:sp>
-          <p:nvSpPr>
-            <p:cNvPr id="64" name="Rectangle 63">
-              <a:extLst>
-                <a:ext uri="{FF2B5EF4-FFF2-40B4-BE49-F238E27FC236}">
-                  <a16:creationId xmlns:a16="http://schemas.microsoft.com/office/drawing/2014/main" id="{6C61B86C-3660-731F-A812-2F7129862CBF}"/>
-                </a:ext>
-              </a:extLst>
-            </p:cNvPr>
-            <p:cNvSpPr/>
-            <p:nvPr/>
-          </p:nvSpPr>
-          <p:spPr>
-            <a:xfrm>
-              <a:off x="3679659" y="4015499"/>
-              <a:ext cx="7107891" cy="159438"/>
-            </a:xfrm>
-            <a:prstGeom prst="rect">
-              <a:avLst/>
-            </a:prstGeom>
-            <a:grpFill/>
-            <a:ln>
-              <a:noFill/>
-            </a:ln>
-          </p:spPr>
-          <p:style>
-            <a:lnRef idx="2">
-              <a:schemeClr val="accent1">
-                <a:shade val="50000"/>
-              </a:schemeClr>
-            </a:lnRef>
-            <a:fillRef idx="1">
-              <a:schemeClr val="accent1"/>
-            </a:fillRef>
-            <a:effectRef idx="0">
-              <a:schemeClr val="accent1"/>
-            </a:effectRef>
-            <a:fontRef idx="minor">
-              <a:schemeClr val="lt1"/>
-            </a:fontRef>
-          </p:style>
-          <p:txBody>
-            <a:bodyPr rtlCol="0" anchor="ctr"/>
-            <a:lstStyle/>
-            <a:p>
-              <a:pPr algn="ctr"/>
-              <a:endParaRPr lang="en-US" dirty="0"/>
-            </a:p>
-          </p:txBody>
-        </p:sp>
-        <p:sp>
-          <p:nvSpPr>
-            <p:cNvPr id="65" name="Rectangle: Rounded Corners 64">
-              <a:extLst>
-                <a:ext uri="{FF2B5EF4-FFF2-40B4-BE49-F238E27FC236}">
-                  <a16:creationId xmlns:a16="http://schemas.microsoft.com/office/drawing/2014/main" id="{2615B625-B6B9-9E8F-15F8-FC5214255F1B}"/>
-                </a:ext>
-              </a:extLst>
-            </p:cNvPr>
-            <p:cNvSpPr/>
-            <p:nvPr/>
-          </p:nvSpPr>
-          <p:spPr>
-            <a:xfrm>
-              <a:off x="3680851" y="4429631"/>
-              <a:ext cx="7107893" cy="209637"/>
-            </a:xfrm>
-            <a:prstGeom prst="roundRect">
-              <a:avLst/>
-            </a:prstGeom>
-            <a:grpFill/>
-            <a:ln>
-              <a:noFill/>
-            </a:ln>
-          </p:spPr>
-          <p:style>
-            <a:lnRef idx="2">
-              <a:schemeClr val="accent1">
-                <a:shade val="50000"/>
-              </a:schemeClr>
-            </a:lnRef>
-            <a:fillRef idx="1">
-              <a:schemeClr val="accent1"/>
-            </a:fillRef>
-            <a:effectRef idx="0">
-              <a:schemeClr val="accent1"/>
-            </a:effectRef>
-            <a:fontRef idx="minor">
-              <a:schemeClr val="lt1"/>
-            </a:fontRef>
-          </p:style>
-          <p:txBody>
-            <a:bodyPr rtlCol="0" anchor="ctr"/>
-            <a:lstStyle/>
-            <a:p>
-              <a:pPr algn="ctr"/>
-              <a:endParaRPr lang="en-US" dirty="0"/>
-            </a:p>
-          </p:txBody>
-        </p:sp>
-        <p:sp>
-          <p:nvSpPr>
-            <p:cNvPr id="66" name="Rectangle 65">
-              <a:extLst>
-                <a:ext uri="{FF2B5EF4-FFF2-40B4-BE49-F238E27FC236}">
-                  <a16:creationId xmlns:a16="http://schemas.microsoft.com/office/drawing/2014/main" id="{9D833E06-1CC5-6472-44EB-153B5F8EA065}"/>
-                </a:ext>
-              </a:extLst>
-            </p:cNvPr>
-            <p:cNvSpPr/>
-            <p:nvPr/>
-          </p:nvSpPr>
-          <p:spPr>
-            <a:xfrm>
-              <a:off x="10793574" y="2719952"/>
-              <a:ext cx="354757" cy="1908537"/>
-            </a:xfrm>
-            <a:prstGeom prst="rect">
-              <a:avLst/>
-            </a:prstGeom>
-            <a:grpFill/>
-            <a:ln>
-              <a:noFill/>
-            </a:ln>
-          </p:spPr>
-          <p:style>
-            <a:lnRef idx="2">
-              <a:schemeClr val="accent1">
-                <a:shade val="50000"/>
-              </a:schemeClr>
-            </a:lnRef>
-            <a:fillRef idx="1">
-              <a:schemeClr val="accent1"/>
-            </a:fillRef>
-            <a:effectRef idx="0">
-              <a:schemeClr val="accent1"/>
-            </a:effectRef>
-            <a:fontRef idx="minor">
-              <a:schemeClr val="lt1"/>
-            </a:fontRef>
-          </p:style>
-          <p:txBody>
-            <a:bodyPr rtlCol="0" anchor="ctr"/>
-            <a:lstStyle/>
-            <a:p>
-              <a:pPr algn="ctr"/>
-              <a:endParaRPr lang="en-US" dirty="0"/>
-            </a:p>
-          </p:txBody>
-        </p:sp>
-      </p:grpSp>
-      <p:sp>
-        <p:nvSpPr>
-          <p:cNvPr id="78" name="TextBox 77">
-            <a:extLst>
-              <a:ext uri="{FF2B5EF4-FFF2-40B4-BE49-F238E27FC236}">
-                <a16:creationId xmlns:a16="http://schemas.microsoft.com/office/drawing/2014/main" id="{65AF5414-4846-38EB-B9A4-51C2D1FFFF09}"/>
-              </a:ext>
-            </a:extLst>
-          </p:cNvPr>
-          <p:cNvSpPr txBox="1"/>
-          <p:nvPr/>
-        </p:nvSpPr>
-        <p:spPr>
-          <a:xfrm rot="16200000">
-            <a:off x="2779204" y="3719197"/>
-            <a:ext cx="1528041" cy="307777"/>
-          </a:xfrm>
-          <a:prstGeom prst="rect">
-            <a:avLst/>
-          </a:prstGeom>
-          <a:noFill/>
+          <a:ln>
+            <a:noFill/>
+          </a:ln>
         </p:spPr>
-        <p:txBody>
-          <a:bodyPr wrap="square" rtlCol="0">
-            <a:spAutoFit/>
-          </a:bodyPr>
+        <p:style>
+          <a:lnRef idx="2">
+            <a:schemeClr val="accent1">
+              <a:shade val="50000"/>
+            </a:schemeClr>
+          </a:lnRef>
+          <a:fillRef idx="1">
+            <a:schemeClr val="accent1"/>
+          </a:fillRef>
+          <a:effectRef idx="0">
+            <a:schemeClr val="accent1"/>
+          </a:effectRef>
+          <a:fontRef idx="minor">
+            <a:schemeClr val="lt1"/>
+          </a:fontRef>
+        </p:style>
+        <p:txBody>
+          <a:bodyPr rtlCol="0" anchor="ctr"/>
           <a:lstStyle/>
           <a:p>
             <a:pPr algn="ctr"/>
-            <a:r>
-              <a:rPr lang="en-US" sz="1400" dirty="0">
-                <a:solidFill>
-                  <a:schemeClr val="accent4"/>
-                </a:solidFill>
-              </a:rPr>
-              <a:t>Without Ride Hail</a:t>
-            </a:r>
-          </a:p>
-        </p:txBody>
-      </p:sp>
-      <p:sp>
-        <p:nvSpPr>
-          <p:cNvPr id="79" name="TextBox 78">
-            <a:extLst>
-              <a:ext uri="{FF2B5EF4-FFF2-40B4-BE49-F238E27FC236}">
-                <a16:creationId xmlns:a16="http://schemas.microsoft.com/office/drawing/2014/main" id="{A2AE0DAC-4A66-2268-AF7E-1BA1300E9C5A}"/>
-              </a:ext>
-            </a:extLst>
-          </p:cNvPr>
-          <p:cNvSpPr txBox="1"/>
-          <p:nvPr/>
-        </p:nvSpPr>
-        <p:spPr>
-          <a:xfrm rot="5400000">
-            <a:off x="10230575" y="3526001"/>
-            <a:ext cx="1528041" cy="307777"/>
-          </a:xfrm>
-          <a:prstGeom prst="rect">
-            <a:avLst/>
-          </a:prstGeom>
-          <a:noFill/>
-        </p:spPr>
-        <p:txBody>
-          <a:bodyPr wrap="square" rtlCol="0">
-            <a:spAutoFit/>
-          </a:bodyPr>
-          <a:lstStyle/>
-          <a:p>
-            <a:pPr algn="ctr"/>
-            <a:r>
-              <a:rPr lang="en-US" sz="1400" dirty="0">
-                <a:solidFill>
-                  <a:schemeClr val="accent1"/>
-                </a:solidFill>
-              </a:rPr>
-              <a:t>With Ride Hail</a:t>
-            </a:r>
+            <a:endParaRPr lang="en-US" dirty="0"/>
           </a:p>
         </p:txBody>
       </p:sp>
@@ -9733,12 +9492,336 @@
           </a:p>
         </p:txBody>
       </p:sp>
+      <p:sp>
+        <p:nvSpPr>
+          <p:cNvPr id="5" name="Content Placeholder 4">
+            <a:extLst>
+              <a:ext uri="{FF2B5EF4-FFF2-40B4-BE49-F238E27FC236}">
+                <a16:creationId xmlns:a16="http://schemas.microsoft.com/office/drawing/2014/main" id="{7BAFAA4D-DA1F-62AF-BA76-A6452CF7F1E8}"/>
+              </a:ext>
+            </a:extLst>
+          </p:cNvPr>
+          <p:cNvSpPr txBox="1">
+            <a:spLocks/>
+          </p:cNvSpPr>
+          <p:nvPr/>
+        </p:nvSpPr>
+        <p:spPr>
+          <a:xfrm>
+            <a:off x="104875" y="2330769"/>
+            <a:ext cx="3358995" cy="3219202"/>
+          </a:xfrm>
+          <a:prstGeom prst="rect">
+            <a:avLst/>
+          </a:prstGeom>
+        </p:spPr>
+        <p:txBody>
+          <a:bodyPr vert="horz" lIns="91440" tIns="45720" rIns="91440" bIns="45720" rtlCol="0">
+            <a:normAutofit/>
+          </a:bodyPr>
+          <a:lstStyle>
+            <a:lvl1pPr marL="0" indent="0" algn="l" defTabSz="914400" rtl="0" eaLnBrk="1" latinLnBrk="0" hangingPunct="1">
+              <a:lnSpc>
+                <a:spcPct val="90000"/>
+              </a:lnSpc>
+              <a:spcBef>
+                <a:spcPts val="1000"/>
+              </a:spcBef>
+              <a:buFont typeface="Arial" panose="020B0604020202020204" pitchFamily="34" charset="0"/>
+              <a:buNone/>
+              <a:defRPr sz="1600" b="0" i="0" kern="1200">
+                <a:solidFill>
+                  <a:srgbClr val="59595C"/>
+                </a:solidFill>
+                <a:latin typeface="Helvetica" pitchFamily="2" charset="0"/>
+                <a:ea typeface="Open Sans" panose="020B0606030504020204" pitchFamily="34" charset="0"/>
+                <a:cs typeface="Open Sans" panose="020B0606030504020204" pitchFamily="34" charset="0"/>
+              </a:defRPr>
+            </a:lvl1pPr>
+            <a:lvl2pPr marL="457200" indent="0" algn="l" defTabSz="914400" rtl="0" eaLnBrk="1" latinLnBrk="0" hangingPunct="1">
+              <a:lnSpc>
+                <a:spcPct val="90000"/>
+              </a:lnSpc>
+              <a:spcBef>
+                <a:spcPts val="500"/>
+              </a:spcBef>
+              <a:buFont typeface="Arial" panose="020B0604020202020204" pitchFamily="34" charset="0"/>
+              <a:buNone/>
+              <a:defRPr sz="1400" b="0" i="0" kern="1200">
+                <a:solidFill>
+                  <a:srgbClr val="59595C"/>
+                </a:solidFill>
+                <a:latin typeface="Helvetica" pitchFamily="2" charset="0"/>
+                <a:ea typeface="Open Sans" panose="020B0606030504020204" pitchFamily="34" charset="0"/>
+                <a:cs typeface="Open Sans" panose="020B0606030504020204" pitchFamily="34" charset="0"/>
+              </a:defRPr>
+            </a:lvl2pPr>
+            <a:lvl3pPr marL="914400" indent="0" algn="l" defTabSz="914400" rtl="0" eaLnBrk="1" latinLnBrk="0" hangingPunct="1">
+              <a:lnSpc>
+                <a:spcPct val="90000"/>
+              </a:lnSpc>
+              <a:spcBef>
+                <a:spcPts val="500"/>
+              </a:spcBef>
+              <a:buFont typeface="Arial" panose="020B0604020202020204" pitchFamily="34" charset="0"/>
+              <a:buNone/>
+              <a:defRPr sz="1200" b="0" i="0" kern="1200">
+                <a:solidFill>
+                  <a:srgbClr val="59595C"/>
+                </a:solidFill>
+                <a:latin typeface="Helvetica" pitchFamily="2" charset="0"/>
+                <a:ea typeface="Open Sans" panose="020B0606030504020204" pitchFamily="34" charset="0"/>
+                <a:cs typeface="Open Sans" panose="020B0606030504020204" pitchFamily="34" charset="0"/>
+              </a:defRPr>
+            </a:lvl3pPr>
+            <a:lvl4pPr marL="1371600" indent="0" algn="l" defTabSz="914400" rtl="0" eaLnBrk="1" latinLnBrk="0" hangingPunct="1">
+              <a:lnSpc>
+                <a:spcPct val="90000"/>
+              </a:lnSpc>
+              <a:spcBef>
+                <a:spcPts val="500"/>
+              </a:spcBef>
+              <a:buFont typeface="Arial" panose="020B0604020202020204" pitchFamily="34" charset="0"/>
+              <a:buNone/>
+              <a:defRPr sz="1000" b="0" i="0" kern="1200">
+                <a:solidFill>
+                  <a:srgbClr val="59595C"/>
+                </a:solidFill>
+                <a:latin typeface="Helvetica" pitchFamily="2" charset="0"/>
+                <a:ea typeface="Open Sans" panose="020B0606030504020204" pitchFamily="34" charset="0"/>
+                <a:cs typeface="Open Sans" panose="020B0606030504020204" pitchFamily="34" charset="0"/>
+              </a:defRPr>
+            </a:lvl4pPr>
+            <a:lvl5pPr marL="1828800" indent="0" algn="l" defTabSz="914400" rtl="0" eaLnBrk="1" latinLnBrk="0" hangingPunct="1">
+              <a:lnSpc>
+                <a:spcPct val="90000"/>
+              </a:lnSpc>
+              <a:spcBef>
+                <a:spcPts val="500"/>
+              </a:spcBef>
+              <a:buFont typeface="Arial" panose="020B0604020202020204" pitchFamily="34" charset="0"/>
+              <a:buNone/>
+              <a:defRPr sz="1000" b="0" i="0" kern="1200">
+                <a:solidFill>
+                  <a:srgbClr val="59595C"/>
+                </a:solidFill>
+                <a:latin typeface="Helvetica" pitchFamily="2" charset="0"/>
+                <a:ea typeface="Open Sans" panose="020B0606030504020204" pitchFamily="34" charset="0"/>
+                <a:cs typeface="Open Sans" panose="020B0606030504020204" pitchFamily="34" charset="0"/>
+              </a:defRPr>
+            </a:lvl5pPr>
+            <a:lvl6pPr marL="2286000" indent="0" algn="l" defTabSz="914400" rtl="0" eaLnBrk="1" latinLnBrk="0" hangingPunct="1">
+              <a:lnSpc>
+                <a:spcPct val="90000"/>
+              </a:lnSpc>
+              <a:spcBef>
+                <a:spcPts val="500"/>
+              </a:spcBef>
+              <a:buFont typeface="Arial" panose="020B0604020202020204" pitchFamily="34" charset="0"/>
+              <a:buNone/>
+              <a:defRPr sz="1000" kern="1200">
+                <a:solidFill>
+                  <a:schemeClr val="tx1"/>
+                </a:solidFill>
+                <a:latin typeface="+mn-lt"/>
+                <a:ea typeface="+mn-ea"/>
+                <a:cs typeface="+mn-cs"/>
+              </a:defRPr>
+            </a:lvl6pPr>
+            <a:lvl7pPr marL="2743200" indent="0" algn="l" defTabSz="914400" rtl="0" eaLnBrk="1" latinLnBrk="0" hangingPunct="1">
+              <a:lnSpc>
+                <a:spcPct val="90000"/>
+              </a:lnSpc>
+              <a:spcBef>
+                <a:spcPts val="500"/>
+              </a:spcBef>
+              <a:buFont typeface="Arial" panose="020B0604020202020204" pitchFamily="34" charset="0"/>
+              <a:buNone/>
+              <a:defRPr sz="1000" kern="1200">
+                <a:solidFill>
+                  <a:schemeClr val="tx1"/>
+                </a:solidFill>
+                <a:latin typeface="+mn-lt"/>
+                <a:ea typeface="+mn-ea"/>
+                <a:cs typeface="+mn-cs"/>
+              </a:defRPr>
+            </a:lvl7pPr>
+            <a:lvl8pPr marL="3200400" indent="0" algn="l" defTabSz="914400" rtl="0" eaLnBrk="1" latinLnBrk="0" hangingPunct="1">
+              <a:lnSpc>
+                <a:spcPct val="90000"/>
+              </a:lnSpc>
+              <a:spcBef>
+                <a:spcPts val="500"/>
+              </a:spcBef>
+              <a:buFont typeface="Arial" panose="020B0604020202020204" pitchFamily="34" charset="0"/>
+              <a:buNone/>
+              <a:defRPr sz="1000" kern="1200">
+                <a:solidFill>
+                  <a:schemeClr val="tx1"/>
+                </a:solidFill>
+                <a:latin typeface="+mn-lt"/>
+                <a:ea typeface="+mn-ea"/>
+                <a:cs typeface="+mn-cs"/>
+              </a:defRPr>
+            </a:lvl8pPr>
+            <a:lvl9pPr marL="3657600" indent="0" algn="l" defTabSz="914400" rtl="0" eaLnBrk="1" latinLnBrk="0" hangingPunct="1">
+              <a:lnSpc>
+                <a:spcPct val="90000"/>
+              </a:lnSpc>
+              <a:spcBef>
+                <a:spcPts val="500"/>
+              </a:spcBef>
+              <a:buFont typeface="Arial" panose="020B0604020202020204" pitchFamily="34" charset="0"/>
+              <a:buNone/>
+              <a:defRPr sz="1000" kern="1200">
+                <a:solidFill>
+                  <a:schemeClr val="tx1"/>
+                </a:solidFill>
+                <a:latin typeface="+mn-lt"/>
+                <a:ea typeface="+mn-ea"/>
+                <a:cs typeface="+mn-cs"/>
+              </a:defRPr>
+            </a:lvl9pPr>
+          </a:lstStyle>
+          <a:p>
+            <a:pPr algn="r"/>
+            <a:r>
+              <a:rPr lang="en-US" dirty="0">
+                <a:solidFill>
+                  <a:schemeClr val="tx1"/>
+                </a:solidFill>
+              </a:rPr>
+              <a:t>3.  Using path, person, and location estimates more ridership than path</a:t>
+            </a:r>
+          </a:p>
+          <a:p>
+            <a:pPr marL="342900" indent="-342900" algn="r">
+              <a:buAutoNum type="arabicPeriod" startAt="4"/>
+            </a:pPr>
+            <a:r>
+              <a:rPr lang="en-US" dirty="0">
+                <a:solidFill>
+                  <a:schemeClr val="tx1"/>
+                </a:solidFill>
+              </a:rPr>
+              <a:t>Lack of person attributes make pooled and transit ride hail less appealing</a:t>
+            </a:r>
+          </a:p>
+          <a:p>
+            <a:pPr algn="r"/>
+            <a:endParaRPr lang="en-US" b="1" dirty="0">
+              <a:solidFill>
+                <a:schemeClr val="tx1"/>
+              </a:solidFill>
+            </a:endParaRPr>
+          </a:p>
+          <a:p>
+            <a:pPr marL="342900" indent="-342900" algn="ctr">
+              <a:buFont typeface="+mj-lt"/>
+              <a:buAutoNum type="arabicPeriod"/>
+            </a:pPr>
+            <a:endParaRPr lang="en-US" b="1" dirty="0">
+              <a:solidFill>
+                <a:schemeClr val="tx1"/>
+              </a:solidFill>
+            </a:endParaRPr>
+          </a:p>
+          <a:p>
+            <a:pPr algn="ctr"/>
+            <a:endParaRPr lang="en-US" dirty="0">
+              <a:solidFill>
+                <a:schemeClr val="tx1"/>
+              </a:solidFill>
+            </a:endParaRPr>
+          </a:p>
+        </p:txBody>
+      </p:sp>
+      <p:sp>
+        <p:nvSpPr>
+          <p:cNvPr id="22" name="TextBox 21">
+            <a:extLst>
+              <a:ext uri="{FF2B5EF4-FFF2-40B4-BE49-F238E27FC236}">
+                <a16:creationId xmlns:a16="http://schemas.microsoft.com/office/drawing/2014/main" id="{7AD3DFEA-FFA1-1463-C56D-BF62FE6FF535}"/>
+              </a:ext>
+            </a:extLst>
+          </p:cNvPr>
+          <p:cNvSpPr txBox="1"/>
+          <p:nvPr/>
+        </p:nvSpPr>
+        <p:spPr>
+          <a:xfrm rot="5400000">
+            <a:off x="10456776" y="3714532"/>
+            <a:ext cx="1528041" cy="307777"/>
+          </a:xfrm>
+          <a:prstGeom prst="rect">
+            <a:avLst/>
+          </a:prstGeom>
+          <a:noFill/>
+        </p:spPr>
+        <p:txBody>
+          <a:bodyPr wrap="square" rtlCol="0">
+            <a:spAutoFit/>
+          </a:bodyPr>
+          <a:lstStyle/>
+          <a:p>
+            <a:pPr algn="ctr"/>
+            <a:r>
+              <a:rPr lang="en-US" sz="1400" dirty="0">
+                <a:solidFill>
+                  <a:schemeClr val="accent4"/>
+                </a:solidFill>
+              </a:rPr>
+              <a:t>Path</a:t>
+            </a:r>
+          </a:p>
+        </p:txBody>
+      </p:sp>
+      <p:sp>
+        <p:nvSpPr>
+          <p:cNvPr id="23" name="TextBox 22">
+            <a:extLst>
+              <a:ext uri="{FF2B5EF4-FFF2-40B4-BE49-F238E27FC236}">
+                <a16:creationId xmlns:a16="http://schemas.microsoft.com/office/drawing/2014/main" id="{ABED3E84-7D17-6A0A-506F-E15DED6FC6C4}"/>
+              </a:ext>
+            </a:extLst>
+          </p:cNvPr>
+          <p:cNvSpPr txBox="1"/>
+          <p:nvPr/>
+        </p:nvSpPr>
+        <p:spPr>
+          <a:xfrm rot="16200000">
+            <a:off x="3208416" y="3823461"/>
+            <a:ext cx="1528041" cy="523220"/>
+          </a:xfrm>
+          <a:prstGeom prst="rect">
+            <a:avLst/>
+          </a:prstGeom>
+          <a:noFill/>
+        </p:spPr>
+        <p:txBody>
+          <a:bodyPr wrap="square" rtlCol="0">
+            <a:spAutoFit/>
+          </a:bodyPr>
+          <a:lstStyle/>
+          <a:p>
+            <a:pPr algn="ctr"/>
+            <a:r>
+              <a:rPr lang="en-US" sz="1400" dirty="0">
+                <a:solidFill>
+                  <a:schemeClr val="accent1"/>
+                </a:solidFill>
+              </a:rPr>
+              <a:t>Path, Person, Location</a:t>
+            </a:r>
+          </a:p>
+        </p:txBody>
+      </p:sp>
       <p:pic>
         <p:nvPicPr>
-          <p:cNvPr id="8" name="Picture 7">
-            <a:extLst>
-              <a:ext uri="{FF2B5EF4-FFF2-40B4-BE49-F238E27FC236}">
-                <a16:creationId xmlns:a16="http://schemas.microsoft.com/office/drawing/2014/main" id="{975F80E9-9CE4-8379-32A3-E20907BFFB6E}"/>
+          <p:cNvPr id="9" name="Picture 8">
+            <a:extLst>
+              <a:ext uri="{FF2B5EF4-FFF2-40B4-BE49-F238E27FC236}">
+                <a16:creationId xmlns:a16="http://schemas.microsoft.com/office/drawing/2014/main" id="{33421BAE-DA77-77E3-E849-14373A188515}"/>
               </a:ext>
             </a:extLst>
           </p:cNvPr>
@@ -9755,8 +9838,8 @@
         </p:blipFill>
         <p:spPr>
           <a:xfrm>
-            <a:off x="3680847" y="2330769"/>
-            <a:ext cx="7278157" cy="2610895"/>
+            <a:off x="4234354" y="2264616"/>
+            <a:ext cx="6724650" cy="2743200"/>
           </a:xfrm>
           <a:prstGeom prst="rect">
             <a:avLst/>
@@ -9765,269 +9848,304 @@
       </p:pic>
       <p:sp>
         <p:nvSpPr>
-          <p:cNvPr id="5" name="Content Placeholder 4">
-            <a:extLst>
-              <a:ext uri="{FF2B5EF4-FFF2-40B4-BE49-F238E27FC236}">
-                <a16:creationId xmlns:a16="http://schemas.microsoft.com/office/drawing/2014/main" id="{7BAFAA4D-DA1F-62AF-BA76-A6452CF7F1E8}"/>
-              </a:ext>
-            </a:extLst>
-          </p:cNvPr>
-          <p:cNvSpPr txBox="1">
-            <a:spLocks/>
-          </p:cNvSpPr>
+          <p:cNvPr id="10" name="Rectangle 9">
+            <a:extLst>
+              <a:ext uri="{FF2B5EF4-FFF2-40B4-BE49-F238E27FC236}">
+                <a16:creationId xmlns:a16="http://schemas.microsoft.com/office/drawing/2014/main" id="{DDC0D2D2-158D-3DD5-E6CC-4726514A0BD9}"/>
+              </a:ext>
+            </a:extLst>
+          </p:cNvPr>
+          <p:cNvSpPr/>
           <p:nvPr/>
         </p:nvSpPr>
         <p:spPr>
           <a:xfrm>
-            <a:off x="104875" y="2330769"/>
-            <a:ext cx="3358995" cy="3219202"/>
+            <a:off x="4318709" y="3106092"/>
+            <a:ext cx="6555940" cy="214958"/>
           </a:xfrm>
           <a:prstGeom prst="rect">
             <a:avLst/>
           </a:prstGeom>
+          <a:solidFill>
+            <a:schemeClr val="accent5">
+              <a:lumMod val="20000"/>
+              <a:lumOff val="80000"/>
+              <a:alpha val="25000"/>
+            </a:schemeClr>
+          </a:solidFill>
+          <a:ln>
+            <a:noFill/>
+          </a:ln>
         </p:spPr>
-        <p:txBody>
-          <a:bodyPr vert="horz" lIns="91440" tIns="45720" rIns="91440" bIns="45720" rtlCol="0">
-            <a:normAutofit/>
-          </a:bodyPr>
-          <a:lstStyle>
-            <a:lvl1pPr marL="0" indent="0" algn="l" defTabSz="914400" rtl="0" eaLnBrk="1" latinLnBrk="0" hangingPunct="1">
-              <a:lnSpc>
-                <a:spcPct val="90000"/>
-              </a:lnSpc>
-              <a:spcBef>
-                <a:spcPts val="1000"/>
-              </a:spcBef>
-              <a:buFont typeface="Arial" panose="020B0604020202020204" pitchFamily="34" charset="0"/>
-              <a:buNone/>
-              <a:defRPr sz="1600" b="0" i="0" kern="1200">
-                <a:solidFill>
-                  <a:srgbClr val="59595C"/>
-                </a:solidFill>
-                <a:latin typeface="Helvetica" pitchFamily="2" charset="0"/>
-                <a:ea typeface="Open Sans" panose="020B0606030504020204" pitchFamily="34" charset="0"/>
-                <a:cs typeface="Open Sans" panose="020B0606030504020204" pitchFamily="34" charset="0"/>
-              </a:defRPr>
-            </a:lvl1pPr>
-            <a:lvl2pPr marL="457200" indent="0" algn="l" defTabSz="914400" rtl="0" eaLnBrk="1" latinLnBrk="0" hangingPunct="1">
-              <a:lnSpc>
-                <a:spcPct val="90000"/>
-              </a:lnSpc>
-              <a:spcBef>
-                <a:spcPts val="500"/>
-              </a:spcBef>
-              <a:buFont typeface="Arial" panose="020B0604020202020204" pitchFamily="34" charset="0"/>
-              <a:buNone/>
-              <a:defRPr sz="1400" b="0" i="0" kern="1200">
-                <a:solidFill>
-                  <a:srgbClr val="59595C"/>
-                </a:solidFill>
-                <a:latin typeface="Helvetica" pitchFamily="2" charset="0"/>
-                <a:ea typeface="Open Sans" panose="020B0606030504020204" pitchFamily="34" charset="0"/>
-                <a:cs typeface="Open Sans" panose="020B0606030504020204" pitchFamily="34" charset="0"/>
-              </a:defRPr>
-            </a:lvl2pPr>
-            <a:lvl3pPr marL="914400" indent="0" algn="l" defTabSz="914400" rtl="0" eaLnBrk="1" latinLnBrk="0" hangingPunct="1">
-              <a:lnSpc>
-                <a:spcPct val="90000"/>
-              </a:lnSpc>
-              <a:spcBef>
-                <a:spcPts val="500"/>
-              </a:spcBef>
-              <a:buFont typeface="Arial" panose="020B0604020202020204" pitchFamily="34" charset="0"/>
-              <a:buNone/>
-              <a:defRPr sz="1200" b="0" i="0" kern="1200">
-                <a:solidFill>
-                  <a:srgbClr val="59595C"/>
-                </a:solidFill>
-                <a:latin typeface="Helvetica" pitchFamily="2" charset="0"/>
-                <a:ea typeface="Open Sans" panose="020B0606030504020204" pitchFamily="34" charset="0"/>
-                <a:cs typeface="Open Sans" panose="020B0606030504020204" pitchFamily="34" charset="0"/>
-              </a:defRPr>
-            </a:lvl3pPr>
-            <a:lvl4pPr marL="1371600" indent="0" algn="l" defTabSz="914400" rtl="0" eaLnBrk="1" latinLnBrk="0" hangingPunct="1">
-              <a:lnSpc>
-                <a:spcPct val="90000"/>
-              </a:lnSpc>
-              <a:spcBef>
-                <a:spcPts val="500"/>
-              </a:spcBef>
-              <a:buFont typeface="Arial" panose="020B0604020202020204" pitchFamily="34" charset="0"/>
-              <a:buNone/>
-              <a:defRPr sz="1000" b="0" i="0" kern="1200">
-                <a:solidFill>
-                  <a:srgbClr val="59595C"/>
-                </a:solidFill>
-                <a:latin typeface="Helvetica" pitchFamily="2" charset="0"/>
-                <a:ea typeface="Open Sans" panose="020B0606030504020204" pitchFamily="34" charset="0"/>
-                <a:cs typeface="Open Sans" panose="020B0606030504020204" pitchFamily="34" charset="0"/>
-              </a:defRPr>
-            </a:lvl4pPr>
-            <a:lvl5pPr marL="1828800" indent="0" algn="l" defTabSz="914400" rtl="0" eaLnBrk="1" latinLnBrk="0" hangingPunct="1">
-              <a:lnSpc>
-                <a:spcPct val="90000"/>
-              </a:lnSpc>
-              <a:spcBef>
-                <a:spcPts val="500"/>
-              </a:spcBef>
-              <a:buFont typeface="Arial" panose="020B0604020202020204" pitchFamily="34" charset="0"/>
-              <a:buNone/>
-              <a:defRPr sz="1000" b="0" i="0" kern="1200">
-                <a:solidFill>
-                  <a:srgbClr val="59595C"/>
-                </a:solidFill>
-                <a:latin typeface="Helvetica" pitchFamily="2" charset="0"/>
-                <a:ea typeface="Open Sans" panose="020B0606030504020204" pitchFamily="34" charset="0"/>
-                <a:cs typeface="Open Sans" panose="020B0606030504020204" pitchFamily="34" charset="0"/>
-              </a:defRPr>
-            </a:lvl5pPr>
-            <a:lvl6pPr marL="2286000" indent="0" algn="l" defTabSz="914400" rtl="0" eaLnBrk="1" latinLnBrk="0" hangingPunct="1">
-              <a:lnSpc>
-                <a:spcPct val="90000"/>
-              </a:lnSpc>
-              <a:spcBef>
-                <a:spcPts val="500"/>
-              </a:spcBef>
-              <a:buFont typeface="Arial" panose="020B0604020202020204" pitchFamily="34" charset="0"/>
-              <a:buNone/>
-              <a:defRPr sz="1000" kern="1200">
-                <a:solidFill>
-                  <a:schemeClr val="tx1"/>
-                </a:solidFill>
-                <a:latin typeface="+mn-lt"/>
-                <a:ea typeface="+mn-ea"/>
-                <a:cs typeface="+mn-cs"/>
-              </a:defRPr>
-            </a:lvl6pPr>
-            <a:lvl7pPr marL="2743200" indent="0" algn="l" defTabSz="914400" rtl="0" eaLnBrk="1" latinLnBrk="0" hangingPunct="1">
-              <a:lnSpc>
-                <a:spcPct val="90000"/>
-              </a:lnSpc>
-              <a:spcBef>
-                <a:spcPts val="500"/>
-              </a:spcBef>
-              <a:buFont typeface="Arial" panose="020B0604020202020204" pitchFamily="34" charset="0"/>
-              <a:buNone/>
-              <a:defRPr sz="1000" kern="1200">
-                <a:solidFill>
-                  <a:schemeClr val="tx1"/>
-                </a:solidFill>
-                <a:latin typeface="+mn-lt"/>
-                <a:ea typeface="+mn-ea"/>
-                <a:cs typeface="+mn-cs"/>
-              </a:defRPr>
-            </a:lvl7pPr>
-            <a:lvl8pPr marL="3200400" indent="0" algn="l" defTabSz="914400" rtl="0" eaLnBrk="1" latinLnBrk="0" hangingPunct="1">
-              <a:lnSpc>
-                <a:spcPct val="90000"/>
-              </a:lnSpc>
-              <a:spcBef>
-                <a:spcPts val="500"/>
-              </a:spcBef>
-              <a:buFont typeface="Arial" panose="020B0604020202020204" pitchFamily="34" charset="0"/>
-              <a:buNone/>
-              <a:defRPr sz="1000" kern="1200">
-                <a:solidFill>
-                  <a:schemeClr val="tx1"/>
-                </a:solidFill>
-                <a:latin typeface="+mn-lt"/>
-                <a:ea typeface="+mn-ea"/>
-                <a:cs typeface="+mn-cs"/>
-              </a:defRPr>
-            </a:lvl8pPr>
-            <a:lvl9pPr marL="3657600" indent="0" algn="l" defTabSz="914400" rtl="0" eaLnBrk="1" latinLnBrk="0" hangingPunct="1">
-              <a:lnSpc>
-                <a:spcPct val="90000"/>
-              </a:lnSpc>
-              <a:spcBef>
-                <a:spcPts val="500"/>
-              </a:spcBef>
-              <a:buFont typeface="Arial" panose="020B0604020202020204" pitchFamily="34" charset="0"/>
-              <a:buNone/>
-              <a:defRPr sz="1000" kern="1200">
-                <a:solidFill>
-                  <a:schemeClr val="tx1"/>
-                </a:solidFill>
-                <a:latin typeface="+mn-lt"/>
-                <a:ea typeface="+mn-ea"/>
-                <a:cs typeface="+mn-cs"/>
-              </a:defRPr>
-            </a:lvl9pPr>
-          </a:lstStyle>
-          <a:p>
-            <a:pPr marL="342900" indent="-342900" algn="r">
-              <a:buAutoNum type="arabicPeriod" startAt="4"/>
-            </a:pPr>
-            <a:r>
-              <a:rPr lang="en-US" dirty="0">
-                <a:solidFill>
-                  <a:schemeClr val="tx1"/>
-                </a:solidFill>
-              </a:rPr>
-              <a:t>Using path, person, and location estimates more ridership than path</a:t>
-            </a:r>
-          </a:p>
-          <a:p>
-            <a:pPr marL="342900" indent="-342900" algn="r">
-              <a:buAutoNum type="arabicPeriod" startAt="4"/>
-            </a:pPr>
-            <a:r>
-              <a:rPr lang="en-US" dirty="0">
-                <a:solidFill>
-                  <a:schemeClr val="tx1"/>
-                </a:solidFill>
-              </a:rPr>
-              <a:t>Lack of person attributes make pooled and transit ride hail less appealing</a:t>
-            </a:r>
-          </a:p>
-          <a:p>
-            <a:pPr algn="r"/>
-            <a:endParaRPr lang="en-US" b="1" dirty="0">
-              <a:solidFill>
-                <a:schemeClr val="tx1"/>
-              </a:solidFill>
-            </a:endParaRPr>
-          </a:p>
-          <a:p>
-            <a:pPr marL="342900" indent="-342900" algn="ctr">
-              <a:buFont typeface="+mj-lt"/>
-              <a:buAutoNum type="arabicPeriod"/>
-            </a:pPr>
-            <a:endParaRPr lang="en-US" b="1" dirty="0">
-              <a:solidFill>
-                <a:schemeClr val="tx1"/>
-              </a:solidFill>
-            </a:endParaRPr>
-          </a:p>
+        <p:style>
+          <a:lnRef idx="2">
+            <a:schemeClr val="accent1">
+              <a:shade val="50000"/>
+            </a:schemeClr>
+          </a:lnRef>
+          <a:fillRef idx="1">
+            <a:schemeClr val="accent1"/>
+          </a:fillRef>
+          <a:effectRef idx="0">
+            <a:schemeClr val="accent1"/>
+          </a:effectRef>
+          <a:fontRef idx="minor">
+            <a:schemeClr val="lt1"/>
+          </a:fontRef>
+        </p:style>
+        <p:txBody>
+          <a:bodyPr rtlCol="0" anchor="ctr"/>
+          <a:lstStyle/>
           <a:p>
             <a:pPr algn="ctr"/>
-            <a:endParaRPr lang="en-US" dirty="0">
-              <a:solidFill>
-                <a:schemeClr val="tx1"/>
-              </a:solidFill>
-            </a:endParaRPr>
-          </a:p>
-        </p:txBody>
-      </p:sp>
-      <p:grpSp>
-        <p:nvGrpSpPr>
-          <p:cNvPr id="14" name="Group 13">
-            <a:extLst>
-              <a:ext uri="{FF2B5EF4-FFF2-40B4-BE49-F238E27FC236}">
-                <a16:creationId xmlns:a16="http://schemas.microsoft.com/office/drawing/2014/main" id="{A1AC2524-DBD0-9EA9-732F-AA74346852BD}"/>
-              </a:ext>
-            </a:extLst>
-          </p:cNvPr>
-          <p:cNvGrpSpPr/>
+            <a:endParaRPr lang="en-US" dirty="0"/>
+          </a:p>
+        </p:txBody>
+      </p:sp>
+      <p:sp>
+        <p:nvSpPr>
+          <p:cNvPr id="11" name="Rectangle 10">
+            <a:extLst>
+              <a:ext uri="{FF2B5EF4-FFF2-40B4-BE49-F238E27FC236}">
+                <a16:creationId xmlns:a16="http://schemas.microsoft.com/office/drawing/2014/main" id="{E9203763-A09C-9706-D657-9C9F608FE1F9}"/>
+              </a:ext>
+            </a:extLst>
+          </p:cNvPr>
+          <p:cNvSpPr/>
           <p:nvPr/>
-        </p:nvGrpSpPr>
-        <p:grpSpPr>
+        </p:nvSpPr>
+        <p:spPr>
           <a:xfrm>
-            <a:off x="3774282" y="3123158"/>
-            <a:ext cx="7278157" cy="1296252"/>
-            <a:chOff x="3774282" y="3123158"/>
-            <a:chExt cx="7278157" cy="1296252"/>
+            <a:off x="4318709" y="3536454"/>
+            <a:ext cx="6555940" cy="214958"/>
           </a:xfrm>
+          <a:prstGeom prst="rect">
+            <a:avLst/>
+          </a:prstGeom>
+          <a:solidFill>
+            <a:schemeClr val="accent5">
+              <a:lumMod val="20000"/>
+              <a:lumOff val="80000"/>
+              <a:alpha val="25000"/>
+            </a:schemeClr>
+          </a:solidFill>
+          <a:ln>
+            <a:noFill/>
+          </a:ln>
+        </p:spPr>
+        <p:style>
+          <a:lnRef idx="2">
+            <a:schemeClr val="accent1">
+              <a:shade val="50000"/>
+            </a:schemeClr>
+          </a:lnRef>
+          <a:fillRef idx="1">
+            <a:schemeClr val="accent1"/>
+          </a:fillRef>
+          <a:effectRef idx="0">
+            <a:schemeClr val="accent1"/>
+          </a:effectRef>
+          <a:fontRef idx="minor">
+            <a:schemeClr val="lt1"/>
+          </a:fontRef>
+        </p:style>
+        <p:txBody>
+          <a:bodyPr rtlCol="0" anchor="ctr"/>
+          <a:lstStyle/>
+          <a:p>
+            <a:pPr algn="ctr"/>
+            <a:endParaRPr lang="en-US" dirty="0"/>
+          </a:p>
+        </p:txBody>
+      </p:sp>
+      <p:sp>
+        <p:nvSpPr>
+          <p:cNvPr id="12" name="Rectangle 11">
+            <a:extLst>
+              <a:ext uri="{FF2B5EF4-FFF2-40B4-BE49-F238E27FC236}">
+                <a16:creationId xmlns:a16="http://schemas.microsoft.com/office/drawing/2014/main" id="{174E5090-0818-FCFF-9E50-9D797C887B1A}"/>
+              </a:ext>
+            </a:extLst>
+          </p:cNvPr>
+          <p:cNvSpPr/>
+          <p:nvPr/>
+        </p:nvSpPr>
+        <p:spPr>
+          <a:xfrm>
+            <a:off x="4318709" y="4010617"/>
+            <a:ext cx="6555940" cy="214958"/>
+          </a:xfrm>
+          <a:prstGeom prst="rect">
+            <a:avLst/>
+          </a:prstGeom>
+          <a:solidFill>
+            <a:schemeClr val="accent5">
+              <a:lumMod val="20000"/>
+              <a:lumOff val="80000"/>
+              <a:alpha val="25000"/>
+            </a:schemeClr>
+          </a:solidFill>
+          <a:ln>
+            <a:noFill/>
+          </a:ln>
+        </p:spPr>
+        <p:style>
+          <a:lnRef idx="2">
+            <a:schemeClr val="accent1">
+              <a:shade val="50000"/>
+            </a:schemeClr>
+          </a:lnRef>
+          <a:fillRef idx="1">
+            <a:schemeClr val="accent1"/>
+          </a:fillRef>
+          <a:effectRef idx="0">
+            <a:schemeClr val="accent1"/>
+          </a:effectRef>
+          <a:fontRef idx="minor">
+            <a:schemeClr val="lt1"/>
+          </a:fontRef>
+        </p:style>
+        <p:txBody>
+          <a:bodyPr rtlCol="0" anchor="ctr"/>
+          <a:lstStyle/>
+          <a:p>
+            <a:pPr algn="ctr"/>
+            <a:endParaRPr lang="en-US" dirty="0"/>
+          </a:p>
+        </p:txBody>
+      </p:sp>
+      <p:sp>
+        <p:nvSpPr>
+          <p:cNvPr id="13" name="Rectangle 12">
+            <a:extLst>
+              <a:ext uri="{FF2B5EF4-FFF2-40B4-BE49-F238E27FC236}">
+                <a16:creationId xmlns:a16="http://schemas.microsoft.com/office/drawing/2014/main" id="{561B719E-082A-8090-2396-D33ECBAA1A7F}"/>
+              </a:ext>
+            </a:extLst>
+          </p:cNvPr>
+          <p:cNvSpPr/>
+          <p:nvPr/>
+        </p:nvSpPr>
+        <p:spPr>
+          <a:xfrm>
+            <a:off x="4304617" y="4452173"/>
+            <a:ext cx="6555940" cy="214958"/>
+          </a:xfrm>
+          <a:prstGeom prst="rect">
+            <a:avLst/>
+          </a:prstGeom>
+          <a:solidFill>
+            <a:schemeClr val="accent5">
+              <a:lumMod val="20000"/>
+              <a:lumOff val="80000"/>
+              <a:alpha val="25000"/>
+            </a:schemeClr>
+          </a:solidFill>
+          <a:ln>
+            <a:noFill/>
+          </a:ln>
+        </p:spPr>
+        <p:style>
+          <a:lnRef idx="2">
+            <a:schemeClr val="accent1">
+              <a:shade val="50000"/>
+            </a:schemeClr>
+          </a:lnRef>
+          <a:fillRef idx="1">
+            <a:schemeClr val="accent1"/>
+          </a:fillRef>
+          <a:effectRef idx="0">
+            <a:schemeClr val="accent1"/>
+          </a:effectRef>
+          <a:fontRef idx="minor">
+            <a:schemeClr val="lt1"/>
+          </a:fontRef>
+        </p:style>
+        <p:txBody>
+          <a:bodyPr rtlCol="0" anchor="ctr"/>
+          <a:lstStyle/>
+          <a:p>
+            <a:pPr algn="ctr"/>
+            <a:endParaRPr lang="en-US" dirty="0"/>
+          </a:p>
+        </p:txBody>
+      </p:sp>
+      <p:sp>
+        <p:nvSpPr>
+          <p:cNvPr id="15" name="Rectangle 14">
+            <a:extLst>
+              <a:ext uri="{FF2B5EF4-FFF2-40B4-BE49-F238E27FC236}">
+                <a16:creationId xmlns:a16="http://schemas.microsoft.com/office/drawing/2014/main" id="{8112FA9A-2689-1CA4-BFFD-9842CEA6ABF3}"/>
+              </a:ext>
+            </a:extLst>
+          </p:cNvPr>
+          <p:cNvSpPr/>
+          <p:nvPr/>
+        </p:nvSpPr>
+        <p:spPr>
+          <a:xfrm>
+            <a:off x="10874341" y="3096739"/>
+            <a:ext cx="722217" cy="1570392"/>
+          </a:xfrm>
+          <a:prstGeom prst="rect">
+            <a:avLst/>
+          </a:prstGeom>
+          <a:solidFill>
+            <a:schemeClr val="accent5">
+              <a:lumMod val="20000"/>
+              <a:lumOff val="80000"/>
+              <a:alpha val="25000"/>
+            </a:schemeClr>
+          </a:solidFill>
+          <a:ln>
+            <a:noFill/>
+          </a:ln>
+        </p:spPr>
+        <p:style>
+          <a:lnRef idx="2">
+            <a:schemeClr val="accent1">
+              <a:shade val="50000"/>
+            </a:schemeClr>
+          </a:lnRef>
+          <a:fillRef idx="1">
+            <a:schemeClr val="accent1"/>
+          </a:fillRef>
+          <a:effectRef idx="0">
+            <a:schemeClr val="accent1"/>
+          </a:effectRef>
+          <a:fontRef idx="minor">
+            <a:schemeClr val="lt1"/>
+          </a:fontRef>
+        </p:style>
+        <p:txBody>
+          <a:bodyPr rtlCol="0" anchor="ctr"/>
+          <a:lstStyle/>
+          <a:p>
+            <a:pPr algn="ctr"/>
+            <a:endParaRPr lang="en-US" dirty="0"/>
+          </a:p>
+        </p:txBody>
+      </p:sp>
+      <p:sp>
+        <p:nvSpPr>
+          <p:cNvPr id="16" name="Rectangle 15">
+            <a:extLst>
+              <a:ext uri="{FF2B5EF4-FFF2-40B4-BE49-F238E27FC236}">
+                <a16:creationId xmlns:a16="http://schemas.microsoft.com/office/drawing/2014/main" id="{AEF52E08-6A0E-A7CA-4349-2597827CA0ED}"/>
+              </a:ext>
+            </a:extLst>
+          </p:cNvPr>
+          <p:cNvSpPr/>
+          <p:nvPr/>
+        </p:nvSpPr>
+        <p:spPr>
+          <a:xfrm>
+            <a:off x="4342258" y="3329154"/>
+            <a:ext cx="6555940" cy="222120"/>
+          </a:xfrm>
+          <a:prstGeom prst="rect">
+            <a:avLst/>
+          </a:prstGeom>
           <a:solidFill>
             <a:schemeClr val="tx2">
               <a:lumMod val="10000"/>
@@ -10035,413 +10153,256 @@
               <a:alpha val="25000"/>
             </a:schemeClr>
           </a:solidFill>
-        </p:grpSpPr>
-        <p:sp>
-          <p:nvSpPr>
-            <p:cNvPr id="7" name="Rectangle 6">
-              <a:extLst>
-                <a:ext uri="{FF2B5EF4-FFF2-40B4-BE49-F238E27FC236}">
-                  <a16:creationId xmlns:a16="http://schemas.microsoft.com/office/drawing/2014/main" id="{5DA8203F-6B70-0C1A-C7FE-A26B8D68ECB5}"/>
-                </a:ext>
-              </a:extLst>
-            </p:cNvPr>
-            <p:cNvSpPr/>
-            <p:nvPr/>
-          </p:nvSpPr>
-          <p:spPr>
-            <a:xfrm>
-              <a:off x="4496499" y="3123159"/>
-              <a:ext cx="6555940" cy="418454"/>
-            </a:xfrm>
-            <a:prstGeom prst="rect">
-              <a:avLst/>
-            </a:prstGeom>
-            <a:grpFill/>
-            <a:ln>
-              <a:noFill/>
-            </a:ln>
-          </p:spPr>
-          <p:style>
-            <a:lnRef idx="2">
-              <a:schemeClr val="accent1">
-                <a:shade val="50000"/>
-              </a:schemeClr>
-            </a:lnRef>
-            <a:fillRef idx="1">
-              <a:schemeClr val="accent1"/>
-            </a:fillRef>
-            <a:effectRef idx="0">
-              <a:schemeClr val="accent1"/>
-            </a:effectRef>
-            <a:fontRef idx="minor">
-              <a:schemeClr val="lt1"/>
-            </a:fontRef>
-          </p:style>
-          <p:txBody>
-            <a:bodyPr rtlCol="0" anchor="ctr"/>
-            <a:lstStyle/>
-            <a:p>
-              <a:pPr algn="ctr"/>
-              <a:endParaRPr lang="en-US" dirty="0"/>
-            </a:p>
-          </p:txBody>
-        </p:sp>
-        <p:sp>
-          <p:nvSpPr>
-            <p:cNvPr id="2" name="Rectangle 1">
-              <a:extLst>
-                <a:ext uri="{FF2B5EF4-FFF2-40B4-BE49-F238E27FC236}">
-                  <a16:creationId xmlns:a16="http://schemas.microsoft.com/office/drawing/2014/main" id="{769F1355-CD01-E569-EC24-37CD934A3091}"/>
-                </a:ext>
-              </a:extLst>
-            </p:cNvPr>
-            <p:cNvSpPr/>
-            <p:nvPr/>
-          </p:nvSpPr>
-          <p:spPr>
-            <a:xfrm>
-              <a:off x="4496498" y="4000956"/>
-              <a:ext cx="6555941" cy="418454"/>
-            </a:xfrm>
-            <a:prstGeom prst="rect">
-              <a:avLst/>
-            </a:prstGeom>
-            <a:grpFill/>
-            <a:ln>
-              <a:noFill/>
-            </a:ln>
-          </p:spPr>
-          <p:style>
-            <a:lnRef idx="2">
-              <a:schemeClr val="accent1">
-                <a:shade val="50000"/>
-              </a:schemeClr>
-            </a:lnRef>
-            <a:fillRef idx="1">
-              <a:schemeClr val="accent1"/>
-            </a:fillRef>
-            <a:effectRef idx="0">
-              <a:schemeClr val="accent1"/>
-            </a:effectRef>
-            <a:fontRef idx="minor">
-              <a:schemeClr val="lt1"/>
-            </a:fontRef>
-          </p:style>
-          <p:txBody>
-            <a:bodyPr rtlCol="0" anchor="ctr"/>
-            <a:lstStyle/>
-            <a:p>
-              <a:pPr algn="ctr"/>
-              <a:endParaRPr lang="en-US" dirty="0"/>
-            </a:p>
-          </p:txBody>
-        </p:sp>
-        <p:sp>
-          <p:nvSpPr>
-            <p:cNvPr id="3" name="Rectangle 2">
-              <a:extLst>
-                <a:ext uri="{FF2B5EF4-FFF2-40B4-BE49-F238E27FC236}">
-                  <a16:creationId xmlns:a16="http://schemas.microsoft.com/office/drawing/2014/main" id="{0FA91F67-C88F-56FA-8A61-D599F8F42C35}"/>
-                </a:ext>
-              </a:extLst>
-            </p:cNvPr>
-            <p:cNvSpPr/>
-            <p:nvPr/>
-          </p:nvSpPr>
-          <p:spPr>
-            <a:xfrm>
-              <a:off x="3774282" y="3123158"/>
-              <a:ext cx="722217" cy="1296251"/>
-            </a:xfrm>
-            <a:prstGeom prst="rect">
-              <a:avLst/>
-            </a:prstGeom>
-            <a:grpFill/>
-            <a:ln>
-              <a:noFill/>
-            </a:ln>
-          </p:spPr>
-          <p:style>
-            <a:lnRef idx="2">
-              <a:schemeClr val="accent1">
-                <a:shade val="50000"/>
-              </a:schemeClr>
-            </a:lnRef>
-            <a:fillRef idx="1">
-              <a:schemeClr val="accent1"/>
-            </a:fillRef>
-            <a:effectRef idx="0">
-              <a:schemeClr val="accent1"/>
-            </a:effectRef>
-            <a:fontRef idx="minor">
-              <a:schemeClr val="lt1"/>
-            </a:fontRef>
-          </p:style>
-          <p:txBody>
-            <a:bodyPr rtlCol="0" anchor="ctr"/>
-            <a:lstStyle/>
-            <a:p>
-              <a:pPr algn="ctr"/>
-              <a:endParaRPr lang="en-US" dirty="0"/>
-            </a:p>
-          </p:txBody>
-        </p:sp>
-      </p:grpSp>
-      <p:grpSp>
-        <p:nvGrpSpPr>
-          <p:cNvPr id="21" name="Group 20">
-            <a:extLst>
-              <a:ext uri="{FF2B5EF4-FFF2-40B4-BE49-F238E27FC236}">
-                <a16:creationId xmlns:a16="http://schemas.microsoft.com/office/drawing/2014/main" id="{70030ED8-703C-E8DC-4C35-965522B4CB66}"/>
-              </a:ext>
-            </a:extLst>
-          </p:cNvPr>
-          <p:cNvGrpSpPr/>
+          <a:ln>
+            <a:noFill/>
+          </a:ln>
+        </p:spPr>
+        <p:style>
+          <a:lnRef idx="2">
+            <a:schemeClr val="accent1">
+              <a:shade val="50000"/>
+            </a:schemeClr>
+          </a:lnRef>
+          <a:fillRef idx="1">
+            <a:schemeClr val="accent1"/>
+          </a:fillRef>
+          <a:effectRef idx="0">
+            <a:schemeClr val="accent1"/>
+          </a:effectRef>
+          <a:fontRef idx="minor">
+            <a:schemeClr val="lt1"/>
+          </a:fontRef>
+        </p:style>
+        <p:txBody>
+          <a:bodyPr rtlCol="0" anchor="ctr"/>
+          <a:lstStyle/>
+          <a:p>
+            <a:pPr algn="ctr"/>
+            <a:endParaRPr lang="en-US" dirty="0"/>
+          </a:p>
+        </p:txBody>
+      </p:sp>
+      <p:sp>
+        <p:nvSpPr>
+          <p:cNvPr id="18" name="Rectangle 17">
+            <a:extLst>
+              <a:ext uri="{FF2B5EF4-FFF2-40B4-BE49-F238E27FC236}">
+                <a16:creationId xmlns:a16="http://schemas.microsoft.com/office/drawing/2014/main" id="{98451640-D26F-6D98-A02A-A23CDA072F8E}"/>
+              </a:ext>
+            </a:extLst>
+          </p:cNvPr>
+          <p:cNvSpPr/>
           <p:nvPr/>
-        </p:nvGrpSpPr>
-        <p:grpSpPr>
+        </p:nvSpPr>
+        <p:spPr>
           <a:xfrm>
-            <a:off x="4496499" y="3541613"/>
-            <a:ext cx="7278156" cy="1284739"/>
-            <a:chOff x="4496499" y="3541613"/>
-            <a:chExt cx="7278156" cy="1284739"/>
-          </a:xfrm>
-          <a:solidFill>
-            <a:schemeClr val="accent5">
-              <a:lumMod val="20000"/>
-              <a:lumOff val="80000"/>
-              <a:alpha val="25000"/>
-            </a:schemeClr>
-          </a:solidFill>
-        </p:grpSpPr>
-        <p:sp>
-          <p:nvSpPr>
-            <p:cNvPr id="17" name="Rectangle 16">
-              <a:extLst>
-                <a:ext uri="{FF2B5EF4-FFF2-40B4-BE49-F238E27FC236}">
-                  <a16:creationId xmlns:a16="http://schemas.microsoft.com/office/drawing/2014/main" id="{2F4C0738-0586-D8BF-EDFC-4FBD7EFE5539}"/>
-                </a:ext>
-              </a:extLst>
-            </p:cNvPr>
-            <p:cNvSpPr/>
-            <p:nvPr/>
-          </p:nvSpPr>
-          <p:spPr>
-            <a:xfrm>
-              <a:off x="4511488" y="4407898"/>
-              <a:ext cx="6555940" cy="418454"/>
-            </a:xfrm>
-            <a:prstGeom prst="rect">
-              <a:avLst/>
-            </a:prstGeom>
-            <a:grpFill/>
-            <a:ln>
-              <a:noFill/>
-            </a:ln>
-          </p:spPr>
-          <p:style>
-            <a:lnRef idx="2">
-              <a:schemeClr val="accent1">
-                <a:shade val="50000"/>
-              </a:schemeClr>
-            </a:lnRef>
-            <a:fillRef idx="1">
-              <a:schemeClr val="accent1"/>
-            </a:fillRef>
-            <a:effectRef idx="0">
-              <a:schemeClr val="accent1"/>
-            </a:effectRef>
-            <a:fontRef idx="minor">
-              <a:schemeClr val="lt1"/>
-            </a:fontRef>
-          </p:style>
-          <p:txBody>
-            <a:bodyPr rtlCol="0" anchor="ctr"/>
-            <a:lstStyle/>
-            <a:p>
-              <a:pPr algn="ctr"/>
-              <a:endParaRPr lang="en-US" dirty="0"/>
-            </a:p>
-          </p:txBody>
-        </p:sp>
-        <p:sp>
-          <p:nvSpPr>
-            <p:cNvPr id="19" name="Rectangle 18">
-              <a:extLst>
-                <a:ext uri="{FF2B5EF4-FFF2-40B4-BE49-F238E27FC236}">
-                  <a16:creationId xmlns:a16="http://schemas.microsoft.com/office/drawing/2014/main" id="{8D6CA30D-A36D-FDFA-05A6-57368EE5750A}"/>
-                </a:ext>
-              </a:extLst>
-            </p:cNvPr>
-            <p:cNvSpPr/>
-            <p:nvPr/>
-          </p:nvSpPr>
-          <p:spPr>
-            <a:xfrm>
-              <a:off x="4496499" y="3556932"/>
-              <a:ext cx="6555941" cy="431130"/>
-            </a:xfrm>
-            <a:prstGeom prst="rect">
-              <a:avLst/>
-            </a:prstGeom>
-            <a:grpFill/>
-            <a:ln>
-              <a:noFill/>
-            </a:ln>
-          </p:spPr>
-          <p:style>
-            <a:lnRef idx="2">
-              <a:schemeClr val="accent1">
-                <a:shade val="50000"/>
-              </a:schemeClr>
-            </a:lnRef>
-            <a:fillRef idx="1">
-              <a:schemeClr val="accent1"/>
-            </a:fillRef>
-            <a:effectRef idx="0">
-              <a:schemeClr val="accent1"/>
-            </a:effectRef>
-            <a:fontRef idx="minor">
-              <a:schemeClr val="lt1"/>
-            </a:fontRef>
-          </p:style>
-          <p:txBody>
-            <a:bodyPr rtlCol="0" anchor="ctr"/>
-            <a:lstStyle/>
-            <a:p>
-              <a:pPr algn="ctr"/>
-              <a:endParaRPr lang="en-US" dirty="0"/>
-            </a:p>
-          </p:txBody>
-        </p:sp>
-        <p:sp>
-          <p:nvSpPr>
-            <p:cNvPr id="20" name="Rectangle 19">
-              <a:extLst>
-                <a:ext uri="{FF2B5EF4-FFF2-40B4-BE49-F238E27FC236}">
-                  <a16:creationId xmlns:a16="http://schemas.microsoft.com/office/drawing/2014/main" id="{2FA1F16F-C433-12FA-DB6D-39D328F6DF59}"/>
-                </a:ext>
-              </a:extLst>
-            </p:cNvPr>
-            <p:cNvSpPr/>
-            <p:nvPr/>
-          </p:nvSpPr>
-          <p:spPr>
-            <a:xfrm>
-              <a:off x="11052438" y="3541613"/>
-              <a:ext cx="722217" cy="1273321"/>
-            </a:xfrm>
-            <a:prstGeom prst="rect">
-              <a:avLst/>
-            </a:prstGeom>
-            <a:grpFill/>
-            <a:ln>
-              <a:noFill/>
-            </a:ln>
-          </p:spPr>
-          <p:style>
-            <a:lnRef idx="2">
-              <a:schemeClr val="accent1">
-                <a:shade val="50000"/>
-              </a:schemeClr>
-            </a:lnRef>
-            <a:fillRef idx="1">
-              <a:schemeClr val="accent1"/>
-            </a:fillRef>
-            <a:effectRef idx="0">
-              <a:schemeClr val="accent1"/>
-            </a:effectRef>
-            <a:fontRef idx="minor">
-              <a:schemeClr val="lt1"/>
-            </a:fontRef>
-          </p:style>
-          <p:txBody>
-            <a:bodyPr rtlCol="0" anchor="ctr"/>
-            <a:lstStyle/>
-            <a:p>
-              <a:pPr algn="ctr"/>
-              <a:endParaRPr lang="en-US" dirty="0"/>
-            </a:p>
-          </p:txBody>
-        </p:sp>
-      </p:grpSp>
-      <p:sp>
-        <p:nvSpPr>
-          <p:cNvPr id="22" name="TextBox 21">
-            <a:extLst>
-              <a:ext uri="{FF2B5EF4-FFF2-40B4-BE49-F238E27FC236}">
-                <a16:creationId xmlns:a16="http://schemas.microsoft.com/office/drawing/2014/main" id="{7AD3DFEA-FFA1-1463-C56D-BF62FE6FF535}"/>
-              </a:ext>
-            </a:extLst>
-          </p:cNvPr>
-          <p:cNvSpPr txBox="1"/>
-          <p:nvPr/>
-        </p:nvSpPr>
-        <p:spPr>
-          <a:xfrm rot="5400000">
-            <a:off x="10664516" y="4023755"/>
-            <a:ext cx="1528041" cy="307777"/>
+            <a:off x="4332493" y="3792300"/>
+            <a:ext cx="6555940" cy="222120"/>
           </a:xfrm>
           <a:prstGeom prst="rect">
             <a:avLst/>
           </a:prstGeom>
-          <a:noFill/>
+          <a:solidFill>
+            <a:schemeClr val="tx2">
+              <a:lumMod val="10000"/>
+              <a:lumOff val="90000"/>
+              <a:alpha val="25000"/>
+            </a:schemeClr>
+          </a:solidFill>
+          <a:ln>
+            <a:noFill/>
+          </a:ln>
         </p:spPr>
-        <p:txBody>
-          <a:bodyPr wrap="square" rtlCol="0">
-            <a:spAutoFit/>
-          </a:bodyPr>
+        <p:style>
+          <a:lnRef idx="2">
+            <a:schemeClr val="accent1">
+              <a:shade val="50000"/>
+            </a:schemeClr>
+          </a:lnRef>
+          <a:fillRef idx="1">
+            <a:schemeClr val="accent1"/>
+          </a:fillRef>
+          <a:effectRef idx="0">
+            <a:schemeClr val="accent1"/>
+          </a:effectRef>
+          <a:fontRef idx="minor">
+            <a:schemeClr val="lt1"/>
+          </a:fontRef>
+        </p:style>
+        <p:txBody>
+          <a:bodyPr rtlCol="0" anchor="ctr"/>
           <a:lstStyle/>
           <a:p>
             <a:pPr algn="ctr"/>
-            <a:r>
-              <a:rPr lang="en-US" sz="1400" dirty="0">
-                <a:solidFill>
-                  <a:schemeClr val="accent4"/>
-                </a:solidFill>
-              </a:rPr>
-              <a:t>Path</a:t>
-            </a:r>
-          </a:p>
-        </p:txBody>
-      </p:sp>
-      <p:sp>
-        <p:nvSpPr>
-          <p:cNvPr id="23" name="TextBox 22">
-            <a:extLst>
-              <a:ext uri="{FF2B5EF4-FFF2-40B4-BE49-F238E27FC236}">
-                <a16:creationId xmlns:a16="http://schemas.microsoft.com/office/drawing/2014/main" id="{ABED3E84-7D17-6A0A-506F-E15DED6FC6C4}"/>
-              </a:ext>
-            </a:extLst>
-          </p:cNvPr>
-          <p:cNvSpPr txBox="1"/>
+            <a:endParaRPr lang="en-US" dirty="0"/>
+          </a:p>
+        </p:txBody>
+      </p:sp>
+      <p:sp>
+        <p:nvSpPr>
+          <p:cNvPr id="24" name="Rectangle 23">
+            <a:extLst>
+              <a:ext uri="{FF2B5EF4-FFF2-40B4-BE49-F238E27FC236}">
+                <a16:creationId xmlns:a16="http://schemas.microsoft.com/office/drawing/2014/main" id="{1343655D-0AB9-39E8-52AF-7E3A659FF6DE}"/>
+              </a:ext>
+            </a:extLst>
+          </p:cNvPr>
+          <p:cNvSpPr/>
           <p:nvPr/>
         </p:nvSpPr>
         <p:spPr>
-          <a:xfrm rot="16200000">
-            <a:off x="3401349" y="3509673"/>
-            <a:ext cx="1528041" cy="523220"/>
+          <a:xfrm>
+            <a:off x="4311404" y="4220476"/>
+            <a:ext cx="6555940" cy="222120"/>
           </a:xfrm>
           <a:prstGeom prst="rect">
             <a:avLst/>
           </a:prstGeom>
-          <a:noFill/>
+          <a:solidFill>
+            <a:schemeClr val="tx2">
+              <a:lumMod val="10000"/>
+              <a:lumOff val="90000"/>
+              <a:alpha val="25000"/>
+            </a:schemeClr>
+          </a:solidFill>
+          <a:ln>
+            <a:noFill/>
+          </a:ln>
         </p:spPr>
-        <p:txBody>
-          <a:bodyPr wrap="square" rtlCol="0">
-            <a:spAutoFit/>
-          </a:bodyPr>
+        <p:style>
+          <a:lnRef idx="2">
+            <a:schemeClr val="accent1">
+              <a:shade val="50000"/>
+            </a:schemeClr>
+          </a:lnRef>
+          <a:fillRef idx="1">
+            <a:schemeClr val="accent1"/>
+          </a:fillRef>
+          <a:effectRef idx="0">
+            <a:schemeClr val="accent1"/>
+          </a:effectRef>
+          <a:fontRef idx="minor">
+            <a:schemeClr val="lt1"/>
+          </a:fontRef>
+        </p:style>
+        <p:txBody>
+          <a:bodyPr rtlCol="0" anchor="ctr"/>
           <a:lstStyle/>
           <a:p>
             <a:pPr algn="ctr"/>
-            <a:r>
-              <a:rPr lang="en-US" sz="1400" dirty="0">
-                <a:solidFill>
-                  <a:schemeClr val="accent1"/>
-                </a:solidFill>
-              </a:rPr>
-              <a:t>Path, Person, Location</a:t>
-            </a:r>
+            <a:endParaRPr lang="en-US" dirty="0"/>
+          </a:p>
+        </p:txBody>
+      </p:sp>
+      <p:sp>
+        <p:nvSpPr>
+          <p:cNvPr id="25" name="Rectangle 24">
+            <a:extLst>
+              <a:ext uri="{FF2B5EF4-FFF2-40B4-BE49-F238E27FC236}">
+                <a16:creationId xmlns:a16="http://schemas.microsoft.com/office/drawing/2014/main" id="{8F814537-2E7A-F16D-91BB-5DDA12994C35}"/>
+              </a:ext>
+            </a:extLst>
+          </p:cNvPr>
+          <p:cNvSpPr/>
+          <p:nvPr/>
+        </p:nvSpPr>
+        <p:spPr>
+          <a:xfrm>
+            <a:off x="4318709" y="4664533"/>
+            <a:ext cx="6555940" cy="222120"/>
+          </a:xfrm>
+          <a:prstGeom prst="rect">
+            <a:avLst/>
+          </a:prstGeom>
+          <a:solidFill>
+            <a:schemeClr val="tx2">
+              <a:lumMod val="10000"/>
+              <a:lumOff val="90000"/>
+              <a:alpha val="25000"/>
+            </a:schemeClr>
+          </a:solidFill>
+          <a:ln>
+            <a:noFill/>
+          </a:ln>
+        </p:spPr>
+        <p:style>
+          <a:lnRef idx="2">
+            <a:schemeClr val="accent1">
+              <a:shade val="50000"/>
+            </a:schemeClr>
+          </a:lnRef>
+          <a:fillRef idx="1">
+            <a:schemeClr val="accent1"/>
+          </a:fillRef>
+          <a:effectRef idx="0">
+            <a:schemeClr val="accent1"/>
+          </a:effectRef>
+          <a:fontRef idx="minor">
+            <a:schemeClr val="lt1"/>
+          </a:fontRef>
+        </p:style>
+        <p:txBody>
+          <a:bodyPr rtlCol="0" anchor="ctr"/>
+          <a:lstStyle/>
+          <a:p>
+            <a:pPr algn="ctr"/>
+            <a:endParaRPr lang="en-US" dirty="0"/>
+          </a:p>
+        </p:txBody>
+      </p:sp>
+      <p:sp>
+        <p:nvSpPr>
+          <p:cNvPr id="27" name="Rectangle 26">
+            <a:extLst>
+              <a:ext uri="{FF2B5EF4-FFF2-40B4-BE49-F238E27FC236}">
+                <a16:creationId xmlns:a16="http://schemas.microsoft.com/office/drawing/2014/main" id="{0599A38E-5DF5-85DE-9A83-084E843A635C}"/>
+              </a:ext>
+            </a:extLst>
+          </p:cNvPr>
+          <p:cNvSpPr/>
+          <p:nvPr/>
+        </p:nvSpPr>
+        <p:spPr>
+          <a:xfrm>
+            <a:off x="3627864" y="3329154"/>
+            <a:ext cx="722217" cy="1557499"/>
+          </a:xfrm>
+          <a:prstGeom prst="rect">
+            <a:avLst/>
+          </a:prstGeom>
+          <a:solidFill>
+            <a:schemeClr val="tx2">
+              <a:lumMod val="10000"/>
+              <a:lumOff val="90000"/>
+              <a:alpha val="25000"/>
+            </a:schemeClr>
+          </a:solidFill>
+          <a:ln>
+            <a:noFill/>
+          </a:ln>
+        </p:spPr>
+        <p:style>
+          <a:lnRef idx="2">
+            <a:schemeClr val="accent1">
+              <a:shade val="50000"/>
+            </a:schemeClr>
+          </a:lnRef>
+          <a:fillRef idx="1">
+            <a:schemeClr val="accent1"/>
+          </a:fillRef>
+          <a:effectRef idx="0">
+            <a:schemeClr val="accent1"/>
+          </a:effectRef>
+          <a:fontRef idx="minor">
+            <a:schemeClr val="lt1"/>
+          </a:fontRef>
+        </p:style>
+        <p:txBody>
+          <a:bodyPr rtlCol="0" anchor="ctr"/>
+          <a:lstStyle/>
+          <a:p>
+            <a:pPr algn="ctr"/>
+            <a:endParaRPr lang="en-US" dirty="0"/>
           </a:p>
         </p:txBody>
       </p:sp>
@@ -10503,12 +10464,574 @@
           </a:p>
         </p:txBody>
       </p:sp>
+      <p:sp>
+        <p:nvSpPr>
+          <p:cNvPr id="8" name="Text Placeholder 3">
+            <a:extLst>
+              <a:ext uri="{FF2B5EF4-FFF2-40B4-BE49-F238E27FC236}">
+                <a16:creationId xmlns:a16="http://schemas.microsoft.com/office/drawing/2014/main" id="{5460191F-1090-321C-A337-A8A61B5D196D}"/>
+              </a:ext>
+            </a:extLst>
+          </p:cNvPr>
+          <p:cNvSpPr txBox="1">
+            <a:spLocks/>
+          </p:cNvSpPr>
+          <p:nvPr/>
+        </p:nvSpPr>
+        <p:spPr>
+          <a:xfrm>
+            <a:off x="188709" y="1536902"/>
+            <a:ext cx="3888341" cy="1108848"/>
+          </a:xfrm>
+          <a:prstGeom prst="rect">
+            <a:avLst/>
+          </a:prstGeom>
+        </p:spPr>
+        <p:txBody>
+          <a:bodyPr vert="horz" lIns="91440" tIns="45720" rIns="91440" bIns="45720" rtlCol="0" anchor="ctr">
+            <a:normAutofit/>
+          </a:bodyPr>
+          <a:lstStyle>
+            <a:lvl1pPr marL="0" indent="0" algn="l" defTabSz="914400" rtl="0" eaLnBrk="1" latinLnBrk="0" hangingPunct="1">
+              <a:lnSpc>
+                <a:spcPct val="90000"/>
+              </a:lnSpc>
+              <a:spcBef>
+                <a:spcPts val="1000"/>
+              </a:spcBef>
+              <a:buFont typeface="Arial" panose="020B0604020202020204" pitchFamily="34" charset="0"/>
+              <a:buNone/>
+              <a:defRPr sz="2400" b="1" i="0" kern="1200">
+                <a:solidFill>
+                  <a:srgbClr val="0062B8"/>
+                </a:solidFill>
+                <a:latin typeface="Rockwell" panose="02060603020205020403" pitchFamily="18" charset="77"/>
+                <a:ea typeface="Open Sans" panose="020B0606030504020204" pitchFamily="34" charset="0"/>
+                <a:cs typeface="Open Sans" panose="020B0606030504020204" pitchFamily="34" charset="0"/>
+              </a:defRPr>
+            </a:lvl1pPr>
+            <a:lvl2pPr marL="457200" indent="0" algn="l" defTabSz="914400" rtl="0" eaLnBrk="1" latinLnBrk="0" hangingPunct="1">
+              <a:lnSpc>
+                <a:spcPct val="90000"/>
+              </a:lnSpc>
+              <a:spcBef>
+                <a:spcPts val="500"/>
+              </a:spcBef>
+              <a:buFont typeface="Arial" panose="020B0604020202020204" pitchFamily="34" charset="0"/>
+              <a:buNone/>
+              <a:defRPr sz="2000" b="1" i="0" kern="1200">
+                <a:solidFill>
+                  <a:srgbClr val="59595C"/>
+                </a:solidFill>
+                <a:latin typeface="Helvetica" pitchFamily="2" charset="0"/>
+                <a:ea typeface="Open Sans" panose="020B0606030504020204" pitchFamily="34" charset="0"/>
+                <a:cs typeface="Open Sans" panose="020B0606030504020204" pitchFamily="34" charset="0"/>
+              </a:defRPr>
+            </a:lvl2pPr>
+            <a:lvl3pPr marL="914400" indent="0" algn="l" defTabSz="914400" rtl="0" eaLnBrk="1" latinLnBrk="0" hangingPunct="1">
+              <a:lnSpc>
+                <a:spcPct val="90000"/>
+              </a:lnSpc>
+              <a:spcBef>
+                <a:spcPts val="500"/>
+              </a:spcBef>
+              <a:buFont typeface="Arial" panose="020B0604020202020204" pitchFamily="34" charset="0"/>
+              <a:buNone/>
+              <a:defRPr sz="1800" b="1" i="0" kern="1200">
+                <a:solidFill>
+                  <a:srgbClr val="59595C"/>
+                </a:solidFill>
+                <a:latin typeface="Helvetica" pitchFamily="2" charset="0"/>
+                <a:ea typeface="Open Sans" panose="020B0606030504020204" pitchFamily="34" charset="0"/>
+                <a:cs typeface="Open Sans" panose="020B0606030504020204" pitchFamily="34" charset="0"/>
+              </a:defRPr>
+            </a:lvl3pPr>
+            <a:lvl4pPr marL="1371600" indent="0" algn="l" defTabSz="914400" rtl="0" eaLnBrk="1" latinLnBrk="0" hangingPunct="1">
+              <a:lnSpc>
+                <a:spcPct val="90000"/>
+              </a:lnSpc>
+              <a:spcBef>
+                <a:spcPts val="500"/>
+              </a:spcBef>
+              <a:buFont typeface="Arial" panose="020B0604020202020204" pitchFamily="34" charset="0"/>
+              <a:buNone/>
+              <a:defRPr sz="1600" b="1" i="0" kern="1200">
+                <a:solidFill>
+                  <a:srgbClr val="59595C"/>
+                </a:solidFill>
+                <a:latin typeface="Helvetica" pitchFamily="2" charset="0"/>
+                <a:ea typeface="Open Sans" panose="020B0606030504020204" pitchFamily="34" charset="0"/>
+                <a:cs typeface="Open Sans" panose="020B0606030504020204" pitchFamily="34" charset="0"/>
+              </a:defRPr>
+            </a:lvl4pPr>
+            <a:lvl5pPr marL="1828800" indent="0" algn="l" defTabSz="914400" rtl="0" eaLnBrk="1" latinLnBrk="0" hangingPunct="1">
+              <a:lnSpc>
+                <a:spcPct val="90000"/>
+              </a:lnSpc>
+              <a:spcBef>
+                <a:spcPts val="500"/>
+              </a:spcBef>
+              <a:buFont typeface="Arial" panose="020B0604020202020204" pitchFamily="34" charset="0"/>
+              <a:buNone/>
+              <a:defRPr sz="1600" b="1" i="0" kern="1200">
+                <a:solidFill>
+                  <a:srgbClr val="59595C"/>
+                </a:solidFill>
+                <a:latin typeface="Helvetica" pitchFamily="2" charset="0"/>
+                <a:ea typeface="Open Sans" panose="020B0606030504020204" pitchFamily="34" charset="0"/>
+                <a:cs typeface="Open Sans" panose="020B0606030504020204" pitchFamily="34" charset="0"/>
+              </a:defRPr>
+            </a:lvl5pPr>
+            <a:lvl6pPr marL="2286000" indent="0" algn="l" defTabSz="914400" rtl="0" eaLnBrk="1" latinLnBrk="0" hangingPunct="1">
+              <a:lnSpc>
+                <a:spcPct val="90000"/>
+              </a:lnSpc>
+              <a:spcBef>
+                <a:spcPts val="500"/>
+              </a:spcBef>
+              <a:buFont typeface="Arial" panose="020B0604020202020204" pitchFamily="34" charset="0"/>
+              <a:buNone/>
+              <a:defRPr sz="1600" b="1" kern="1200">
+                <a:solidFill>
+                  <a:schemeClr val="tx1"/>
+                </a:solidFill>
+                <a:latin typeface="+mn-lt"/>
+                <a:ea typeface="+mn-ea"/>
+                <a:cs typeface="+mn-cs"/>
+              </a:defRPr>
+            </a:lvl6pPr>
+            <a:lvl7pPr marL="2743200" indent="0" algn="l" defTabSz="914400" rtl="0" eaLnBrk="1" latinLnBrk="0" hangingPunct="1">
+              <a:lnSpc>
+                <a:spcPct val="90000"/>
+              </a:lnSpc>
+              <a:spcBef>
+                <a:spcPts val="500"/>
+              </a:spcBef>
+              <a:buFont typeface="Arial" panose="020B0604020202020204" pitchFamily="34" charset="0"/>
+              <a:buNone/>
+              <a:defRPr sz="1600" b="1" kern="1200">
+                <a:solidFill>
+                  <a:schemeClr val="tx1"/>
+                </a:solidFill>
+                <a:latin typeface="+mn-lt"/>
+                <a:ea typeface="+mn-ea"/>
+                <a:cs typeface="+mn-cs"/>
+              </a:defRPr>
+            </a:lvl7pPr>
+            <a:lvl8pPr marL="3200400" indent="0" algn="l" defTabSz="914400" rtl="0" eaLnBrk="1" latinLnBrk="0" hangingPunct="1">
+              <a:lnSpc>
+                <a:spcPct val="90000"/>
+              </a:lnSpc>
+              <a:spcBef>
+                <a:spcPts val="500"/>
+              </a:spcBef>
+              <a:buFont typeface="Arial" panose="020B0604020202020204" pitchFamily="34" charset="0"/>
+              <a:buNone/>
+              <a:defRPr sz="1600" b="1" kern="1200">
+                <a:solidFill>
+                  <a:schemeClr val="tx1"/>
+                </a:solidFill>
+                <a:latin typeface="+mn-lt"/>
+                <a:ea typeface="+mn-ea"/>
+                <a:cs typeface="+mn-cs"/>
+              </a:defRPr>
+            </a:lvl8pPr>
+            <a:lvl9pPr marL="3657600" indent="0" algn="l" defTabSz="914400" rtl="0" eaLnBrk="1" latinLnBrk="0" hangingPunct="1">
+              <a:lnSpc>
+                <a:spcPct val="90000"/>
+              </a:lnSpc>
+              <a:spcBef>
+                <a:spcPts val="500"/>
+              </a:spcBef>
+              <a:buFont typeface="Arial" panose="020B0604020202020204" pitchFamily="34" charset="0"/>
+              <a:buNone/>
+              <a:defRPr sz="1600" b="1" kern="1200">
+                <a:solidFill>
+                  <a:schemeClr val="tx1"/>
+                </a:solidFill>
+                <a:latin typeface="+mn-lt"/>
+                <a:ea typeface="+mn-ea"/>
+                <a:cs typeface="+mn-cs"/>
+              </a:defRPr>
+            </a:lvl9pPr>
+          </a:lstStyle>
+          <a:p>
+            <a:pPr algn="ctr"/>
+            <a:r>
+              <a:rPr lang="en-US" dirty="0"/>
+              <a:t>Wait Time Violin Plots</a:t>
+            </a:r>
+          </a:p>
+        </p:txBody>
+      </p:sp>
+      <p:sp>
+        <p:nvSpPr>
+          <p:cNvPr id="9" name="Content Placeholder 4">
+            <a:extLst>
+              <a:ext uri="{FF2B5EF4-FFF2-40B4-BE49-F238E27FC236}">
+                <a16:creationId xmlns:a16="http://schemas.microsoft.com/office/drawing/2014/main" id="{1102EB56-F58A-5B24-1FF1-7AAC946EFF73}"/>
+              </a:ext>
+            </a:extLst>
+          </p:cNvPr>
+          <p:cNvSpPr txBox="1">
+            <a:spLocks/>
+          </p:cNvSpPr>
+          <p:nvPr/>
+        </p:nvSpPr>
+        <p:spPr>
+          <a:xfrm>
+            <a:off x="453381" y="2483169"/>
+            <a:ext cx="3358995" cy="3219202"/>
+          </a:xfrm>
+          <a:prstGeom prst="rect">
+            <a:avLst/>
+          </a:prstGeom>
+        </p:spPr>
+        <p:txBody>
+          <a:bodyPr vert="horz" lIns="91440" tIns="45720" rIns="91440" bIns="45720" rtlCol="0">
+            <a:normAutofit fontScale="92500" lnSpcReduction="10000"/>
+          </a:bodyPr>
+          <a:lstStyle>
+            <a:lvl1pPr marL="0" indent="0" algn="l" defTabSz="914400" rtl="0" eaLnBrk="1" latinLnBrk="0" hangingPunct="1">
+              <a:lnSpc>
+                <a:spcPct val="90000"/>
+              </a:lnSpc>
+              <a:spcBef>
+                <a:spcPts val="1000"/>
+              </a:spcBef>
+              <a:buFont typeface="Arial" panose="020B0604020202020204" pitchFamily="34" charset="0"/>
+              <a:buNone/>
+              <a:defRPr sz="1600" b="0" i="0" kern="1200">
+                <a:solidFill>
+                  <a:srgbClr val="59595C"/>
+                </a:solidFill>
+                <a:latin typeface="Helvetica" pitchFamily="2" charset="0"/>
+                <a:ea typeface="Open Sans" panose="020B0606030504020204" pitchFamily="34" charset="0"/>
+                <a:cs typeface="Open Sans" panose="020B0606030504020204" pitchFamily="34" charset="0"/>
+              </a:defRPr>
+            </a:lvl1pPr>
+            <a:lvl2pPr marL="457200" indent="0" algn="l" defTabSz="914400" rtl="0" eaLnBrk="1" latinLnBrk="0" hangingPunct="1">
+              <a:lnSpc>
+                <a:spcPct val="90000"/>
+              </a:lnSpc>
+              <a:spcBef>
+                <a:spcPts val="500"/>
+              </a:spcBef>
+              <a:buFont typeface="Arial" panose="020B0604020202020204" pitchFamily="34" charset="0"/>
+              <a:buNone/>
+              <a:defRPr sz="1400" b="0" i="0" kern="1200">
+                <a:solidFill>
+                  <a:srgbClr val="59595C"/>
+                </a:solidFill>
+                <a:latin typeface="Helvetica" pitchFamily="2" charset="0"/>
+                <a:ea typeface="Open Sans" panose="020B0606030504020204" pitchFamily="34" charset="0"/>
+                <a:cs typeface="Open Sans" panose="020B0606030504020204" pitchFamily="34" charset="0"/>
+              </a:defRPr>
+            </a:lvl2pPr>
+            <a:lvl3pPr marL="914400" indent="0" algn="l" defTabSz="914400" rtl="0" eaLnBrk="1" latinLnBrk="0" hangingPunct="1">
+              <a:lnSpc>
+                <a:spcPct val="90000"/>
+              </a:lnSpc>
+              <a:spcBef>
+                <a:spcPts val="500"/>
+              </a:spcBef>
+              <a:buFont typeface="Arial" panose="020B0604020202020204" pitchFamily="34" charset="0"/>
+              <a:buNone/>
+              <a:defRPr sz="1200" b="0" i="0" kern="1200">
+                <a:solidFill>
+                  <a:srgbClr val="59595C"/>
+                </a:solidFill>
+                <a:latin typeface="Helvetica" pitchFamily="2" charset="0"/>
+                <a:ea typeface="Open Sans" panose="020B0606030504020204" pitchFamily="34" charset="0"/>
+                <a:cs typeface="Open Sans" panose="020B0606030504020204" pitchFamily="34" charset="0"/>
+              </a:defRPr>
+            </a:lvl3pPr>
+            <a:lvl4pPr marL="1371600" indent="0" algn="l" defTabSz="914400" rtl="0" eaLnBrk="1" latinLnBrk="0" hangingPunct="1">
+              <a:lnSpc>
+                <a:spcPct val="90000"/>
+              </a:lnSpc>
+              <a:spcBef>
+                <a:spcPts val="500"/>
+              </a:spcBef>
+              <a:buFont typeface="Arial" panose="020B0604020202020204" pitchFamily="34" charset="0"/>
+              <a:buNone/>
+              <a:defRPr sz="1000" b="0" i="0" kern="1200">
+                <a:solidFill>
+                  <a:srgbClr val="59595C"/>
+                </a:solidFill>
+                <a:latin typeface="Helvetica" pitchFamily="2" charset="0"/>
+                <a:ea typeface="Open Sans" panose="020B0606030504020204" pitchFamily="34" charset="0"/>
+                <a:cs typeface="Open Sans" panose="020B0606030504020204" pitchFamily="34" charset="0"/>
+              </a:defRPr>
+            </a:lvl4pPr>
+            <a:lvl5pPr marL="1828800" indent="0" algn="l" defTabSz="914400" rtl="0" eaLnBrk="1" latinLnBrk="0" hangingPunct="1">
+              <a:lnSpc>
+                <a:spcPct val="90000"/>
+              </a:lnSpc>
+              <a:spcBef>
+                <a:spcPts val="500"/>
+              </a:spcBef>
+              <a:buFont typeface="Arial" panose="020B0604020202020204" pitchFamily="34" charset="0"/>
+              <a:buNone/>
+              <a:defRPr sz="1000" b="0" i="0" kern="1200">
+                <a:solidFill>
+                  <a:srgbClr val="59595C"/>
+                </a:solidFill>
+                <a:latin typeface="Helvetica" pitchFamily="2" charset="0"/>
+                <a:ea typeface="Open Sans" panose="020B0606030504020204" pitchFamily="34" charset="0"/>
+                <a:cs typeface="Open Sans" panose="020B0606030504020204" pitchFamily="34" charset="0"/>
+              </a:defRPr>
+            </a:lvl5pPr>
+            <a:lvl6pPr marL="2286000" indent="0" algn="l" defTabSz="914400" rtl="0" eaLnBrk="1" latinLnBrk="0" hangingPunct="1">
+              <a:lnSpc>
+                <a:spcPct val="90000"/>
+              </a:lnSpc>
+              <a:spcBef>
+                <a:spcPts val="500"/>
+              </a:spcBef>
+              <a:buFont typeface="Arial" panose="020B0604020202020204" pitchFamily="34" charset="0"/>
+              <a:buNone/>
+              <a:defRPr sz="1000" kern="1200">
+                <a:solidFill>
+                  <a:schemeClr val="tx1"/>
+                </a:solidFill>
+                <a:latin typeface="+mn-lt"/>
+                <a:ea typeface="+mn-ea"/>
+                <a:cs typeface="+mn-cs"/>
+              </a:defRPr>
+            </a:lvl6pPr>
+            <a:lvl7pPr marL="2743200" indent="0" algn="l" defTabSz="914400" rtl="0" eaLnBrk="1" latinLnBrk="0" hangingPunct="1">
+              <a:lnSpc>
+                <a:spcPct val="90000"/>
+              </a:lnSpc>
+              <a:spcBef>
+                <a:spcPts val="500"/>
+              </a:spcBef>
+              <a:buFont typeface="Arial" panose="020B0604020202020204" pitchFamily="34" charset="0"/>
+              <a:buNone/>
+              <a:defRPr sz="1000" kern="1200">
+                <a:solidFill>
+                  <a:schemeClr val="tx1"/>
+                </a:solidFill>
+                <a:latin typeface="+mn-lt"/>
+                <a:ea typeface="+mn-ea"/>
+                <a:cs typeface="+mn-cs"/>
+              </a:defRPr>
+            </a:lvl7pPr>
+            <a:lvl8pPr marL="3200400" indent="0" algn="l" defTabSz="914400" rtl="0" eaLnBrk="1" latinLnBrk="0" hangingPunct="1">
+              <a:lnSpc>
+                <a:spcPct val="90000"/>
+              </a:lnSpc>
+              <a:spcBef>
+                <a:spcPts val="500"/>
+              </a:spcBef>
+              <a:buFont typeface="Arial" panose="020B0604020202020204" pitchFamily="34" charset="0"/>
+              <a:buNone/>
+              <a:defRPr sz="1000" kern="1200">
+                <a:solidFill>
+                  <a:schemeClr val="tx1"/>
+                </a:solidFill>
+                <a:latin typeface="+mn-lt"/>
+                <a:ea typeface="+mn-ea"/>
+                <a:cs typeface="+mn-cs"/>
+              </a:defRPr>
+            </a:lvl8pPr>
+            <a:lvl9pPr marL="3657600" indent="0" algn="l" defTabSz="914400" rtl="0" eaLnBrk="1" latinLnBrk="0" hangingPunct="1">
+              <a:lnSpc>
+                <a:spcPct val="90000"/>
+              </a:lnSpc>
+              <a:spcBef>
+                <a:spcPts val="500"/>
+              </a:spcBef>
+              <a:buFont typeface="Arial" panose="020B0604020202020204" pitchFamily="34" charset="0"/>
+              <a:buNone/>
+              <a:defRPr sz="1000" kern="1200">
+                <a:solidFill>
+                  <a:schemeClr val="tx1"/>
+                </a:solidFill>
+                <a:latin typeface="+mn-lt"/>
+                <a:ea typeface="+mn-ea"/>
+                <a:cs typeface="+mn-cs"/>
+              </a:defRPr>
+            </a:lvl9pPr>
+          </a:lstStyle>
+          <a:p>
+            <a:pPr marL="285750" indent="-285750">
+              <a:buFont typeface="Arial" panose="020B0604020202020204" pitchFamily="34" charset="0"/>
+              <a:buChar char="•"/>
+            </a:pPr>
+            <a:r>
+              <a:rPr lang="en-US" dirty="0">
+                <a:solidFill>
+                  <a:schemeClr val="tx1"/>
+                </a:solidFill>
+              </a:rPr>
+              <a:t>Dependent on BEAM mode choice</a:t>
+            </a:r>
+          </a:p>
+          <a:p>
+            <a:pPr marL="742950" lvl="1" indent="-285750">
+              <a:buFont typeface="Arial" panose="020B0604020202020204" pitchFamily="34" charset="0"/>
+              <a:buChar char="•"/>
+            </a:pPr>
+            <a:r>
+              <a:rPr lang="en-US" dirty="0">
+                <a:solidFill>
+                  <a:schemeClr val="tx1"/>
+                </a:solidFill>
+              </a:rPr>
+              <a:t>None – Smallest Mean, Largest Range, Bottom Heavy</a:t>
+            </a:r>
+          </a:p>
+          <a:p>
+            <a:pPr marL="742950" lvl="1" indent="-285750">
+              <a:buFont typeface="Arial" panose="020B0604020202020204" pitchFamily="34" charset="0"/>
+              <a:buChar char="•"/>
+            </a:pPr>
+            <a:r>
+              <a:rPr lang="en-US" dirty="0" err="1">
+                <a:solidFill>
+                  <a:schemeClr val="tx1"/>
+                </a:solidFill>
+              </a:rPr>
+              <a:t>AllModes</a:t>
+            </a:r>
+            <a:r>
+              <a:rPr lang="en-US" dirty="0">
+                <a:solidFill>
+                  <a:schemeClr val="tx1"/>
+                </a:solidFill>
+              </a:rPr>
+              <a:t> – Even Spread</a:t>
+            </a:r>
+          </a:p>
+          <a:p>
+            <a:pPr marL="742950" lvl="1" indent="-285750">
+              <a:buFont typeface="Arial" panose="020B0604020202020204" pitchFamily="34" charset="0"/>
+              <a:buChar char="•"/>
+            </a:pPr>
+            <a:r>
+              <a:rPr lang="en-US" dirty="0" err="1">
+                <a:solidFill>
+                  <a:schemeClr val="tx1"/>
+                </a:solidFill>
+              </a:rPr>
+              <a:t>RHModes</a:t>
+            </a:r>
+            <a:r>
+              <a:rPr lang="en-US" dirty="0">
+                <a:solidFill>
+                  <a:schemeClr val="tx1"/>
+                </a:solidFill>
+              </a:rPr>
+              <a:t> – Top Heavy</a:t>
+            </a:r>
+          </a:p>
+          <a:p>
+            <a:pPr marL="285750" indent="-285750">
+              <a:buFont typeface="Arial" panose="020B0604020202020204" pitchFamily="34" charset="0"/>
+              <a:buChar char="•"/>
+            </a:pPr>
+            <a:r>
+              <a:rPr lang="en-US" dirty="0">
+                <a:solidFill>
+                  <a:schemeClr val="tx1"/>
+                </a:solidFill>
+              </a:rPr>
+              <a:t>Not significantly affected by input plans or utility parameters</a:t>
+            </a:r>
+          </a:p>
+          <a:p>
+            <a:pPr marL="742950" lvl="1" indent="-285750">
+              <a:buFont typeface="Arial" panose="020B0604020202020204" pitchFamily="34" charset="0"/>
+              <a:buChar char="•"/>
+            </a:pPr>
+            <a:r>
+              <a:rPr lang="en-US" dirty="0">
+                <a:solidFill>
+                  <a:schemeClr val="tx1"/>
+                </a:solidFill>
+              </a:rPr>
+              <a:t>But greater max wait time when ride hail in initial plans</a:t>
+            </a:r>
+          </a:p>
+          <a:p>
+            <a:pPr marL="285750" indent="-285750">
+              <a:buFont typeface="Arial" panose="020B0604020202020204" pitchFamily="34" charset="0"/>
+              <a:buChar char="•"/>
+            </a:pPr>
+            <a:r>
+              <a:rPr lang="en-US" dirty="0">
+                <a:solidFill>
+                  <a:schemeClr val="tx1"/>
+                </a:solidFill>
+              </a:rPr>
+              <a:t>All wait times under 25 minutes (greater than that may have induced replanning)</a:t>
+            </a:r>
+          </a:p>
+          <a:p>
+            <a:pPr marL="285750" indent="-285750">
+              <a:buFont typeface="Arial" panose="020B0604020202020204" pitchFamily="34" charset="0"/>
+              <a:buChar char="•"/>
+            </a:pPr>
+            <a:r>
+              <a:rPr lang="en-US" dirty="0">
+                <a:solidFill>
+                  <a:schemeClr val="tx1"/>
+                </a:solidFill>
+              </a:rPr>
+              <a:t>Function of ride hail utilization</a:t>
+            </a:r>
+          </a:p>
+          <a:p>
+            <a:pPr marL="285750" indent="-285750">
+              <a:buFont typeface="Arial" panose="020B0604020202020204" pitchFamily="34" charset="0"/>
+              <a:buChar char="•"/>
+            </a:pPr>
+            <a:endParaRPr lang="en-US" dirty="0">
+              <a:solidFill>
+                <a:schemeClr val="tx1"/>
+              </a:solidFill>
+            </a:endParaRPr>
+          </a:p>
+          <a:p>
+            <a:pPr marL="285750" indent="-285750">
+              <a:buFont typeface="Arial" panose="020B0604020202020204" pitchFamily="34" charset="0"/>
+              <a:buChar char="•"/>
+            </a:pPr>
+            <a:endParaRPr lang="en-US" dirty="0">
+              <a:solidFill>
+                <a:schemeClr val="tx1"/>
+              </a:solidFill>
+            </a:endParaRPr>
+          </a:p>
+          <a:p>
+            <a:pPr marL="342900" indent="-342900" algn="ctr">
+              <a:buFont typeface="+mj-lt"/>
+              <a:buAutoNum type="arabicPeriod"/>
+            </a:pPr>
+            <a:endParaRPr lang="en-US" dirty="0">
+              <a:solidFill>
+                <a:schemeClr val="tx1"/>
+              </a:solidFill>
+            </a:endParaRPr>
+          </a:p>
+          <a:p>
+            <a:pPr algn="ctr"/>
+            <a:endParaRPr lang="en-US" dirty="0">
+              <a:solidFill>
+                <a:schemeClr val="tx1"/>
+              </a:solidFill>
+            </a:endParaRPr>
+          </a:p>
+        </p:txBody>
+      </p:sp>
       <p:pic>
         <p:nvPicPr>
-          <p:cNvPr id="2" name="Picture 1">
-            <a:extLst>
-              <a:ext uri="{FF2B5EF4-FFF2-40B4-BE49-F238E27FC236}">
-                <a16:creationId xmlns:a16="http://schemas.microsoft.com/office/drawing/2014/main" id="{3C322B25-A865-CD3C-2761-CF8E4F4300FA}"/>
+          <p:cNvPr id="5" name="Picture 4">
+            <a:extLst>
+              <a:ext uri="{FF2B5EF4-FFF2-40B4-BE49-F238E27FC236}">
+                <a16:creationId xmlns:a16="http://schemas.microsoft.com/office/drawing/2014/main" id="{A00A9F90-668F-0AE1-ABA2-A7379E823D56}"/>
               </a:ext>
             </a:extLst>
           </p:cNvPr>
@@ -10525,576 +11048,14 @@
         </p:blipFill>
         <p:spPr>
           <a:xfrm>
-            <a:off x="4211961" y="1171429"/>
-            <a:ext cx="7791330" cy="5408909"/>
+            <a:off x="4077048" y="1035663"/>
+            <a:ext cx="7819151" cy="5415757"/>
           </a:xfrm>
           <a:prstGeom prst="rect">
             <a:avLst/>
           </a:prstGeom>
         </p:spPr>
       </p:pic>
-      <p:sp>
-        <p:nvSpPr>
-          <p:cNvPr id="8" name="Text Placeholder 3">
-            <a:extLst>
-              <a:ext uri="{FF2B5EF4-FFF2-40B4-BE49-F238E27FC236}">
-                <a16:creationId xmlns:a16="http://schemas.microsoft.com/office/drawing/2014/main" id="{5460191F-1090-321C-A337-A8A61B5D196D}"/>
-              </a:ext>
-            </a:extLst>
-          </p:cNvPr>
-          <p:cNvSpPr txBox="1">
-            <a:spLocks/>
-          </p:cNvSpPr>
-          <p:nvPr/>
-        </p:nvSpPr>
-        <p:spPr>
-          <a:xfrm>
-            <a:off x="188709" y="1536902"/>
-            <a:ext cx="3888341" cy="1108848"/>
-          </a:xfrm>
-          <a:prstGeom prst="rect">
-            <a:avLst/>
-          </a:prstGeom>
-        </p:spPr>
-        <p:txBody>
-          <a:bodyPr vert="horz" lIns="91440" tIns="45720" rIns="91440" bIns="45720" rtlCol="0" anchor="ctr">
-            <a:normAutofit/>
-          </a:bodyPr>
-          <a:lstStyle>
-            <a:lvl1pPr marL="0" indent="0" algn="l" defTabSz="914400" rtl="0" eaLnBrk="1" latinLnBrk="0" hangingPunct="1">
-              <a:lnSpc>
-                <a:spcPct val="90000"/>
-              </a:lnSpc>
-              <a:spcBef>
-                <a:spcPts val="1000"/>
-              </a:spcBef>
-              <a:buFont typeface="Arial" panose="020B0604020202020204" pitchFamily="34" charset="0"/>
-              <a:buNone/>
-              <a:defRPr sz="2400" b="1" i="0" kern="1200">
-                <a:solidFill>
-                  <a:srgbClr val="0062B8"/>
-                </a:solidFill>
-                <a:latin typeface="Rockwell" panose="02060603020205020403" pitchFamily="18" charset="77"/>
-                <a:ea typeface="Open Sans" panose="020B0606030504020204" pitchFamily="34" charset="0"/>
-                <a:cs typeface="Open Sans" panose="020B0606030504020204" pitchFamily="34" charset="0"/>
-              </a:defRPr>
-            </a:lvl1pPr>
-            <a:lvl2pPr marL="457200" indent="0" algn="l" defTabSz="914400" rtl="0" eaLnBrk="1" latinLnBrk="0" hangingPunct="1">
-              <a:lnSpc>
-                <a:spcPct val="90000"/>
-              </a:lnSpc>
-              <a:spcBef>
-                <a:spcPts val="500"/>
-              </a:spcBef>
-              <a:buFont typeface="Arial" panose="020B0604020202020204" pitchFamily="34" charset="0"/>
-              <a:buNone/>
-              <a:defRPr sz="2000" b="1" i="0" kern="1200">
-                <a:solidFill>
-                  <a:srgbClr val="59595C"/>
-                </a:solidFill>
-                <a:latin typeface="Helvetica" pitchFamily="2" charset="0"/>
-                <a:ea typeface="Open Sans" panose="020B0606030504020204" pitchFamily="34" charset="0"/>
-                <a:cs typeface="Open Sans" panose="020B0606030504020204" pitchFamily="34" charset="0"/>
-              </a:defRPr>
-            </a:lvl2pPr>
-            <a:lvl3pPr marL="914400" indent="0" algn="l" defTabSz="914400" rtl="0" eaLnBrk="1" latinLnBrk="0" hangingPunct="1">
-              <a:lnSpc>
-                <a:spcPct val="90000"/>
-              </a:lnSpc>
-              <a:spcBef>
-                <a:spcPts val="500"/>
-              </a:spcBef>
-              <a:buFont typeface="Arial" panose="020B0604020202020204" pitchFamily="34" charset="0"/>
-              <a:buNone/>
-              <a:defRPr sz="1800" b="1" i="0" kern="1200">
-                <a:solidFill>
-                  <a:srgbClr val="59595C"/>
-                </a:solidFill>
-                <a:latin typeface="Helvetica" pitchFamily="2" charset="0"/>
-                <a:ea typeface="Open Sans" panose="020B0606030504020204" pitchFamily="34" charset="0"/>
-                <a:cs typeface="Open Sans" panose="020B0606030504020204" pitchFamily="34" charset="0"/>
-              </a:defRPr>
-            </a:lvl3pPr>
-            <a:lvl4pPr marL="1371600" indent="0" algn="l" defTabSz="914400" rtl="0" eaLnBrk="1" latinLnBrk="0" hangingPunct="1">
-              <a:lnSpc>
-                <a:spcPct val="90000"/>
-              </a:lnSpc>
-              <a:spcBef>
-                <a:spcPts val="500"/>
-              </a:spcBef>
-              <a:buFont typeface="Arial" panose="020B0604020202020204" pitchFamily="34" charset="0"/>
-              <a:buNone/>
-              <a:defRPr sz="1600" b="1" i="0" kern="1200">
-                <a:solidFill>
-                  <a:srgbClr val="59595C"/>
-                </a:solidFill>
-                <a:latin typeface="Helvetica" pitchFamily="2" charset="0"/>
-                <a:ea typeface="Open Sans" panose="020B0606030504020204" pitchFamily="34" charset="0"/>
-                <a:cs typeface="Open Sans" panose="020B0606030504020204" pitchFamily="34" charset="0"/>
-              </a:defRPr>
-            </a:lvl4pPr>
-            <a:lvl5pPr marL="1828800" indent="0" algn="l" defTabSz="914400" rtl="0" eaLnBrk="1" latinLnBrk="0" hangingPunct="1">
-              <a:lnSpc>
-                <a:spcPct val="90000"/>
-              </a:lnSpc>
-              <a:spcBef>
-                <a:spcPts val="500"/>
-              </a:spcBef>
-              <a:buFont typeface="Arial" panose="020B0604020202020204" pitchFamily="34" charset="0"/>
-              <a:buNone/>
-              <a:defRPr sz="1600" b="1" i="0" kern="1200">
-                <a:solidFill>
-                  <a:srgbClr val="59595C"/>
-                </a:solidFill>
-                <a:latin typeface="Helvetica" pitchFamily="2" charset="0"/>
-                <a:ea typeface="Open Sans" panose="020B0606030504020204" pitchFamily="34" charset="0"/>
-                <a:cs typeface="Open Sans" panose="020B0606030504020204" pitchFamily="34" charset="0"/>
-              </a:defRPr>
-            </a:lvl5pPr>
-            <a:lvl6pPr marL="2286000" indent="0" algn="l" defTabSz="914400" rtl="0" eaLnBrk="1" latinLnBrk="0" hangingPunct="1">
-              <a:lnSpc>
-                <a:spcPct val="90000"/>
-              </a:lnSpc>
-              <a:spcBef>
-                <a:spcPts val="500"/>
-              </a:spcBef>
-              <a:buFont typeface="Arial" panose="020B0604020202020204" pitchFamily="34" charset="0"/>
-              <a:buNone/>
-              <a:defRPr sz="1600" b="1" kern="1200">
-                <a:solidFill>
-                  <a:schemeClr val="tx1"/>
-                </a:solidFill>
-                <a:latin typeface="+mn-lt"/>
-                <a:ea typeface="+mn-ea"/>
-                <a:cs typeface="+mn-cs"/>
-              </a:defRPr>
-            </a:lvl6pPr>
-            <a:lvl7pPr marL="2743200" indent="0" algn="l" defTabSz="914400" rtl="0" eaLnBrk="1" latinLnBrk="0" hangingPunct="1">
-              <a:lnSpc>
-                <a:spcPct val="90000"/>
-              </a:lnSpc>
-              <a:spcBef>
-                <a:spcPts val="500"/>
-              </a:spcBef>
-              <a:buFont typeface="Arial" panose="020B0604020202020204" pitchFamily="34" charset="0"/>
-              <a:buNone/>
-              <a:defRPr sz="1600" b="1" kern="1200">
-                <a:solidFill>
-                  <a:schemeClr val="tx1"/>
-                </a:solidFill>
-                <a:latin typeface="+mn-lt"/>
-                <a:ea typeface="+mn-ea"/>
-                <a:cs typeface="+mn-cs"/>
-              </a:defRPr>
-            </a:lvl7pPr>
-            <a:lvl8pPr marL="3200400" indent="0" algn="l" defTabSz="914400" rtl="0" eaLnBrk="1" latinLnBrk="0" hangingPunct="1">
-              <a:lnSpc>
-                <a:spcPct val="90000"/>
-              </a:lnSpc>
-              <a:spcBef>
-                <a:spcPts val="500"/>
-              </a:spcBef>
-              <a:buFont typeface="Arial" panose="020B0604020202020204" pitchFamily="34" charset="0"/>
-              <a:buNone/>
-              <a:defRPr sz="1600" b="1" kern="1200">
-                <a:solidFill>
-                  <a:schemeClr val="tx1"/>
-                </a:solidFill>
-                <a:latin typeface="+mn-lt"/>
-                <a:ea typeface="+mn-ea"/>
-                <a:cs typeface="+mn-cs"/>
-              </a:defRPr>
-            </a:lvl8pPr>
-            <a:lvl9pPr marL="3657600" indent="0" algn="l" defTabSz="914400" rtl="0" eaLnBrk="1" latinLnBrk="0" hangingPunct="1">
-              <a:lnSpc>
-                <a:spcPct val="90000"/>
-              </a:lnSpc>
-              <a:spcBef>
-                <a:spcPts val="500"/>
-              </a:spcBef>
-              <a:buFont typeface="Arial" panose="020B0604020202020204" pitchFamily="34" charset="0"/>
-              <a:buNone/>
-              <a:defRPr sz="1600" b="1" kern="1200">
-                <a:solidFill>
-                  <a:schemeClr val="tx1"/>
-                </a:solidFill>
-                <a:latin typeface="+mn-lt"/>
-                <a:ea typeface="+mn-ea"/>
-                <a:cs typeface="+mn-cs"/>
-              </a:defRPr>
-            </a:lvl9pPr>
-          </a:lstStyle>
-          <a:p>
-            <a:pPr algn="ctr"/>
-            <a:r>
-              <a:rPr lang="en-US" dirty="0"/>
-              <a:t>Wait Time Violin Plots</a:t>
-            </a:r>
-          </a:p>
-        </p:txBody>
-      </p:sp>
-      <p:sp>
-        <p:nvSpPr>
-          <p:cNvPr id="9" name="Content Placeholder 4">
-            <a:extLst>
-              <a:ext uri="{FF2B5EF4-FFF2-40B4-BE49-F238E27FC236}">
-                <a16:creationId xmlns:a16="http://schemas.microsoft.com/office/drawing/2014/main" id="{1102EB56-F58A-5B24-1FF1-7AAC946EFF73}"/>
-              </a:ext>
-            </a:extLst>
-          </p:cNvPr>
-          <p:cNvSpPr txBox="1">
-            <a:spLocks/>
-          </p:cNvSpPr>
-          <p:nvPr/>
-        </p:nvSpPr>
-        <p:spPr>
-          <a:xfrm>
-            <a:off x="453381" y="2483169"/>
-            <a:ext cx="3358995" cy="3219202"/>
-          </a:xfrm>
-          <a:prstGeom prst="rect">
-            <a:avLst/>
-          </a:prstGeom>
-        </p:spPr>
-        <p:txBody>
-          <a:bodyPr vert="horz" lIns="91440" tIns="45720" rIns="91440" bIns="45720" rtlCol="0">
-            <a:normAutofit fontScale="92500" lnSpcReduction="10000"/>
-          </a:bodyPr>
-          <a:lstStyle>
-            <a:lvl1pPr marL="0" indent="0" algn="l" defTabSz="914400" rtl="0" eaLnBrk="1" latinLnBrk="0" hangingPunct="1">
-              <a:lnSpc>
-                <a:spcPct val="90000"/>
-              </a:lnSpc>
-              <a:spcBef>
-                <a:spcPts val="1000"/>
-              </a:spcBef>
-              <a:buFont typeface="Arial" panose="020B0604020202020204" pitchFamily="34" charset="0"/>
-              <a:buNone/>
-              <a:defRPr sz="1600" b="0" i="0" kern="1200">
-                <a:solidFill>
-                  <a:srgbClr val="59595C"/>
-                </a:solidFill>
-                <a:latin typeface="Helvetica" pitchFamily="2" charset="0"/>
-                <a:ea typeface="Open Sans" panose="020B0606030504020204" pitchFamily="34" charset="0"/>
-                <a:cs typeface="Open Sans" panose="020B0606030504020204" pitchFamily="34" charset="0"/>
-              </a:defRPr>
-            </a:lvl1pPr>
-            <a:lvl2pPr marL="457200" indent="0" algn="l" defTabSz="914400" rtl="0" eaLnBrk="1" latinLnBrk="0" hangingPunct="1">
-              <a:lnSpc>
-                <a:spcPct val="90000"/>
-              </a:lnSpc>
-              <a:spcBef>
-                <a:spcPts val="500"/>
-              </a:spcBef>
-              <a:buFont typeface="Arial" panose="020B0604020202020204" pitchFamily="34" charset="0"/>
-              <a:buNone/>
-              <a:defRPr sz="1400" b="0" i="0" kern="1200">
-                <a:solidFill>
-                  <a:srgbClr val="59595C"/>
-                </a:solidFill>
-                <a:latin typeface="Helvetica" pitchFamily="2" charset="0"/>
-                <a:ea typeface="Open Sans" panose="020B0606030504020204" pitchFamily="34" charset="0"/>
-                <a:cs typeface="Open Sans" panose="020B0606030504020204" pitchFamily="34" charset="0"/>
-              </a:defRPr>
-            </a:lvl2pPr>
-            <a:lvl3pPr marL="914400" indent="0" algn="l" defTabSz="914400" rtl="0" eaLnBrk="1" latinLnBrk="0" hangingPunct="1">
-              <a:lnSpc>
-                <a:spcPct val="90000"/>
-              </a:lnSpc>
-              <a:spcBef>
-                <a:spcPts val="500"/>
-              </a:spcBef>
-              <a:buFont typeface="Arial" panose="020B0604020202020204" pitchFamily="34" charset="0"/>
-              <a:buNone/>
-              <a:defRPr sz="1200" b="0" i="0" kern="1200">
-                <a:solidFill>
-                  <a:srgbClr val="59595C"/>
-                </a:solidFill>
-                <a:latin typeface="Helvetica" pitchFamily="2" charset="0"/>
-                <a:ea typeface="Open Sans" panose="020B0606030504020204" pitchFamily="34" charset="0"/>
-                <a:cs typeface="Open Sans" panose="020B0606030504020204" pitchFamily="34" charset="0"/>
-              </a:defRPr>
-            </a:lvl3pPr>
-            <a:lvl4pPr marL="1371600" indent="0" algn="l" defTabSz="914400" rtl="0" eaLnBrk="1" latinLnBrk="0" hangingPunct="1">
-              <a:lnSpc>
-                <a:spcPct val="90000"/>
-              </a:lnSpc>
-              <a:spcBef>
-                <a:spcPts val="500"/>
-              </a:spcBef>
-              <a:buFont typeface="Arial" panose="020B0604020202020204" pitchFamily="34" charset="0"/>
-              <a:buNone/>
-              <a:defRPr sz="1000" b="0" i="0" kern="1200">
-                <a:solidFill>
-                  <a:srgbClr val="59595C"/>
-                </a:solidFill>
-                <a:latin typeface="Helvetica" pitchFamily="2" charset="0"/>
-                <a:ea typeface="Open Sans" panose="020B0606030504020204" pitchFamily="34" charset="0"/>
-                <a:cs typeface="Open Sans" panose="020B0606030504020204" pitchFamily="34" charset="0"/>
-              </a:defRPr>
-            </a:lvl4pPr>
-            <a:lvl5pPr marL="1828800" indent="0" algn="l" defTabSz="914400" rtl="0" eaLnBrk="1" latinLnBrk="0" hangingPunct="1">
-              <a:lnSpc>
-                <a:spcPct val="90000"/>
-              </a:lnSpc>
-              <a:spcBef>
-                <a:spcPts val="500"/>
-              </a:spcBef>
-              <a:buFont typeface="Arial" panose="020B0604020202020204" pitchFamily="34" charset="0"/>
-              <a:buNone/>
-              <a:defRPr sz="1000" b="0" i="0" kern="1200">
-                <a:solidFill>
-                  <a:srgbClr val="59595C"/>
-                </a:solidFill>
-                <a:latin typeface="Helvetica" pitchFamily="2" charset="0"/>
-                <a:ea typeface="Open Sans" panose="020B0606030504020204" pitchFamily="34" charset="0"/>
-                <a:cs typeface="Open Sans" panose="020B0606030504020204" pitchFamily="34" charset="0"/>
-              </a:defRPr>
-            </a:lvl5pPr>
-            <a:lvl6pPr marL="2286000" indent="0" algn="l" defTabSz="914400" rtl="0" eaLnBrk="1" latinLnBrk="0" hangingPunct="1">
-              <a:lnSpc>
-                <a:spcPct val="90000"/>
-              </a:lnSpc>
-              <a:spcBef>
-                <a:spcPts val="500"/>
-              </a:spcBef>
-              <a:buFont typeface="Arial" panose="020B0604020202020204" pitchFamily="34" charset="0"/>
-              <a:buNone/>
-              <a:defRPr sz="1000" kern="1200">
-                <a:solidFill>
-                  <a:schemeClr val="tx1"/>
-                </a:solidFill>
-                <a:latin typeface="+mn-lt"/>
-                <a:ea typeface="+mn-ea"/>
-                <a:cs typeface="+mn-cs"/>
-              </a:defRPr>
-            </a:lvl6pPr>
-            <a:lvl7pPr marL="2743200" indent="0" algn="l" defTabSz="914400" rtl="0" eaLnBrk="1" latinLnBrk="0" hangingPunct="1">
-              <a:lnSpc>
-                <a:spcPct val="90000"/>
-              </a:lnSpc>
-              <a:spcBef>
-                <a:spcPts val="500"/>
-              </a:spcBef>
-              <a:buFont typeface="Arial" panose="020B0604020202020204" pitchFamily="34" charset="0"/>
-              <a:buNone/>
-              <a:defRPr sz="1000" kern="1200">
-                <a:solidFill>
-                  <a:schemeClr val="tx1"/>
-                </a:solidFill>
-                <a:latin typeface="+mn-lt"/>
-                <a:ea typeface="+mn-ea"/>
-                <a:cs typeface="+mn-cs"/>
-              </a:defRPr>
-            </a:lvl7pPr>
-            <a:lvl8pPr marL="3200400" indent="0" algn="l" defTabSz="914400" rtl="0" eaLnBrk="1" latinLnBrk="0" hangingPunct="1">
-              <a:lnSpc>
-                <a:spcPct val="90000"/>
-              </a:lnSpc>
-              <a:spcBef>
-                <a:spcPts val="500"/>
-              </a:spcBef>
-              <a:buFont typeface="Arial" panose="020B0604020202020204" pitchFamily="34" charset="0"/>
-              <a:buNone/>
-              <a:defRPr sz="1000" kern="1200">
-                <a:solidFill>
-                  <a:schemeClr val="tx1"/>
-                </a:solidFill>
-                <a:latin typeface="+mn-lt"/>
-                <a:ea typeface="+mn-ea"/>
-                <a:cs typeface="+mn-cs"/>
-              </a:defRPr>
-            </a:lvl8pPr>
-            <a:lvl9pPr marL="3657600" indent="0" algn="l" defTabSz="914400" rtl="0" eaLnBrk="1" latinLnBrk="0" hangingPunct="1">
-              <a:lnSpc>
-                <a:spcPct val="90000"/>
-              </a:lnSpc>
-              <a:spcBef>
-                <a:spcPts val="500"/>
-              </a:spcBef>
-              <a:buFont typeface="Arial" panose="020B0604020202020204" pitchFamily="34" charset="0"/>
-              <a:buNone/>
-              <a:defRPr sz="1000" kern="1200">
-                <a:solidFill>
-                  <a:schemeClr val="tx1"/>
-                </a:solidFill>
-                <a:latin typeface="+mn-lt"/>
-                <a:ea typeface="+mn-ea"/>
-                <a:cs typeface="+mn-cs"/>
-              </a:defRPr>
-            </a:lvl9pPr>
-          </a:lstStyle>
-          <a:p>
-            <a:pPr marL="285750" indent="-285750">
-              <a:buFont typeface="Arial" panose="020B0604020202020204" pitchFamily="34" charset="0"/>
-              <a:buChar char="•"/>
-            </a:pPr>
-            <a:r>
-              <a:rPr lang="en-US" dirty="0">
-                <a:solidFill>
-                  <a:schemeClr val="tx1"/>
-                </a:solidFill>
-              </a:rPr>
-              <a:t>Dependent on BEAM mode choice</a:t>
-            </a:r>
-          </a:p>
-          <a:p>
-            <a:pPr marL="742950" lvl="1" indent="-285750">
-              <a:buFont typeface="Arial" panose="020B0604020202020204" pitchFamily="34" charset="0"/>
-              <a:buChar char="•"/>
-            </a:pPr>
-            <a:r>
-              <a:rPr lang="en-US" dirty="0">
-                <a:solidFill>
-                  <a:schemeClr val="tx1"/>
-                </a:solidFill>
-              </a:rPr>
-              <a:t>None – Smallest Mean, Largest Range, Bottom Heavy</a:t>
-            </a:r>
-          </a:p>
-          <a:p>
-            <a:pPr marL="742950" lvl="1" indent="-285750">
-              <a:buFont typeface="Arial" panose="020B0604020202020204" pitchFamily="34" charset="0"/>
-              <a:buChar char="•"/>
-            </a:pPr>
-            <a:r>
-              <a:rPr lang="en-US" dirty="0" err="1">
-                <a:solidFill>
-                  <a:schemeClr val="tx1"/>
-                </a:solidFill>
-              </a:rPr>
-              <a:t>AllModes</a:t>
-            </a:r>
-            <a:r>
-              <a:rPr lang="en-US" dirty="0">
-                <a:solidFill>
-                  <a:schemeClr val="tx1"/>
-                </a:solidFill>
-              </a:rPr>
-              <a:t> – Even Spread</a:t>
-            </a:r>
-          </a:p>
-          <a:p>
-            <a:pPr marL="742950" lvl="1" indent="-285750">
-              <a:buFont typeface="Arial" panose="020B0604020202020204" pitchFamily="34" charset="0"/>
-              <a:buChar char="•"/>
-            </a:pPr>
-            <a:r>
-              <a:rPr lang="en-US" dirty="0" err="1">
-                <a:solidFill>
-                  <a:schemeClr val="tx1"/>
-                </a:solidFill>
-              </a:rPr>
-              <a:t>RHModes</a:t>
-            </a:r>
-            <a:r>
-              <a:rPr lang="en-US" dirty="0">
-                <a:solidFill>
-                  <a:schemeClr val="tx1"/>
-                </a:solidFill>
-              </a:rPr>
-              <a:t> – Top Heavy</a:t>
-            </a:r>
-          </a:p>
-          <a:p>
-            <a:pPr marL="285750" indent="-285750">
-              <a:buFont typeface="Arial" panose="020B0604020202020204" pitchFamily="34" charset="0"/>
-              <a:buChar char="•"/>
-            </a:pPr>
-            <a:r>
-              <a:rPr lang="en-US" dirty="0">
-                <a:solidFill>
-                  <a:schemeClr val="tx1"/>
-                </a:solidFill>
-              </a:rPr>
-              <a:t>Not significantly affected by input plans or utility parameters</a:t>
-            </a:r>
-          </a:p>
-          <a:p>
-            <a:pPr marL="742950" lvl="1" indent="-285750">
-              <a:buFont typeface="Arial" panose="020B0604020202020204" pitchFamily="34" charset="0"/>
-              <a:buChar char="•"/>
-            </a:pPr>
-            <a:r>
-              <a:rPr lang="en-US" dirty="0">
-                <a:solidFill>
-                  <a:schemeClr val="tx1"/>
-                </a:solidFill>
-              </a:rPr>
-              <a:t>But greater max wait time when ride hail in initial plans</a:t>
-            </a:r>
-          </a:p>
-          <a:p>
-            <a:pPr marL="285750" indent="-285750">
-              <a:buFont typeface="Arial" panose="020B0604020202020204" pitchFamily="34" charset="0"/>
-              <a:buChar char="•"/>
-            </a:pPr>
-            <a:r>
-              <a:rPr lang="en-US" dirty="0">
-                <a:solidFill>
-                  <a:schemeClr val="tx1"/>
-                </a:solidFill>
-              </a:rPr>
-              <a:t>All wait times under 25 minutes (greater than that may have induced replanning)</a:t>
-            </a:r>
-          </a:p>
-          <a:p>
-            <a:pPr marL="285750" indent="-285750">
-              <a:buFont typeface="Arial" panose="020B0604020202020204" pitchFamily="34" charset="0"/>
-              <a:buChar char="•"/>
-            </a:pPr>
-            <a:r>
-              <a:rPr lang="en-US" dirty="0">
-                <a:solidFill>
-                  <a:schemeClr val="tx1"/>
-                </a:solidFill>
-              </a:rPr>
-              <a:t>Function of ride hail utilization</a:t>
-            </a:r>
-          </a:p>
-          <a:p>
-            <a:pPr marL="285750" indent="-285750">
-              <a:buFont typeface="Arial" panose="020B0604020202020204" pitchFamily="34" charset="0"/>
-              <a:buChar char="•"/>
-            </a:pPr>
-            <a:endParaRPr lang="en-US" dirty="0">
-              <a:solidFill>
-                <a:schemeClr val="tx1"/>
-              </a:solidFill>
-            </a:endParaRPr>
-          </a:p>
-          <a:p>
-            <a:pPr marL="285750" indent="-285750">
-              <a:buFont typeface="Arial" panose="020B0604020202020204" pitchFamily="34" charset="0"/>
-              <a:buChar char="•"/>
-            </a:pPr>
-            <a:endParaRPr lang="en-US" dirty="0">
-              <a:solidFill>
-                <a:schemeClr val="tx1"/>
-              </a:solidFill>
-            </a:endParaRPr>
-          </a:p>
-          <a:p>
-            <a:pPr marL="342900" indent="-342900" algn="ctr">
-              <a:buFont typeface="+mj-lt"/>
-              <a:buAutoNum type="arabicPeriod"/>
-            </a:pPr>
-            <a:endParaRPr lang="en-US" dirty="0">
-              <a:solidFill>
-                <a:schemeClr val="tx1"/>
-              </a:solidFill>
-            </a:endParaRPr>
-          </a:p>
-          <a:p>
-            <a:pPr algn="ctr"/>
-            <a:endParaRPr lang="en-US" dirty="0">
-              <a:solidFill>
-                <a:schemeClr val="tx1"/>
-              </a:solidFill>
-            </a:endParaRPr>
-          </a:p>
-        </p:txBody>
-      </p:sp>
     </p:spTree>
     <p:extLst>
       <p:ext uri="{BB962C8B-B14F-4D97-AF65-F5344CB8AC3E}">
